--- a/spring11/slides11/slides6f.pptx
+++ b/spring11/slides11/slides6f.pptx
@@ -5,10 +5,10 @@
     <p:sldMasterId id="2147483648" r:id="rId1"/>
   </p:sldMasterIdLst>
   <p:notesMasterIdLst>
-    <p:notesMasterId r:id="rId39"/>
+    <p:notesMasterId r:id="rId42"/>
   </p:notesMasterIdLst>
   <p:handoutMasterIdLst>
-    <p:handoutMasterId r:id="rId40"/>
+    <p:handoutMasterId r:id="rId43"/>
   </p:handoutMasterIdLst>
   <p:sldIdLst>
     <p:sldId id="257" r:id="rId2"/>
@@ -31,62 +31,65 @@
     <p:sldId id="281" r:id="rId19"/>
     <p:sldId id="282" r:id="rId20"/>
     <p:sldId id="380" r:id="rId21"/>
-    <p:sldId id="381" r:id="rId22"/>
-    <p:sldId id="285" r:id="rId23"/>
-    <p:sldId id="337" r:id="rId24"/>
-    <p:sldId id="287" r:id="rId25"/>
-    <p:sldId id="338" r:id="rId26"/>
-    <p:sldId id="339" r:id="rId27"/>
-    <p:sldId id="292" r:id="rId28"/>
-    <p:sldId id="374" r:id="rId29"/>
+    <p:sldId id="390" r:id="rId22"/>
+    <p:sldId id="381" r:id="rId23"/>
+    <p:sldId id="285" r:id="rId24"/>
+    <p:sldId id="337" r:id="rId25"/>
+    <p:sldId id="287" r:id="rId26"/>
+    <p:sldId id="338" r:id="rId27"/>
+    <p:sldId id="339" r:id="rId28"/>
+    <p:sldId id="292" r:id="rId29"/>
     <p:sldId id="293" r:id="rId30"/>
-    <p:sldId id="294" r:id="rId31"/>
-    <p:sldId id="296" r:id="rId32"/>
-    <p:sldId id="371" r:id="rId33"/>
-    <p:sldId id="373" r:id="rId34"/>
-    <p:sldId id="369" r:id="rId35"/>
-    <p:sldId id="383" r:id="rId36"/>
-    <p:sldId id="388" r:id="rId37"/>
-    <p:sldId id="389" r:id="rId38"/>
+    <p:sldId id="374" r:id="rId31"/>
+    <p:sldId id="294" r:id="rId32"/>
+    <p:sldId id="296" r:id="rId33"/>
+    <p:sldId id="392" r:id="rId34"/>
+    <p:sldId id="391" r:id="rId35"/>
+    <p:sldId id="371" r:id="rId36"/>
+    <p:sldId id="373" r:id="rId37"/>
+    <p:sldId id="369" r:id="rId38"/>
+    <p:sldId id="383" r:id="rId39"/>
+    <p:sldId id="388" r:id="rId40"/>
+    <p:sldId id="389" r:id="rId41"/>
   </p:sldIdLst>
   <p:sldSz cx="9144000" cy="6858000" type="screen4x3"/>
   <p:notesSz cx="7315200" cy="9601200"/>
   <p:embeddedFontLst>
     <p:embeddedFont>
       <p:font typeface="Comic Sans MS"/>
-      <p:regular r:id="rId41"/>
-      <p:bold r:id="rId42"/>
+      <p:regular r:id="rId44"/>
+      <p:bold r:id="rId45"/>
     </p:embeddedFont>
     <p:embeddedFont>
       <p:font typeface="Calibri"/>
-      <p:regular r:id="rId43"/>
-      <p:bold r:id="rId44"/>
-      <p:italic r:id="rId45"/>
-      <p:boldItalic r:id="rId46"/>
+      <p:regular r:id="rId46"/>
+      <p:bold r:id="rId47"/>
+      <p:italic r:id="rId48"/>
+      <p:boldItalic r:id="rId49"/>
     </p:embeddedFont>
     <p:embeddedFont>
       <p:font typeface="Euclid Symbol" charset="2"/>
-      <p:regular r:id="rId47"/>
-      <p:bold r:id="rId48"/>
-      <p:italic r:id="rId49"/>
-      <p:boldItalic r:id="rId50"/>
+      <p:regular r:id="rId50"/>
+      <p:bold r:id="rId51"/>
+      <p:italic r:id="rId52"/>
+      <p:boldItalic r:id="rId53"/>
     </p:embeddedFont>
     <p:embeddedFont>
       <p:font typeface="Math1"/>
-      <p:regular r:id="rId51"/>
-      <p:bold r:id="rId52"/>
+      <p:regular r:id="rId54"/>
+      <p:bold r:id="rId55"/>
     </p:embeddedFont>
     <p:embeddedFont>
       <p:font typeface="Times"/>
-      <p:regular r:id="rId53"/>
-      <p:bold r:id="rId54"/>
-      <p:italic r:id="rId55"/>
-      <p:boldItalic r:id="rId56"/>
+      <p:regular r:id="rId56"/>
+      <p:bold r:id="rId57"/>
+      <p:italic r:id="rId58"/>
+      <p:boldItalic r:id="rId59"/>
     </p:embeddedFont>
     <p:embeddedFont>
       <p:font typeface="Euclid Math Two" charset="2"/>
-      <p:regular r:id="rId57"/>
-      <p:bold r:id="rId58"/>
+      <p:regular r:id="rId60"/>
+      <p:bold r:id="rId61"/>
     </p:embeddedFont>
   </p:embeddedFontLst>
   <p:defaultTextStyle>
@@ -1908,7 +1911,7 @@
           <a:bodyPr/>
           <a:lstStyle/>
           <a:p>
-            <a:fld id="{FD4B4B0B-C7D4-453B-981E-98756E432BB7}" type="slidenum">
+            <a:fld id="{7D80A06D-E4AF-4BAF-9ABF-F03CC36EF39F}" type="slidenum">
               <a:rPr lang="en-US"/>
               <a:pPr/>
               <a:t>22</a:t>
@@ -1919,7 +1922,7 @@
       </p:sp>
       <p:sp>
         <p:nvSpPr>
-          <p:cNvPr id="711682" name="Rectangle 2"/>
+          <p:cNvPr id="713730" name="Rectangle 2"/>
           <p:cNvSpPr>
             <a:spLocks noGrp="1" noRot="1" noChangeAspect="1" noChangeArrowheads="1" noTextEdit="1"/>
           </p:cNvSpPr>
@@ -1933,7 +1936,7 @@
       </p:sp>
       <p:sp>
         <p:nvSpPr>
-          <p:cNvPr id="711683" name="Rectangle 3"/>
+          <p:cNvPr id="713731" name="Rectangle 3"/>
           <p:cNvSpPr>
             <a:spLocks noGrp="1" noChangeArrowheads="1"/>
           </p:cNvSpPr>
@@ -1992,7 +1995,7 @@
           <a:bodyPr/>
           <a:lstStyle/>
           <a:p>
-            <a:fld id="{6C280F22-40E1-47F9-BBD1-63255FC34830}" type="slidenum">
+            <a:fld id="{FD4B4B0B-C7D4-453B-981E-98756E432BB7}" type="slidenum">
               <a:rPr lang="en-US"/>
               <a:pPr/>
               <a:t>23</a:t>
@@ -2003,7 +2006,7 @@
       </p:sp>
       <p:sp>
         <p:nvSpPr>
-          <p:cNvPr id="756738" name="Rectangle 2"/>
+          <p:cNvPr id="711682" name="Rectangle 2"/>
           <p:cNvSpPr>
             <a:spLocks noGrp="1" noRot="1" noChangeAspect="1" noChangeArrowheads="1" noTextEdit="1"/>
           </p:cNvSpPr>
@@ -2017,7 +2020,7 @@
       </p:sp>
       <p:sp>
         <p:nvSpPr>
-          <p:cNvPr id="756739" name="Rectangle 3"/>
+          <p:cNvPr id="711683" name="Rectangle 3"/>
           <p:cNvSpPr>
             <a:spLocks noGrp="1" noChangeArrowheads="1"/>
           </p:cNvSpPr>
@@ -2076,7 +2079,7 @@
           <a:bodyPr/>
           <a:lstStyle/>
           <a:p>
-            <a:fld id="{C351C094-B5DB-4438-ADA9-FFFA6681FCCF}" type="slidenum">
+            <a:fld id="{6C280F22-40E1-47F9-BBD1-63255FC34830}" type="slidenum">
               <a:rPr lang="en-US"/>
               <a:pPr/>
               <a:t>24</a:t>
@@ -2087,7 +2090,7 @@
       </p:sp>
       <p:sp>
         <p:nvSpPr>
-          <p:cNvPr id="760834" name="Rectangle 2"/>
+          <p:cNvPr id="756738" name="Rectangle 2"/>
           <p:cNvSpPr>
             <a:spLocks noGrp="1" noRot="1" noChangeAspect="1" noChangeArrowheads="1" noTextEdit="1"/>
           </p:cNvSpPr>
@@ -2101,7 +2104,7 @@
       </p:sp>
       <p:sp>
         <p:nvSpPr>
-          <p:cNvPr id="760835" name="Rectangle 3"/>
+          <p:cNvPr id="756739" name="Rectangle 3"/>
           <p:cNvSpPr>
             <a:spLocks noGrp="1" noChangeArrowheads="1"/>
           </p:cNvSpPr>
@@ -2160,7 +2163,7 @@
           <a:bodyPr/>
           <a:lstStyle/>
           <a:p>
-            <a:fld id="{6C280F22-40E1-47F9-BBD1-63255FC34830}" type="slidenum">
+            <a:fld id="{C351C094-B5DB-4438-ADA9-FFFA6681FCCF}" type="slidenum">
               <a:rPr lang="en-US"/>
               <a:pPr/>
               <a:t>25</a:t>
@@ -2171,7 +2174,7 @@
       </p:sp>
       <p:sp>
         <p:nvSpPr>
-          <p:cNvPr id="756738" name="Rectangle 2"/>
+          <p:cNvPr id="760834" name="Rectangle 2"/>
           <p:cNvSpPr>
             <a:spLocks noGrp="1" noRot="1" noChangeAspect="1" noChangeArrowheads="1" noTextEdit="1"/>
           </p:cNvSpPr>
@@ -2185,7 +2188,7 @@
       </p:sp>
       <p:sp>
         <p:nvSpPr>
-          <p:cNvPr id="756739" name="Rectangle 3"/>
+          <p:cNvPr id="760835" name="Rectangle 3"/>
           <p:cNvSpPr>
             <a:spLocks noGrp="1" noChangeArrowheads="1"/>
           </p:cNvSpPr>
@@ -2328,7 +2331,7 @@
           <a:bodyPr/>
           <a:lstStyle/>
           <a:p>
-            <a:fld id="{90923367-420B-438F-99D4-B4C3CAF0043F}" type="slidenum">
+            <a:fld id="{6C280F22-40E1-47F9-BBD1-63255FC34830}" type="slidenum">
               <a:rPr lang="en-US"/>
               <a:pPr/>
               <a:t>27</a:t>
@@ -2339,7 +2342,7 @@
       </p:sp>
       <p:sp>
         <p:nvSpPr>
-          <p:cNvPr id="720898" name="Rectangle 2"/>
+          <p:cNvPr id="756738" name="Rectangle 2"/>
           <p:cNvSpPr>
             <a:spLocks noGrp="1" noRot="1" noChangeAspect="1" noChangeArrowheads="1" noTextEdit="1"/>
           </p:cNvSpPr>
@@ -2353,7 +2356,7 @@
       </p:sp>
       <p:sp>
         <p:nvSpPr>
-          <p:cNvPr id="720899" name="Rectangle 3"/>
+          <p:cNvPr id="756739" name="Rectangle 3"/>
           <p:cNvSpPr>
             <a:spLocks noGrp="1" noChangeArrowheads="1"/>
           </p:cNvSpPr>
@@ -2412,7 +2415,7 @@
           <a:bodyPr/>
           <a:lstStyle/>
           <a:p>
-            <a:fld id="{17C981AA-503F-4364-967A-F44F8E21D360}" type="slidenum">
+            <a:fld id="{90923367-420B-438F-99D4-B4C3CAF0043F}" type="slidenum">
               <a:rPr lang="en-US"/>
               <a:pPr/>
               <a:t>28</a:t>
@@ -2423,7 +2426,7 @@
       </p:sp>
       <p:sp>
         <p:nvSpPr>
-          <p:cNvPr id="727042" name="Rectangle 2"/>
+          <p:cNvPr id="720898" name="Rectangle 2"/>
           <p:cNvSpPr>
             <a:spLocks noGrp="1" noRot="1" noChangeAspect="1" noChangeArrowheads="1" noTextEdit="1"/>
           </p:cNvSpPr>
@@ -2437,7 +2440,7 @@
       </p:sp>
       <p:sp>
         <p:nvSpPr>
-          <p:cNvPr id="727043" name="Rectangle 3"/>
+          <p:cNvPr id="720899" name="Rectangle 3"/>
           <p:cNvSpPr>
             <a:spLocks noGrp="1" noChangeArrowheads="1"/>
           </p:cNvSpPr>
@@ -2664,7 +2667,7 @@
           <a:bodyPr/>
           <a:lstStyle/>
           <a:p>
-            <a:fld id="{054FDECE-59A1-4F91-AAF1-37602D007E36}" type="slidenum">
+            <a:fld id="{17C981AA-503F-4364-967A-F44F8E21D360}" type="slidenum">
               <a:rPr lang="en-US"/>
               <a:pPr/>
               <a:t>30</a:t>
@@ -2675,7 +2678,7 @@
       </p:sp>
       <p:sp>
         <p:nvSpPr>
-          <p:cNvPr id="721922" name="Rectangle 2"/>
+          <p:cNvPr id="727042" name="Rectangle 2"/>
           <p:cNvSpPr>
             <a:spLocks noGrp="1" noRot="1" noChangeAspect="1" noChangeArrowheads="1" noTextEdit="1"/>
           </p:cNvSpPr>
@@ -2689,7 +2692,7 @@
       </p:sp>
       <p:sp>
         <p:nvSpPr>
-          <p:cNvPr id="721923" name="Rectangle 3"/>
+          <p:cNvPr id="727043" name="Rectangle 3"/>
           <p:cNvSpPr>
             <a:spLocks noGrp="1" noChangeArrowheads="1"/>
           </p:cNvSpPr>
@@ -2748,10 +2751,94 @@
           <a:bodyPr/>
           <a:lstStyle/>
           <a:p>
+            <a:fld id="{054FDECE-59A1-4F91-AAF1-37602D007E36}" type="slidenum">
+              <a:rPr lang="en-US"/>
+              <a:pPr/>
+              <a:t>31</a:t>
+            </a:fld>
+            <a:endParaRPr lang="en-US"/>
+          </a:p>
+        </p:txBody>
+      </p:sp>
+      <p:sp>
+        <p:nvSpPr>
+          <p:cNvPr id="721922" name="Rectangle 2"/>
+          <p:cNvSpPr>
+            <a:spLocks noGrp="1" noRot="1" noChangeAspect="1" noChangeArrowheads="1" noTextEdit="1"/>
+          </p:cNvSpPr>
+          <p:nvPr>
+            <p:ph type="sldImg"/>
+          </p:nvPr>
+        </p:nvSpPr>
+        <p:spPr>
+          <a:ln/>
+        </p:spPr>
+      </p:sp>
+      <p:sp>
+        <p:nvSpPr>
+          <p:cNvPr id="721923" name="Rectangle 3"/>
+          <p:cNvSpPr>
+            <a:spLocks noGrp="1" noChangeArrowheads="1"/>
+          </p:cNvSpPr>
+          <p:nvPr>
+            <p:ph type="body" idx="1"/>
+          </p:nvPr>
+        </p:nvSpPr>
+        <p:spPr/>
+        <p:txBody>
+          <a:bodyPr/>
+          <a:lstStyle/>
+          <a:p>
+            <a:endParaRPr lang="en-US"/>
+          </a:p>
+        </p:txBody>
+      </p:sp>
+    </p:spTree>
+  </p:cSld>
+  <p:clrMapOvr>
+    <a:masterClrMapping/>
+  </p:clrMapOvr>
+</p:notes>
+</file>
+
+<file path=ppt/notesSlides/notesSlide32.xml><?xml version="1.0" encoding="utf-8"?>
+<p:notes xmlns:a="http://schemas.openxmlformats.org/drawingml/2006/main" xmlns:r="http://schemas.openxmlformats.org/officeDocument/2006/relationships" xmlns:mc="http://schemas.openxmlformats.org/markup-compatibility/2006" xmlns:mv="urn:schemas-microsoft-com:mac:vml" xmlns:p="http://schemas.openxmlformats.org/presentationml/2006/main" mc:Ignorable="mv" mc:PreserveAttributes="mv:*">
+  <p:cSld>
+    <p:spTree>
+      <p:nvGrpSpPr>
+        <p:cNvPr id="1" name=""/>
+        <p:cNvGrpSpPr/>
+        <p:nvPr/>
+      </p:nvGrpSpPr>
+      <p:grpSpPr>
+        <a:xfrm>
+          <a:off x="0" y="0"/>
+          <a:ext cx="0" cy="0"/>
+          <a:chOff x="0" y="0"/>
+          <a:chExt cx="0" cy="0"/>
+        </a:xfrm>
+      </p:grpSpPr>
+      <p:sp>
+        <p:nvSpPr>
+          <p:cNvPr id="7" name="Rectangle 7"/>
+          <p:cNvSpPr>
+            <a:spLocks noGrp="1" noChangeArrowheads="1"/>
+          </p:cNvSpPr>
+          <p:nvPr>
+            <p:ph type="sldNum" sz="quarter" idx="5"/>
+          </p:nvPr>
+        </p:nvSpPr>
+        <p:spPr>
+          <a:ln/>
+        </p:spPr>
+        <p:txBody>
+          <a:bodyPr/>
+          <a:lstStyle/>
+          <a:p>
             <a:fld id="{4713517C-DA91-478B-B45E-959C6A3E8817}" type="slidenum">
               <a:rPr lang="en-US"/>
               <a:pPr/>
-              <a:t>31</a:t>
+              <a:t>32</a:t>
             </a:fld>
             <a:endParaRPr lang="en-US"/>
           </a:p>
@@ -2787,93 +2874,6 @@
           <a:lstStyle/>
           <a:p>
             <a:endParaRPr lang="en-US"/>
-          </a:p>
-        </p:txBody>
-      </p:sp>
-    </p:spTree>
-  </p:cSld>
-  <p:clrMapOvr>
-    <a:masterClrMapping/>
-  </p:clrMapOvr>
-</p:notes>
-</file>
-
-<file path=ppt/notesSlides/notesSlide32.xml><?xml version="1.0" encoding="utf-8"?>
-<p:notes xmlns:a="http://schemas.openxmlformats.org/drawingml/2006/main" xmlns:r="http://schemas.openxmlformats.org/officeDocument/2006/relationships" xmlns:mc="http://schemas.openxmlformats.org/markup-compatibility/2006" xmlns:mv="urn:schemas-microsoft-com:mac:vml" xmlns:p="http://schemas.openxmlformats.org/presentationml/2006/main" mc:Ignorable="mv" mc:PreserveAttributes="mv:*">
-  <p:cSld>
-    <p:spTree>
-      <p:nvGrpSpPr>
-        <p:cNvPr id="1" name=""/>
-        <p:cNvGrpSpPr/>
-        <p:nvPr/>
-      </p:nvGrpSpPr>
-      <p:grpSpPr>
-        <a:xfrm>
-          <a:off x="0" y="0"/>
-          <a:ext cx="0" cy="0"/>
-          <a:chOff x="0" y="0"/>
-          <a:chExt cx="0" cy="0"/>
-        </a:xfrm>
-      </p:grpSpPr>
-      <p:sp>
-        <p:nvSpPr>
-          <p:cNvPr id="72706" name="Rectangle 7"/>
-          <p:cNvSpPr>
-            <a:spLocks noGrp="1" noChangeArrowheads="1"/>
-          </p:cNvSpPr>
-          <p:nvPr>
-            <p:ph type="sldNum" sz="quarter" idx="5"/>
-          </p:nvPr>
-        </p:nvSpPr>
-        <p:spPr>
-          <a:noFill/>
-        </p:spPr>
-        <p:txBody>
-          <a:bodyPr/>
-          <a:lstStyle/>
-          <a:p>
-            <a:fld id="{6653F924-F418-411E-8C35-24F3766CE997}" type="slidenum">
-              <a:rPr lang="en-US" smtClean="0"/>
-              <a:pPr/>
-              <a:t>34</a:t>
-            </a:fld>
-            <a:endParaRPr lang="en-US" smtClean="0"/>
-          </a:p>
-        </p:txBody>
-      </p:sp>
-      <p:sp>
-        <p:nvSpPr>
-          <p:cNvPr id="72707" name="Rectangle 2"/>
-          <p:cNvSpPr>
-            <a:spLocks noGrp="1" noRot="1" noChangeAspect="1" noChangeArrowheads="1" noTextEdit="1"/>
-          </p:cNvSpPr>
-          <p:nvPr>
-            <p:ph type="sldImg"/>
-          </p:nvPr>
-        </p:nvSpPr>
-        <p:spPr>
-          <a:ln/>
-        </p:spPr>
-      </p:sp>
-      <p:sp>
-        <p:nvSpPr>
-          <p:cNvPr id="72708" name="Rectangle 3"/>
-          <p:cNvSpPr>
-            <a:spLocks noGrp="1" noChangeArrowheads="1"/>
-          </p:cNvSpPr>
-          <p:nvPr>
-            <p:ph type="body" idx="1"/>
-          </p:nvPr>
-        </p:nvSpPr>
-        <p:spPr>
-          <a:noFill/>
-          <a:ln/>
-        </p:spPr>
-        <p:txBody>
-          <a:bodyPr/>
-          <a:lstStyle/>
-          <a:p>
-            <a:endParaRPr lang="en-US" smtClean="0"/>
           </a:p>
         </p:txBody>
       </p:sp>
@@ -2919,10 +2919,10 @@
           <a:bodyPr/>
           <a:lstStyle/>
           <a:p>
-            <a:fld id="{009AC00A-BA95-4158-B9B9-869CDB73CC60}" type="slidenum">
+            <a:fld id="{4713517C-DA91-478B-B45E-959C6A3E8817}" type="slidenum">
               <a:rPr lang="en-US"/>
               <a:pPr/>
-              <a:t>35</a:t>
+              <a:t>33</a:t>
             </a:fld>
             <a:endParaRPr lang="en-US"/>
           </a:p>
@@ -2930,7 +2930,7 @@
       </p:sp>
       <p:sp>
         <p:nvSpPr>
-          <p:cNvPr id="694274" name="Rectangle 2"/>
+          <p:cNvPr id="722946" name="Rectangle 2"/>
           <p:cNvSpPr>
             <a:spLocks noGrp="1" noRot="1" noChangeAspect="1" noChangeArrowheads="1" noTextEdit="1"/>
           </p:cNvSpPr>
@@ -2944,7 +2944,7 @@
       </p:sp>
       <p:sp>
         <p:nvSpPr>
-          <p:cNvPr id="694275" name="Rectangle 3"/>
+          <p:cNvPr id="722947" name="Rectangle 3"/>
           <p:cNvSpPr>
             <a:spLocks noGrp="1" noChangeArrowheads="1"/>
           </p:cNvSpPr>
@@ -3003,10 +3003,10 @@
           <a:bodyPr/>
           <a:lstStyle/>
           <a:p>
-            <a:fld id="{61F95497-6A96-4A96-9761-3A512EBEF27A}" type="slidenum">
+            <a:fld id="{4713517C-DA91-478B-B45E-959C6A3E8817}" type="slidenum">
               <a:rPr lang="en-US"/>
               <a:pPr/>
-              <a:t>36</a:t>
+              <a:t>34</a:t>
             </a:fld>
             <a:endParaRPr lang="en-US"/>
           </a:p>
@@ -3014,7 +3014,7 @@
       </p:sp>
       <p:sp>
         <p:nvSpPr>
-          <p:cNvPr id="697346" name="Rectangle 2"/>
+          <p:cNvPr id="722946" name="Rectangle 2"/>
           <p:cNvSpPr>
             <a:spLocks noGrp="1" noRot="1" noChangeAspect="1" noChangeArrowheads="1" noTextEdit="1"/>
           </p:cNvSpPr>
@@ -3028,7 +3028,7 @@
       </p:sp>
       <p:sp>
         <p:nvSpPr>
-          <p:cNvPr id="697347" name="Rectangle 3"/>
+          <p:cNvPr id="722947" name="Rectangle 3"/>
           <p:cNvSpPr>
             <a:spLocks noGrp="1" noChangeArrowheads="1"/>
           </p:cNvSpPr>
@@ -3054,6 +3054,93 @@
 </file>
 
 <file path=ppt/notesSlides/notesSlide35.xml><?xml version="1.0" encoding="utf-8"?>
+<p:notes xmlns:a="http://schemas.openxmlformats.org/drawingml/2006/main" xmlns:r="http://schemas.openxmlformats.org/officeDocument/2006/relationships" xmlns:mc="http://schemas.openxmlformats.org/markup-compatibility/2006" xmlns:mv="urn:schemas-microsoft-com:mac:vml" xmlns:p="http://schemas.openxmlformats.org/presentationml/2006/main" mc:Ignorable="mv" mc:PreserveAttributes="mv:*">
+  <p:cSld>
+    <p:spTree>
+      <p:nvGrpSpPr>
+        <p:cNvPr id="1" name=""/>
+        <p:cNvGrpSpPr/>
+        <p:nvPr/>
+      </p:nvGrpSpPr>
+      <p:grpSpPr>
+        <a:xfrm>
+          <a:off x="0" y="0"/>
+          <a:ext cx="0" cy="0"/>
+          <a:chOff x="0" y="0"/>
+          <a:chExt cx="0" cy="0"/>
+        </a:xfrm>
+      </p:grpSpPr>
+      <p:sp>
+        <p:nvSpPr>
+          <p:cNvPr id="72706" name="Rectangle 7"/>
+          <p:cNvSpPr>
+            <a:spLocks noGrp="1" noChangeArrowheads="1"/>
+          </p:cNvSpPr>
+          <p:nvPr>
+            <p:ph type="sldNum" sz="quarter" idx="5"/>
+          </p:nvPr>
+        </p:nvSpPr>
+        <p:spPr>
+          <a:noFill/>
+        </p:spPr>
+        <p:txBody>
+          <a:bodyPr/>
+          <a:lstStyle/>
+          <a:p>
+            <a:fld id="{6653F924-F418-411E-8C35-24F3766CE997}" type="slidenum">
+              <a:rPr lang="en-US" smtClean="0"/>
+              <a:pPr/>
+              <a:t>37</a:t>
+            </a:fld>
+            <a:endParaRPr lang="en-US" smtClean="0"/>
+          </a:p>
+        </p:txBody>
+      </p:sp>
+      <p:sp>
+        <p:nvSpPr>
+          <p:cNvPr id="72707" name="Rectangle 2"/>
+          <p:cNvSpPr>
+            <a:spLocks noGrp="1" noRot="1" noChangeAspect="1" noChangeArrowheads="1" noTextEdit="1"/>
+          </p:cNvSpPr>
+          <p:nvPr>
+            <p:ph type="sldImg"/>
+          </p:nvPr>
+        </p:nvSpPr>
+        <p:spPr>
+          <a:ln/>
+        </p:spPr>
+      </p:sp>
+      <p:sp>
+        <p:nvSpPr>
+          <p:cNvPr id="72708" name="Rectangle 3"/>
+          <p:cNvSpPr>
+            <a:spLocks noGrp="1" noChangeArrowheads="1"/>
+          </p:cNvSpPr>
+          <p:nvPr>
+            <p:ph type="body" idx="1"/>
+          </p:nvPr>
+        </p:nvSpPr>
+        <p:spPr>
+          <a:noFill/>
+          <a:ln/>
+        </p:spPr>
+        <p:txBody>
+          <a:bodyPr/>
+          <a:lstStyle/>
+          <a:p>
+            <a:endParaRPr lang="en-US" smtClean="0"/>
+          </a:p>
+        </p:txBody>
+      </p:sp>
+    </p:spTree>
+  </p:cSld>
+  <p:clrMapOvr>
+    <a:masterClrMapping/>
+  </p:clrMapOvr>
+</p:notes>
+</file>
+
+<file path=ppt/notesSlides/notesSlide36.xml><?xml version="1.0" encoding="utf-8"?>
 <p:notes xmlns:a="http://schemas.openxmlformats.org/drawingml/2006/main" xmlns:r="http://schemas.openxmlformats.org/officeDocument/2006/relationships" xmlns:mc="http://schemas.openxmlformats.org/markup-compatibility/2006" xmlns:mv="urn:schemas-microsoft-com:mac:vml" xmlns:p="http://schemas.openxmlformats.org/presentationml/2006/main" mc:Ignorable="mv" mc:PreserveAttributes="mv:*">
   <p:cSld>
     <p:spTree>
@@ -3087,10 +3174,178 @@
           <a:bodyPr/>
           <a:lstStyle/>
           <a:p>
+            <a:fld id="{009AC00A-BA95-4158-B9B9-869CDB73CC60}" type="slidenum">
+              <a:rPr lang="en-US"/>
+              <a:pPr/>
+              <a:t>38</a:t>
+            </a:fld>
+            <a:endParaRPr lang="en-US"/>
+          </a:p>
+        </p:txBody>
+      </p:sp>
+      <p:sp>
+        <p:nvSpPr>
+          <p:cNvPr id="694274" name="Rectangle 2"/>
+          <p:cNvSpPr>
+            <a:spLocks noGrp="1" noRot="1" noChangeAspect="1" noChangeArrowheads="1" noTextEdit="1"/>
+          </p:cNvSpPr>
+          <p:nvPr>
+            <p:ph type="sldImg"/>
+          </p:nvPr>
+        </p:nvSpPr>
+        <p:spPr>
+          <a:ln/>
+        </p:spPr>
+      </p:sp>
+      <p:sp>
+        <p:nvSpPr>
+          <p:cNvPr id="694275" name="Rectangle 3"/>
+          <p:cNvSpPr>
+            <a:spLocks noGrp="1" noChangeArrowheads="1"/>
+          </p:cNvSpPr>
+          <p:nvPr>
+            <p:ph type="body" idx="1"/>
+          </p:nvPr>
+        </p:nvSpPr>
+        <p:spPr/>
+        <p:txBody>
+          <a:bodyPr/>
+          <a:lstStyle/>
+          <a:p>
+            <a:endParaRPr lang="en-US"/>
+          </a:p>
+        </p:txBody>
+      </p:sp>
+    </p:spTree>
+  </p:cSld>
+  <p:clrMapOvr>
+    <a:masterClrMapping/>
+  </p:clrMapOvr>
+</p:notes>
+</file>
+
+<file path=ppt/notesSlides/notesSlide37.xml><?xml version="1.0" encoding="utf-8"?>
+<p:notes xmlns:a="http://schemas.openxmlformats.org/drawingml/2006/main" xmlns:r="http://schemas.openxmlformats.org/officeDocument/2006/relationships" xmlns:mc="http://schemas.openxmlformats.org/markup-compatibility/2006" xmlns:mv="urn:schemas-microsoft-com:mac:vml" xmlns:p="http://schemas.openxmlformats.org/presentationml/2006/main" mc:Ignorable="mv" mc:PreserveAttributes="mv:*">
+  <p:cSld>
+    <p:spTree>
+      <p:nvGrpSpPr>
+        <p:cNvPr id="1" name=""/>
+        <p:cNvGrpSpPr/>
+        <p:nvPr/>
+      </p:nvGrpSpPr>
+      <p:grpSpPr>
+        <a:xfrm>
+          <a:off x="0" y="0"/>
+          <a:ext cx="0" cy="0"/>
+          <a:chOff x="0" y="0"/>
+          <a:chExt cx="0" cy="0"/>
+        </a:xfrm>
+      </p:grpSpPr>
+      <p:sp>
+        <p:nvSpPr>
+          <p:cNvPr id="7" name="Rectangle 7"/>
+          <p:cNvSpPr>
+            <a:spLocks noGrp="1" noChangeArrowheads="1"/>
+          </p:cNvSpPr>
+          <p:nvPr>
+            <p:ph type="sldNum" sz="quarter" idx="5"/>
+          </p:nvPr>
+        </p:nvSpPr>
+        <p:spPr>
+          <a:ln/>
+        </p:spPr>
+        <p:txBody>
+          <a:bodyPr/>
+          <a:lstStyle/>
+          <a:p>
+            <a:fld id="{61F95497-6A96-4A96-9761-3A512EBEF27A}" type="slidenum">
+              <a:rPr lang="en-US"/>
+              <a:pPr/>
+              <a:t>39</a:t>
+            </a:fld>
+            <a:endParaRPr lang="en-US"/>
+          </a:p>
+        </p:txBody>
+      </p:sp>
+      <p:sp>
+        <p:nvSpPr>
+          <p:cNvPr id="697346" name="Rectangle 2"/>
+          <p:cNvSpPr>
+            <a:spLocks noGrp="1" noRot="1" noChangeAspect="1" noChangeArrowheads="1" noTextEdit="1"/>
+          </p:cNvSpPr>
+          <p:nvPr>
+            <p:ph type="sldImg"/>
+          </p:nvPr>
+        </p:nvSpPr>
+        <p:spPr>
+          <a:ln/>
+        </p:spPr>
+      </p:sp>
+      <p:sp>
+        <p:nvSpPr>
+          <p:cNvPr id="697347" name="Rectangle 3"/>
+          <p:cNvSpPr>
+            <a:spLocks noGrp="1" noChangeArrowheads="1"/>
+          </p:cNvSpPr>
+          <p:nvPr>
+            <p:ph type="body" idx="1"/>
+          </p:nvPr>
+        </p:nvSpPr>
+        <p:spPr/>
+        <p:txBody>
+          <a:bodyPr/>
+          <a:lstStyle/>
+          <a:p>
+            <a:endParaRPr lang="en-US"/>
+          </a:p>
+        </p:txBody>
+      </p:sp>
+    </p:spTree>
+  </p:cSld>
+  <p:clrMapOvr>
+    <a:masterClrMapping/>
+  </p:clrMapOvr>
+</p:notes>
+</file>
+
+<file path=ppt/notesSlides/notesSlide38.xml><?xml version="1.0" encoding="utf-8"?>
+<p:notes xmlns:a="http://schemas.openxmlformats.org/drawingml/2006/main" xmlns:r="http://schemas.openxmlformats.org/officeDocument/2006/relationships" xmlns:mc="http://schemas.openxmlformats.org/markup-compatibility/2006" xmlns:mv="urn:schemas-microsoft-com:mac:vml" xmlns:p="http://schemas.openxmlformats.org/presentationml/2006/main" mc:Ignorable="mv" mc:PreserveAttributes="mv:*">
+  <p:cSld>
+    <p:spTree>
+      <p:nvGrpSpPr>
+        <p:cNvPr id="1" name=""/>
+        <p:cNvGrpSpPr/>
+        <p:nvPr/>
+      </p:nvGrpSpPr>
+      <p:grpSpPr>
+        <a:xfrm>
+          <a:off x="0" y="0"/>
+          <a:ext cx="0" cy="0"/>
+          <a:chOff x="0" y="0"/>
+          <a:chExt cx="0" cy="0"/>
+        </a:xfrm>
+      </p:grpSpPr>
+      <p:sp>
+        <p:nvSpPr>
+          <p:cNvPr id="7" name="Rectangle 7"/>
+          <p:cNvSpPr>
+            <a:spLocks noGrp="1" noChangeArrowheads="1"/>
+          </p:cNvSpPr>
+          <p:nvPr>
+            <p:ph type="sldNum" sz="quarter" idx="5"/>
+          </p:nvPr>
+        </p:nvSpPr>
+        <p:spPr>
+          <a:ln/>
+        </p:spPr>
+        <p:txBody>
+          <a:bodyPr/>
+          <a:lstStyle/>
+          <a:p>
             <a:fld id="{F6DBA5EB-F5B7-4D58-87EC-2E766DF2DDD5}" type="slidenum">
               <a:rPr lang="en-US"/>
               <a:pPr/>
-              <a:t>37</a:t>
+              <a:t>40</a:t>
             </a:fld>
             <a:endParaRPr lang="en-US"/>
           </a:p>
@@ -3843,7 +4098,7 @@
           <a:p>
             <a:r>
               <a:rPr lang="en-US" dirty="0" smtClean="0"/>
-              <a:t>4F.</a:t>
+              <a:t>6F.</a:t>
             </a:r>
             <a:fld id="{CA4C0C47-BA92-4669-BC5C-D64A96AF3D01}" type="slidenum">
               <a:rPr lang="en-US" smtClean="0"/>
@@ -3985,7 +4240,7 @@
           <a:p>
             <a:r>
               <a:rPr lang="en-US" dirty="0" smtClean="0"/>
-              <a:t>4F.</a:t>
+              <a:t>6F.</a:t>
             </a:r>
             <a:fld id="{CA4C0C47-BA92-4669-BC5C-D64A96AF3D01}" type="slidenum">
               <a:rPr lang="en-US" smtClean="0"/>
@@ -4210,7 +4465,7 @@
           <a:p>
             <a:r>
               <a:rPr lang="en-US" dirty="0" smtClean="0"/>
-              <a:t>4F.</a:t>
+              <a:t>6F.</a:t>
             </a:r>
             <a:fld id="{CA4C0C47-BA92-4669-BC5C-D64A96AF3D01}" type="slidenum">
               <a:rPr lang="en-US" smtClean="0"/>
@@ -4304,7 +4559,7 @@
           <a:p>
             <a:r>
               <a:rPr lang="en-US" dirty="0" smtClean="0"/>
-              <a:t>4F.</a:t>
+              <a:t>6F.</a:t>
             </a:r>
             <a:fld id="{CA4C0C47-BA92-4669-BC5C-D64A96AF3D01}" type="slidenum">
               <a:rPr lang="en-US" smtClean="0"/>
@@ -4371,7 +4626,7 @@
           <a:p>
             <a:r>
               <a:rPr lang="en-US" dirty="0" smtClean="0"/>
-              <a:t>4F.</a:t>
+              <a:t>6F.</a:t>
             </a:r>
             <a:fld id="{CA4C0C47-BA92-4669-BC5C-D64A96AF3D01}" type="slidenum">
               <a:rPr lang="en-US" smtClean="0"/>
@@ -4832,7 +5087,7 @@
           <a:p>
             <a:r>
               <a:rPr lang="en-US" dirty="0" smtClean="0"/>
-              <a:t>4F.</a:t>
+              <a:t>6F.</a:t>
             </a:r>
             <a:fld id="{CA4C0C47-BA92-4669-BC5C-D64A96AF3D01}" type="slidenum">
               <a:rPr lang="en-US" smtClean="0"/>
@@ -5005,7 +5260,11 @@
           <a:p>
             <a:r>
               <a:rPr lang="en-US" dirty="0" smtClean="0"/>
-              <a:t>4F.</a:t>
+              <a:t>6F</a:t>
+            </a:r>
+            <a:r>
+              <a:rPr lang="en-US" dirty="0" smtClean="0"/>
+              <a:t>.</a:t>
             </a:r>
             <a:fld id="{CA4C0C47-BA92-4669-BC5C-D64A96AF3D01}" type="slidenum">
               <a:rPr lang="en-US" smtClean="0"/>
@@ -5052,8 +5311,8 @@
         </p:nvSpPr>
         <p:spPr>
           <a:xfrm>
-            <a:off x="2973691" y="6538148"/>
-            <a:ext cx="2876544" cy="319852"/>
+            <a:off x="3199459" y="6538148"/>
+            <a:ext cx="2783644" cy="319852"/>
           </a:xfrm>
           <a:prstGeom prst="rect">
             <a:avLst/>
@@ -5187,7 +5446,22 @@
                 <a:uFillTx/>
                 <a:latin typeface="Comic Sans MS" pitchFamily="66" charset="0"/>
               </a:rPr>
-              <a:t>Albert R Meyer,       Feb. 26. 2010</a:t>
+              <a:t>Albert R </a:t>
+            </a:r>
+            <a:r>
+              <a:rPr kumimoji="0" lang="en-US" sz="1200" b="0" i="0" u="none" strike="noStrike" kern="1200" cap="none" spc="0" normalizeH="0" baseline="0" noProof="0" dirty="0" smtClean="0">
+                <a:ln>
+                  <a:noFill/>
+                </a:ln>
+                <a:solidFill>
+                  <a:schemeClr val="tx1"/>
+                </a:solidFill>
+                <a:effectLst/>
+                <a:uLnTx/>
+                <a:uFillTx/>
+                <a:latin typeface="Comic Sans MS" pitchFamily="66" charset="0"/>
+              </a:rPr>
+              <a:t>Meyer       March 11. 2011</a:t>
             </a:r>
             <a:endParaRPr kumimoji="0" lang="en-US" sz="1200" b="0" i="0" u="none" strike="noStrike" kern="1200" cap="none" spc="0" normalizeH="0" baseline="0" noProof="0" dirty="0">
               <a:ln>
@@ -5706,7 +5980,7 @@
           <a:p>
             <a:r>
               <a:rPr lang="en-US" dirty="0" smtClean="0"/>
-              <a:t>4F.</a:t>
+              <a:t>6F.</a:t>
             </a:r>
             <a:fld id="{CA4C0C47-BA92-4669-BC5C-D64A96AF3D01}" type="slidenum">
               <a:rPr lang="en-US" smtClean="0"/>
@@ -6016,7 +6290,7 @@
           <a:p>
             <a:r>
               <a:rPr lang="en-US" dirty="0" smtClean="0"/>
-              <a:t>4F.</a:t>
+              <a:t>6F.</a:t>
             </a:r>
             <a:fld id="{CA4C0C47-BA92-4669-BC5C-D64A96AF3D01}" type="slidenum">
               <a:rPr lang="en-US" smtClean="0"/>
@@ -7067,7 +7341,7 @@
           <a:p>
             <a:r>
               <a:rPr lang="en-US" dirty="0" smtClean="0"/>
-              <a:t>4F.</a:t>
+              <a:t>6F.</a:t>
             </a:r>
             <a:fld id="{CA4C0C47-BA92-4669-BC5C-D64A96AF3D01}" type="slidenum">
               <a:rPr lang="en-US" smtClean="0"/>
@@ -7882,7 +8156,7 @@
           <a:p>
             <a:r>
               <a:rPr lang="en-US" dirty="0" smtClean="0"/>
-              <a:t>4F.</a:t>
+              <a:t>6F.</a:t>
             </a:r>
             <a:fld id="{CA4C0C47-BA92-4669-BC5C-D64A96AF3D01}" type="slidenum">
               <a:rPr lang="en-US" smtClean="0"/>
@@ -8621,7 +8895,7 @@
           <a:p>
             <a:r>
               <a:rPr lang="en-US" dirty="0" smtClean="0"/>
-              <a:t>4F.</a:t>
+              <a:t>6F.</a:t>
             </a:r>
             <a:fld id="{CA4C0C47-BA92-4669-BC5C-D64A96AF3D01}" type="slidenum">
               <a:rPr lang="en-US" smtClean="0"/>
@@ -9560,7 +9834,7 @@
           <a:p>
             <a:r>
               <a:rPr lang="en-US" dirty="0" smtClean="0"/>
-              <a:t>4F.</a:t>
+              <a:t>6F.</a:t>
             </a:r>
             <a:fld id="{CA4C0C47-BA92-4669-BC5C-D64A96AF3D01}" type="slidenum">
               <a:rPr lang="en-US" smtClean="0"/>
@@ -9892,7 +10166,7 @@
           <a:p>
             <a:r>
               <a:rPr lang="en-US" dirty="0" smtClean="0"/>
-              <a:t>4F.</a:t>
+              <a:t>6F.</a:t>
             </a:r>
             <a:fld id="{CA4C0C47-BA92-4669-BC5C-D64A96AF3D01}" type="slidenum">
               <a:rPr lang="en-US" smtClean="0"/>
@@ -10509,30 +10783,30 @@
           <a:lstStyle/>
           <a:p>
             <a:r>
-              <a:rPr lang="en-US" dirty="0"/>
+              <a:rPr lang="en-US" sz="4000" dirty="0"/>
               <a:t>c</a:t>
             </a:r>
             <a:r>
-              <a:rPr lang="en-US" dirty="0" smtClean="0"/>
+              <a:rPr lang="en-US" sz="4000" dirty="0" smtClean="0"/>
               <a:t>omplete </a:t>
             </a:r>
             <a:r>
-              <a:rPr lang="en-US" dirty="0"/>
+              <a:rPr lang="en-US" sz="4000" dirty="0"/>
               <a:t>t</a:t>
             </a:r>
             <a:r>
-              <a:rPr lang="en-US" dirty="0" smtClean="0"/>
+              <a:rPr lang="en-US" sz="4000" dirty="0" smtClean="0"/>
               <a:t>erm </a:t>
             </a:r>
             <a:r>
-              <a:rPr lang="en-US" dirty="0"/>
+              <a:rPr lang="en-US" sz="4000" dirty="0"/>
               <a:t>s</a:t>
             </a:r>
             <a:r>
-              <a:rPr lang="en-US" dirty="0" smtClean="0"/>
+              <a:rPr lang="en-US" sz="4000" dirty="0" smtClean="0"/>
               <a:t>chedule</a:t>
             </a:r>
-            <a:endParaRPr lang="en-US" dirty="0"/>
+            <a:endParaRPr lang="en-US" sz="4000" dirty="0"/>
           </a:p>
         </p:txBody>
       </p:sp>
@@ -10567,7 +10841,7 @@
           <a:p>
             <a:r>
               <a:rPr lang="en-US" dirty="0" smtClean="0"/>
-              <a:t>4F.</a:t>
+              <a:t>6F.</a:t>
             </a:r>
             <a:fld id="{CA4C0C47-BA92-4669-BC5C-D64A96AF3D01}" type="slidenum">
               <a:rPr lang="en-US" smtClean="0"/>
@@ -11609,7 +11883,7 @@
     <a:masterClrMapping/>
   </p:clrMapOvr>
   <p:transition>
-    <p:fade/>
+    <p:fade thruBlk="1"/>
   </p:transition>
   <p:timing>
     <p:tnLst>
@@ -11655,18 +11929,20 @@
           </a:xfrm>
         </p:spPr>
         <p:txBody>
-          <a:bodyPr/>
+          <a:bodyPr>
+            <a:normAutofit/>
+          </a:bodyPr>
           <a:lstStyle/>
           <a:p>
             <a:r>
-              <a:rPr lang="en-US" sz="4400" dirty="0" smtClean="0"/>
+              <a:rPr lang="en-US" sz="4800" dirty="0" smtClean="0"/>
               <a:t>an </a:t>
             </a:r>
             <a:r>
-              <a:rPr lang="en-US" sz="4400" dirty="0" err="1" smtClean="0"/>
+              <a:rPr lang="en-US" sz="4800" dirty="0" err="1" smtClean="0"/>
               <a:t>antichain</a:t>
             </a:r>
-            <a:endParaRPr lang="en-US" sz="4400" dirty="0"/>
+            <a:endParaRPr lang="en-US" sz="4800" dirty="0"/>
           </a:p>
         </p:txBody>
       </p:sp>
@@ -11682,8 +11958,8 @@
         </p:nvSpPr>
         <p:spPr>
           <a:xfrm>
-            <a:off x="407826" y="1363148"/>
-            <a:ext cx="8331264" cy="4823469"/>
+            <a:off x="361216" y="1363148"/>
+            <a:ext cx="8377874" cy="5231251"/>
           </a:xfrm>
         </p:spPr>
         <p:txBody>
@@ -11698,11 +11974,7 @@
             </a:pPr>
             <a:r>
               <a:rPr lang="en-US" sz="4000" dirty="0" smtClean="0"/>
-              <a:t>a s</a:t>
-            </a:r>
-            <a:r>
-              <a:rPr lang="en-US" sz="4000" dirty="0" smtClean="0"/>
-              <a:t>et </a:t>
+              <a:t>a set </a:t>
             </a:r>
             <a:r>
               <a:rPr lang="en-US" sz="4000" dirty="0"/>
@@ -11742,11 +12014,7 @@
             </a:pPr>
             <a:r>
               <a:rPr lang="en-US" sz="4000" dirty="0" smtClean="0"/>
-              <a:t>--so </a:t>
-            </a:r>
-            <a:r>
-              <a:rPr lang="en-US" sz="4000" dirty="0" smtClean="0"/>
-              <a:t>can </a:t>
+              <a:t>--so can </a:t>
             </a:r>
             <a:r>
               <a:rPr lang="en-US" sz="4000" dirty="0"/>
@@ -11771,6 +12039,7 @@
               <a:rPr lang="en-US" sz="4000" dirty="0" smtClean="0"/>
               <a:t>--called “incomparable”</a:t>
             </a:r>
+            <a:endParaRPr lang="en-US" sz="4000" dirty="0" smtClean="0"/>
           </a:p>
           <a:p>
             <a:pPr>
@@ -11778,6 +12047,10 @@
               <a:buNone/>
             </a:pPr>
             <a:r>
+              <a:rPr lang="en-US" sz="4000" dirty="0" smtClean="0"/>
+              <a:t>Def:    </a:t>
+            </a:r>
+            <a:r>
               <a:rPr lang="en-US" sz="4000" dirty="0" err="1" smtClean="0">
                 <a:solidFill>
                   <a:srgbClr val="0000FF"/>
@@ -11858,18 +12131,10 @@
             <a:r>
               <a:rPr lang="en-US" sz="4000" dirty="0" smtClean="0">
                 <a:solidFill>
-                  <a:srgbClr val="000000"/>
+                  <a:srgbClr val="FF00FF"/>
                 </a:solidFill>
               </a:rPr>
-              <a:t>no </a:t>
-            </a:r>
-            <a:r>
-              <a:rPr lang="en-US" sz="4000" dirty="0" smtClean="0">
-                <a:solidFill>
-                  <a:srgbClr val="B21EAB"/>
-                </a:solidFill>
-              </a:rPr>
-              <a:t>path</a:t>
+              <a:t>no path</a:t>
             </a:r>
             <a:r>
               <a:rPr lang="en-US" sz="4000" dirty="0" smtClean="0">
@@ -11926,10 +12191,36 @@
             <a:r>
               <a:rPr lang="en-US" sz="4000" dirty="0" smtClean="0">
                 <a:solidFill>
+                  <a:srgbClr val="05811A"/>
+                </a:solidFill>
+              </a:rPr>
+              <a:t>and</a:t>
+            </a:r>
+          </a:p>
+          <a:p>
+            <a:r>
+              <a:rPr lang="en-US" sz="4000" dirty="0" smtClean="0">
+                <a:solidFill>
+                  <a:srgbClr val="FF00FF"/>
+                </a:solidFill>
+              </a:rPr>
+              <a:t>no path</a:t>
+            </a:r>
+            <a:r>
+              <a:rPr lang="en-US" sz="4000" dirty="0" smtClean="0">
+                <a:solidFill>
                   <a:srgbClr val="000000"/>
                 </a:solidFill>
               </a:rPr>
-              <a:t>or from</a:t>
+              <a:t> </a:t>
+            </a:r>
+            <a:r>
+              <a:rPr lang="en-US" sz="4000" dirty="0" smtClean="0">
+                <a:solidFill>
+                  <a:srgbClr val="000000"/>
+                </a:solidFill>
+              </a:rPr>
+              <a:t>from</a:t>
             </a:r>
             <a:r>
               <a:rPr lang="en-US" sz="4000" dirty="0" smtClean="0">
@@ -12029,7 +12320,7 @@
           <a:p>
             <a:r>
               <a:rPr lang="en-US" dirty="0" smtClean="0"/>
-              <a:t>4F.</a:t>
+              <a:t>6F.</a:t>
             </a:r>
             <a:fld id="{CA4C0C47-BA92-4669-BC5C-D64A96AF3D01}" type="slidenum">
               <a:rPr lang="en-US" smtClean="0"/>
@@ -12069,7 +12360,7 @@
                             </p:stCondLst>
                             <p:childTnLst>
                               <p:par>
-                                <p:cTn id="5" presetID="9" presetClass="entr" presetSubtype="0" fill="hold" nodeType="clickEffect">
+                                <p:cTn id="5" presetID="1" presetClass="entr" presetSubtype="0" fill="hold" grpId="0" nodeType="clickEffect">
                                   <p:stCondLst>
                                     <p:cond delay="0"/>
                                   </p:stCondLst>
@@ -12077,6 +12368,86 @@
                                     <p:set>
                                       <p:cBhvr>
                                         <p:cTn id="6" dur="1" fill="hold">
+                                          <p:stCondLst>
+                                            <p:cond delay="0"/>
+                                          </p:stCondLst>
+                                        </p:cTn>
+                                        <p:tgtEl>
+                                          <p:spTgt spid="647171">
+                                            <p:txEl>
+                                              <p:pRg st="0" end="0"/>
+                                            </p:txEl>
+                                          </p:spTgt>
+                                        </p:tgtEl>
+                                        <p:attrNameLst>
+                                          <p:attrName>style.visibility</p:attrName>
+                                        </p:attrNameLst>
+                                      </p:cBhvr>
+                                      <p:to>
+                                        <p:strVal val="visible"/>
+                                      </p:to>
+                                    </p:set>
+                                  </p:childTnLst>
+                                </p:cTn>
+                              </p:par>
+                              <p:par>
+                                <p:cTn id="7" presetID="1" presetClass="entr" presetSubtype="0" fill="hold" grpId="0" nodeType="withEffect">
+                                  <p:stCondLst>
+                                    <p:cond delay="0"/>
+                                  </p:stCondLst>
+                                  <p:childTnLst>
+                                    <p:set>
+                                      <p:cBhvr>
+                                        <p:cTn id="8" dur="1" fill="hold">
+                                          <p:stCondLst>
+                                            <p:cond delay="0"/>
+                                          </p:stCondLst>
+                                        </p:cTn>
+                                        <p:tgtEl>
+                                          <p:spTgt spid="647171">
+                                            <p:txEl>
+                                              <p:pRg st="1" end="1"/>
+                                            </p:txEl>
+                                          </p:spTgt>
+                                        </p:tgtEl>
+                                        <p:attrNameLst>
+                                          <p:attrName>style.visibility</p:attrName>
+                                        </p:attrNameLst>
+                                      </p:cBhvr>
+                                      <p:to>
+                                        <p:strVal val="visible"/>
+                                      </p:to>
+                                    </p:set>
+                                  </p:childTnLst>
+                                </p:cTn>
+                              </p:par>
+                            </p:childTnLst>
+                          </p:cTn>
+                        </p:par>
+                      </p:childTnLst>
+                    </p:cTn>
+                  </p:par>
+                  <p:par>
+                    <p:cTn id="9" fill="hold">
+                      <p:stCondLst>
+                        <p:cond delay="indefinite"/>
+                      </p:stCondLst>
+                      <p:childTnLst>
+                        <p:par>
+                          <p:cTn id="10" fill="hold">
+                            <p:stCondLst>
+                              <p:cond delay="0"/>
+                            </p:stCondLst>
+                            <p:childTnLst>
+                              <p:par>
+                                <p:cTn id="11" presetID="9" presetClass="entr" presetSubtype="0" fill="hold" nodeType="clickEffect">
+                                  <p:stCondLst>
+                                    <p:cond delay="0"/>
+                                  </p:stCondLst>
+                                  <p:childTnLst>
+                                    <p:set>
+                                      <p:cBhvr>
+                                        <p:cTn id="12" dur="1" fill="hold">
                                           <p:stCondLst>
                                             <p:cond delay="0"/>
                                           </p:stCondLst>
@@ -12098,7 +12469,7 @@
                                     </p:set>
                                     <p:animEffect transition="in" filter="dissolve">
                                       <p:cBhvr>
-                                        <p:cTn id="7" dur="500"/>
+                                        <p:cTn id="13" dur="500"/>
                                         <p:tgtEl>
                                           <p:spTgt spid="647171">
                                             <p:txEl>
@@ -12118,26 +12489,26 @@
                     </p:cTn>
                   </p:par>
                   <p:par>
-                    <p:cTn id="8" fill="hold">
+                    <p:cTn id="14" fill="hold">
                       <p:stCondLst>
                         <p:cond delay="indefinite"/>
                       </p:stCondLst>
                       <p:childTnLst>
                         <p:par>
-                          <p:cTn id="9" fill="hold">
+                          <p:cTn id="15" fill="hold">
                             <p:stCondLst>
                               <p:cond delay="0"/>
                             </p:stCondLst>
                             <p:childTnLst>
                               <p:par>
-                                <p:cTn id="10" presetID="9" presetClass="entr" presetSubtype="0" fill="hold" nodeType="clickEffect">
+                                <p:cTn id="16" presetID="9" presetClass="entr" presetSubtype="0" fill="hold" nodeType="clickEffect">
                                   <p:stCondLst>
                                     <p:cond delay="0"/>
                                   </p:stCondLst>
                                   <p:childTnLst>
                                     <p:set>
                                       <p:cBhvr>
-                                        <p:cTn id="11" dur="1" fill="hold">
+                                        <p:cTn id="17" dur="1" fill="hold">
                                           <p:stCondLst>
                                             <p:cond delay="0"/>
                                           </p:stCondLst>
@@ -12159,7 +12530,7 @@
                                     </p:set>
                                     <p:animEffect transition="in" filter="dissolve">
                                       <p:cBhvr>
-                                        <p:cTn id="12" dur="500"/>
+                                        <p:cTn id="18" dur="500"/>
                                         <p:tgtEl>
                                           <p:spTgt spid="647171">
                                             <p:txEl>
@@ -12179,26 +12550,26 @@
                     </p:cTn>
                   </p:par>
                   <p:par>
-                    <p:cTn id="13" fill="hold">
+                    <p:cTn id="19" fill="hold">
                       <p:stCondLst>
                         <p:cond delay="indefinite"/>
                       </p:stCondLst>
                       <p:childTnLst>
                         <p:par>
-                          <p:cTn id="14" fill="hold">
+                          <p:cTn id="20" fill="hold">
                             <p:stCondLst>
                               <p:cond delay="0"/>
                             </p:stCondLst>
                             <p:childTnLst>
                               <p:par>
-                                <p:cTn id="15" presetID="9" presetClass="entr" presetSubtype="0" fill="hold" nodeType="clickEffect">
+                                <p:cTn id="21" presetID="9" presetClass="entr" presetSubtype="0" fill="hold" nodeType="clickEffect">
                                   <p:stCondLst>
                                     <p:cond delay="0"/>
                                   </p:stCondLst>
                                   <p:childTnLst>
                                     <p:set>
                                       <p:cBhvr>
-                                        <p:cTn id="16" dur="1" fill="hold">
+                                        <p:cTn id="22" dur="1" fill="hold">
                                           <p:stCondLst>
                                             <p:cond delay="0"/>
                                           </p:stCondLst>
@@ -12220,7 +12591,7 @@
                                     </p:set>
                                     <p:animEffect transition="in" filter="dissolve">
                                       <p:cBhvr>
-                                        <p:cTn id="17" dur="500"/>
+                                        <p:cTn id="23" dur="500"/>
                                         <p:tgtEl>
                                           <p:spTgt spid="647171">
                                             <p:txEl>
@@ -12237,20 +12608,20 @@
                           </p:cTn>
                         </p:par>
                         <p:par>
-                          <p:cTn id="18" fill="hold">
+                          <p:cTn id="24" fill="hold">
                             <p:stCondLst>
                               <p:cond delay="500"/>
                             </p:stCondLst>
                             <p:childTnLst>
                               <p:par>
-                                <p:cTn id="19" presetID="22" presetClass="entr" presetSubtype="8" fill="hold" nodeType="afterEffect">
+                                <p:cTn id="25" presetID="22" presetClass="entr" presetSubtype="8" fill="hold" nodeType="afterEffect">
                                   <p:stCondLst>
                                     <p:cond delay="0"/>
                                   </p:stCondLst>
                                   <p:childTnLst>
                                     <p:set>
                                       <p:cBhvr>
-                                        <p:cTn id="20" dur="1" fill="hold">
+                                        <p:cTn id="26" dur="1" fill="hold">
                                           <p:stCondLst>
                                             <p:cond delay="0"/>
                                           </p:stCondLst>
@@ -12272,7 +12643,7 @@
                                     </p:set>
                                     <p:animEffect transition="in" filter="wipe(left)">
                                       <p:cBhvr>
-                                        <p:cTn id="21" dur="500"/>
+                                        <p:cTn id="27" dur="500"/>
                                         <p:tgtEl>
                                           <p:spTgt spid="647171">
                                             <p:txEl>
@@ -12288,36 +12659,31 @@
                             </p:childTnLst>
                           </p:cTn>
                         </p:par>
-                      </p:childTnLst>
-                    </p:cTn>
-                  </p:par>
-                  <p:par>
-                    <p:cTn id="22" fill="hold">
-                      <p:stCondLst>
-                        <p:cond delay="indefinite"/>
-                      </p:stCondLst>
-                      <p:childTnLst>
                         <p:par>
-                          <p:cTn id="23" fill="hold">
+                          <p:cTn id="28" fill="hold">
                             <p:stCondLst>
-                              <p:cond delay="0"/>
+                              <p:cond delay="1000"/>
                             </p:stCondLst>
                             <p:childTnLst>
                               <p:par>
-                                <p:cTn id="24" presetID="2" presetClass="entr" presetSubtype="4" fill="hold" grpId="0" nodeType="clickEffect">
+                                <p:cTn id="29" presetID="22" presetClass="entr" presetSubtype="8" fill="hold" nodeType="afterEffect">
                                   <p:stCondLst>
                                     <p:cond delay="0"/>
                                   </p:stCondLst>
                                   <p:childTnLst>
                                     <p:set>
                                       <p:cBhvr>
-                                        <p:cTn id="25" dur="1" fill="hold">
+                                        <p:cTn id="30" dur="1" fill="hold">
                                           <p:stCondLst>
                                             <p:cond delay="0"/>
                                           </p:stCondLst>
                                         </p:cTn>
                                         <p:tgtEl>
-                                          <p:spTgt spid="647170"/>
+                                          <p:spTgt spid="647171">
+                                            <p:txEl>
+                                              <p:pRg st="6" end="6"/>
+                                            </p:txEl>
+                                          </p:spTgt>
                                         </p:tgtEl>
                                         <p:attrNameLst>
                                           <p:attrName>style.visibility</p:attrName>
@@ -12327,52 +12693,18 @@
                                         <p:strVal val="visible"/>
                                       </p:to>
                                     </p:set>
-                                    <p:anim calcmode="lin" valueType="num">
-                                      <p:cBhvr additive="base">
-                                        <p:cTn id="26" dur="500" fill="hold"/>
+                                    <p:animEffect transition="in" filter="wipe(left)">
+                                      <p:cBhvr>
+                                        <p:cTn id="31" dur="500"/>
                                         <p:tgtEl>
-                                          <p:spTgt spid="647170"/>
+                                          <p:spTgt spid="647171">
+                                            <p:txEl>
+                                              <p:pRg st="6" end="6"/>
+                                            </p:txEl>
+                                          </p:spTgt>
                                         </p:tgtEl>
-                                        <p:attrNameLst>
-                                          <p:attrName>ppt_x</p:attrName>
-                                        </p:attrNameLst>
                                       </p:cBhvr>
-                                      <p:tavLst>
-                                        <p:tav tm="0">
-                                          <p:val>
-                                            <p:strVal val="#ppt_x"/>
-                                          </p:val>
-                                        </p:tav>
-                                        <p:tav tm="100000">
-                                          <p:val>
-                                            <p:strVal val="#ppt_x"/>
-                                          </p:val>
-                                        </p:tav>
-                                      </p:tavLst>
-                                    </p:anim>
-                                    <p:anim calcmode="lin" valueType="num">
-                                      <p:cBhvr additive="base">
-                                        <p:cTn id="27" dur="500" fill="hold"/>
-                                        <p:tgtEl>
-                                          <p:spTgt spid="647170"/>
-                                        </p:tgtEl>
-                                        <p:attrNameLst>
-                                          <p:attrName>ppt_y</p:attrName>
-                                        </p:attrNameLst>
-                                      </p:cBhvr>
-                                      <p:tavLst>
-                                        <p:tav tm="0">
-                                          <p:val>
-                                            <p:strVal val="1+#ppt_h/2"/>
-                                          </p:val>
-                                        </p:tav>
-                                        <p:tav tm="100000">
-                                          <p:val>
-                                            <p:strVal val="#ppt_y"/>
-                                          </p:val>
-                                        </p:tav>
-                                      </p:tavLst>
-                                    </p:anim>
+                                    </p:animEffect>
                                   </p:childTnLst>
                                 </p:cTn>
                               </p:par>
@@ -12404,7 +12736,7 @@
       </p:par>
     </p:tnLst>
     <p:bldLst>
-      <p:bldP spid="647170" grpId="0"/>
+      <p:bldP spid="647171" grpId="0" build="p"/>
     </p:bldLst>
   </p:timing>
 </p:sld>
@@ -13964,7 +14296,7 @@
           <a:p>
             <a:r>
               <a:rPr lang="en-US" dirty="0" smtClean="0"/>
-              <a:t>4F.</a:t>
+              <a:t>6F.</a:t>
             </a:r>
             <a:fld id="{CA4C0C47-BA92-4669-BC5C-D64A96AF3D01}" type="slidenum">
               <a:rPr lang="en-US" smtClean="0"/>
@@ -14154,19 +14486,21 @@
         </p:nvSpPr>
         <p:spPr>
           <a:xfrm>
-            <a:off x="2528168" y="667820"/>
-            <a:ext cx="4037011" cy="667820"/>
+            <a:off x="2528168" y="524290"/>
+            <a:ext cx="4090235" cy="811350"/>
           </a:xfrm>
         </p:spPr>
         <p:txBody>
-          <a:bodyPr/>
+          <a:bodyPr>
+            <a:noAutofit/>
+          </a:bodyPr>
           <a:lstStyle/>
           <a:p>
             <a:r>
-              <a:rPr lang="en-US" sz="4400" dirty="0" smtClean="0"/>
+              <a:rPr lang="en-US" sz="5400" dirty="0" smtClean="0"/>
               <a:t>a chain</a:t>
             </a:r>
-            <a:endParaRPr lang="en-US" sz="4400" dirty="0"/>
+            <a:endParaRPr lang="en-US" sz="5400" dirty="0"/>
           </a:p>
         </p:txBody>
       </p:sp>
@@ -14320,7 +14654,7 @@
           <a:p>
             <a:r>
               <a:rPr lang="en-US" dirty="0" smtClean="0"/>
-              <a:t>4F.</a:t>
+              <a:t>6F.</a:t>
             </a:r>
             <a:fld id="{CA4C0C47-BA92-4669-BC5C-D64A96AF3D01}" type="slidenum">
               <a:rPr lang="en-US" smtClean="0"/>
@@ -14351,9 +14685,6 @@
                     <p:cTn id="3" fill="hold">
                       <p:stCondLst>
                         <p:cond delay="indefinite"/>
-                        <p:cond evt="onBegin" delay="0">
-                          <p:tn val="2"/>
-                        </p:cond>
                       </p:stCondLst>
                       <p:childTnLst>
                         <p:par>
@@ -14363,7 +14694,7 @@
                             </p:stCondLst>
                             <p:childTnLst>
                               <p:par>
-                                <p:cTn id="5" presetID="1" presetClass="entr" presetSubtype="0" fill="hold" nodeType="withEffect">
+                                <p:cTn id="5" presetID="9" presetClass="entr" presetSubtype="0" fill="hold" nodeType="clickEffect">
                                   <p:stCondLst>
                                     <p:cond delay="0"/>
                                   </p:stCondLst>
@@ -14390,56 +14721,15 @@
                                         <p:strVal val="visible"/>
                                       </p:to>
                                     </p:set>
-                                  </p:childTnLst>
-                                </p:cTn>
-                              </p:par>
-                            </p:childTnLst>
-                          </p:cTn>
-                        </p:par>
-                      </p:childTnLst>
-                    </p:cTn>
-                  </p:par>
-                  <p:par>
-                    <p:cTn id="7" fill="hold">
-                      <p:stCondLst>
-                        <p:cond delay="indefinite"/>
-                      </p:stCondLst>
-                      <p:childTnLst>
-                        <p:par>
-                          <p:cTn id="8" fill="hold">
-                            <p:stCondLst>
-                              <p:cond delay="0"/>
-                            </p:stCondLst>
-                            <p:childTnLst>
-                              <p:par>
-                                <p:cTn id="9" presetID="9" presetClass="entr" presetSubtype="0" fill="hold" grpId="0" nodeType="clickEffect">
-                                  <p:stCondLst>
-                                    <p:cond delay="0"/>
-                                  </p:stCondLst>
-                                  <p:childTnLst>
-                                    <p:set>
-                                      <p:cBhvr>
-                                        <p:cTn id="10" dur="1" fill="hold">
-                                          <p:stCondLst>
-                                            <p:cond delay="0"/>
-                                          </p:stCondLst>
-                                        </p:cTn>
-                                        <p:tgtEl>
-                                          <p:spTgt spid="685058"/>
-                                        </p:tgtEl>
-                                        <p:attrNameLst>
-                                          <p:attrName>style.visibility</p:attrName>
-                                        </p:attrNameLst>
-                                      </p:cBhvr>
-                                      <p:to>
-                                        <p:strVal val="visible"/>
-                                      </p:to>
-                                    </p:set>
                                     <p:animEffect transition="in" filter="dissolve">
                                       <p:cBhvr>
-                                        <p:cTn id="11" dur="500"/>
+                                        <p:cTn id="7" dur="500"/>
                                         <p:tgtEl>
-                                          <p:spTgt spid="685058"/>
+                                          <p:spTgt spid="685059">
+                                            <p:txEl>
+                                              <p:pRg st="2" end="2"/>
+                                            </p:txEl>
+                                          </p:spTgt>
                                         </p:tgtEl>
                                       </p:cBhvr>
                                     </p:animEffect>
@@ -14473,9 +14763,6 @@
         </p:cTn>
       </p:par>
     </p:tnLst>
-    <p:bldLst>
-      <p:bldP spid="685058" grpId="0"/>
-    </p:bldLst>
   </p:timing>
 </p:sld>
 </file>
@@ -14878,7 +15165,7 @@
           <a:p>
             <a:r>
               <a:rPr lang="en-US" dirty="0" smtClean="0"/>
-              <a:t>4F.</a:t>
+              <a:t>6F.</a:t>
             </a:r>
             <a:fld id="{CA4C0C47-BA92-4669-BC5C-D64A96AF3D01}" type="slidenum">
               <a:rPr lang="en-US" smtClean="0"/>
@@ -15050,7 +15337,7 @@
           <a:p>
             <a:r>
               <a:rPr lang="en-US" dirty="0" smtClean="0"/>
-              <a:t>4F.</a:t>
+              <a:t>6F.</a:t>
             </a:r>
             <a:fld id="{CA4C0C47-BA92-4669-BC5C-D64A96AF3D01}" type="slidenum">
               <a:rPr lang="en-US" smtClean="0"/>
@@ -16412,6 +16699,886 @@
       </p:grpSpPr>
       <p:sp>
         <p:nvSpPr>
+          <p:cNvPr id="646146" name="Rectangle 2"/>
+          <p:cNvSpPr>
+            <a:spLocks noGrp="1" noChangeArrowheads="1"/>
+          </p:cNvSpPr>
+          <p:nvPr>
+            <p:ph type="title"/>
+          </p:nvPr>
+        </p:nvSpPr>
+        <p:spPr>
+          <a:xfrm>
+            <a:off x="1786842" y="152399"/>
+            <a:ext cx="5497530" cy="1214063"/>
+          </a:xfrm>
+        </p:spPr>
+        <p:txBody>
+          <a:bodyPr>
+            <a:normAutofit/>
+          </a:bodyPr>
+          <a:lstStyle/>
+          <a:p>
+            <a:r>
+              <a:rPr lang="en-US" sz="4400" dirty="0" smtClean="0"/>
+              <a:t>some chains</a:t>
+            </a:r>
+            <a:endParaRPr lang="en-US" sz="4400" dirty="0"/>
+          </a:p>
+        </p:txBody>
+      </p:sp>
+      <p:sp>
+        <p:nvSpPr>
+          <p:cNvPr id="646177" name="Rectangle 33"/>
+          <p:cNvSpPr>
+            <a:spLocks noChangeArrowheads="1"/>
+          </p:cNvSpPr>
+          <p:nvPr/>
+        </p:nvSpPr>
+        <p:spPr bwMode="auto">
+          <a:xfrm>
+            <a:off x="4191000" y="1371600"/>
+            <a:ext cx="1040801" cy="4593651"/>
+          </a:xfrm>
+          <a:prstGeom prst="rect">
+            <a:avLst/>
+          </a:prstGeom>
+          <a:noFill/>
+          <a:ln w="38100">
+            <a:solidFill>
+              <a:srgbClr val="333399"/>
+            </a:solidFill>
+            <a:prstDash val="sysDot"/>
+            <a:miter lim="800000"/>
+            <a:headEnd/>
+            <a:tailEnd type="none" w="lg" len="lg"/>
+          </a:ln>
+          <a:effectLst/>
+        </p:spPr>
+        <p:txBody>
+          <a:bodyPr wrap="none" anchor="ctr"/>
+          <a:lstStyle/>
+          <a:p>
+            <a:endParaRPr lang="en-US" sz="1600">
+              <a:latin typeface="Comic Sans MS" pitchFamily="66" charset="0"/>
+            </a:endParaRPr>
+          </a:p>
+        </p:txBody>
+      </p:sp>
+      <p:sp>
+        <p:nvSpPr>
+          <p:cNvPr id="41" name="Slide Number Placeholder 5"/>
+          <p:cNvSpPr>
+            <a:spLocks noGrp="1"/>
+          </p:cNvSpPr>
+          <p:nvPr>
+            <p:ph type="sldNum" sz="quarter" idx="4"/>
+          </p:nvPr>
+        </p:nvSpPr>
+        <p:spPr>
+          <a:xfrm>
+            <a:off x="8237750" y="6596742"/>
+            <a:ext cx="906250" cy="261257"/>
+          </a:xfrm>
+          <a:prstGeom prst="rect">
+            <a:avLst/>
+          </a:prstGeom>
+        </p:spPr>
+        <p:txBody>
+          <a:bodyPr/>
+          <a:lstStyle>
+            <a:lvl1pPr>
+              <a:defRPr sz="1200">
+                <a:latin typeface="Comic Sans MS" pitchFamily="66" charset="0"/>
+              </a:defRPr>
+            </a:lvl1pPr>
+          </a:lstStyle>
+          <a:p>
+            <a:r>
+              <a:rPr lang="en-US" dirty="0" smtClean="0"/>
+              <a:t>6F.</a:t>
+            </a:r>
+            <a:fld id="{CA4C0C47-BA92-4669-BC5C-D64A96AF3D01}" type="slidenum">
+              <a:rPr lang="en-US" smtClean="0"/>
+              <a:pPr/>
+              <a:t>21</a:t>
+            </a:fld>
+            <a:endParaRPr lang="en-US" dirty="0"/>
+          </a:p>
+        </p:txBody>
+      </p:sp>
+      <p:sp>
+        <p:nvSpPr>
+          <p:cNvPr id="52" name="AutoShape 18"/>
+          <p:cNvSpPr>
+            <a:spLocks noChangeArrowheads="1"/>
+          </p:cNvSpPr>
+          <p:nvPr/>
+        </p:nvSpPr>
+        <p:spPr bwMode="auto">
+          <a:xfrm>
+            <a:off x="4343400" y="1600200"/>
+            <a:ext cx="762000" cy="381000"/>
+          </a:xfrm>
+          <a:prstGeom prst="roundRect">
+            <a:avLst>
+              <a:gd name="adj" fmla="val 16667"/>
+            </a:avLst>
+          </a:prstGeom>
+          <a:solidFill>
+            <a:srgbClr val="FFFF00"/>
+          </a:solidFill>
+          <a:ln w="28575">
+            <a:solidFill>
+              <a:schemeClr val="tx1"/>
+            </a:solidFill>
+            <a:round/>
+            <a:headEnd/>
+            <a:tailEnd type="none" w="lg" len="lg"/>
+          </a:ln>
+          <a:effectLst/>
+        </p:spPr>
+        <p:txBody>
+          <a:bodyPr wrap="none" anchor="ctr"/>
+          <a:lstStyle/>
+          <a:p>
+            <a:pPr>
+              <a:spcBef>
+                <a:spcPct val="0"/>
+              </a:spcBef>
+            </a:pPr>
+            <a:r>
+              <a:rPr lang="en-US" sz="2000" dirty="0" smtClean="0">
+                <a:latin typeface="Comic Sans MS" pitchFamily="66" charset="0"/>
+              </a:rPr>
+              <a:t>8.02</a:t>
+            </a:r>
+            <a:endParaRPr lang="en-US" sz="2000" dirty="0">
+              <a:latin typeface="Comic Sans MS" pitchFamily="66" charset="0"/>
+            </a:endParaRPr>
+          </a:p>
+        </p:txBody>
+      </p:sp>
+      <p:sp>
+        <p:nvSpPr>
+          <p:cNvPr id="53" name="AutoShape 19"/>
+          <p:cNvSpPr>
+            <a:spLocks noChangeArrowheads="1"/>
+          </p:cNvSpPr>
+          <p:nvPr/>
+        </p:nvSpPr>
+        <p:spPr bwMode="auto">
+          <a:xfrm>
+            <a:off x="4343400" y="2468563"/>
+            <a:ext cx="762000" cy="381000"/>
+          </a:xfrm>
+          <a:prstGeom prst="roundRect">
+            <a:avLst>
+              <a:gd name="adj" fmla="val 16667"/>
+            </a:avLst>
+          </a:prstGeom>
+          <a:solidFill>
+            <a:srgbClr val="99CCFF"/>
+          </a:solidFill>
+          <a:ln w="28575">
+            <a:solidFill>
+              <a:schemeClr val="tx1"/>
+            </a:solidFill>
+            <a:round/>
+            <a:headEnd/>
+            <a:tailEnd type="none" w="lg" len="lg"/>
+          </a:ln>
+          <a:effectLst/>
+        </p:spPr>
+        <p:txBody>
+          <a:bodyPr wrap="none" anchor="ctr"/>
+          <a:lstStyle/>
+          <a:p>
+            <a:pPr>
+              <a:spcBef>
+                <a:spcPct val="0"/>
+              </a:spcBef>
+            </a:pPr>
+            <a:r>
+              <a:rPr lang="en-US" sz="2000" dirty="0" smtClean="0">
+                <a:latin typeface="Comic Sans MS" pitchFamily="66" charset="0"/>
+              </a:rPr>
+              <a:t>6.002</a:t>
+            </a:r>
+            <a:endParaRPr lang="en-US" sz="2000" dirty="0">
+              <a:latin typeface="Comic Sans MS" pitchFamily="66" charset="0"/>
+            </a:endParaRPr>
+          </a:p>
+        </p:txBody>
+      </p:sp>
+      <p:sp>
+        <p:nvSpPr>
+          <p:cNvPr id="54" name="AutoShape 20"/>
+          <p:cNvSpPr>
+            <a:spLocks noChangeArrowheads="1"/>
+          </p:cNvSpPr>
+          <p:nvPr/>
+        </p:nvSpPr>
+        <p:spPr bwMode="auto">
+          <a:xfrm>
+            <a:off x="4343400" y="3352800"/>
+            <a:ext cx="762000" cy="381000"/>
+          </a:xfrm>
+          <a:prstGeom prst="roundRect">
+            <a:avLst>
+              <a:gd name="adj" fmla="val 16667"/>
+            </a:avLst>
+          </a:prstGeom>
+          <a:solidFill>
+            <a:srgbClr val="FF00FF"/>
+          </a:solidFill>
+          <a:ln w="28575">
+            <a:solidFill>
+              <a:schemeClr val="tx1"/>
+            </a:solidFill>
+            <a:round/>
+            <a:headEnd/>
+            <a:tailEnd type="none" w="lg" len="lg"/>
+          </a:ln>
+          <a:effectLst/>
+        </p:spPr>
+        <p:txBody>
+          <a:bodyPr wrap="none" anchor="ctr"/>
+          <a:lstStyle/>
+          <a:p>
+            <a:pPr>
+              <a:spcBef>
+                <a:spcPct val="0"/>
+              </a:spcBef>
+            </a:pPr>
+            <a:r>
+              <a:rPr lang="en-US" sz="2000" dirty="0" smtClean="0">
+                <a:latin typeface="Comic Sans MS" pitchFamily="66" charset="0"/>
+              </a:rPr>
+              <a:t>6.004</a:t>
+            </a:r>
+            <a:endParaRPr lang="en-US" sz="2000" dirty="0">
+              <a:latin typeface="Comic Sans MS" pitchFamily="66" charset="0"/>
+            </a:endParaRPr>
+          </a:p>
+        </p:txBody>
+      </p:sp>
+      <p:sp>
+        <p:nvSpPr>
+          <p:cNvPr id="55" name="AutoShape 21"/>
+          <p:cNvSpPr>
+            <a:spLocks noChangeArrowheads="1"/>
+          </p:cNvSpPr>
+          <p:nvPr/>
+        </p:nvSpPr>
+        <p:spPr bwMode="auto">
+          <a:xfrm>
+            <a:off x="4343400" y="4357688"/>
+            <a:ext cx="762000" cy="381000"/>
+          </a:xfrm>
+          <a:prstGeom prst="roundRect">
+            <a:avLst>
+              <a:gd name="adj" fmla="val 16667"/>
+            </a:avLst>
+          </a:prstGeom>
+          <a:solidFill>
+            <a:srgbClr val="008000"/>
+          </a:solidFill>
+          <a:ln w="28575">
+            <a:solidFill>
+              <a:schemeClr val="tx1"/>
+            </a:solidFill>
+            <a:round/>
+            <a:headEnd/>
+            <a:tailEnd type="none" w="lg" len="lg"/>
+          </a:ln>
+          <a:effectLst/>
+        </p:spPr>
+        <p:txBody>
+          <a:bodyPr wrap="none" anchor="ctr"/>
+          <a:lstStyle/>
+          <a:p>
+            <a:pPr>
+              <a:spcBef>
+                <a:spcPct val="0"/>
+              </a:spcBef>
+            </a:pPr>
+            <a:r>
+              <a:rPr lang="en-US" sz="2000" dirty="0" smtClean="0">
+                <a:latin typeface="Comic Sans MS" pitchFamily="66" charset="0"/>
+              </a:rPr>
+              <a:t>6.033</a:t>
+            </a:r>
+            <a:endParaRPr lang="en-US" sz="2000" dirty="0">
+              <a:latin typeface="Comic Sans MS" pitchFamily="66" charset="0"/>
+            </a:endParaRPr>
+          </a:p>
+        </p:txBody>
+      </p:sp>
+      <p:sp>
+        <p:nvSpPr>
+          <p:cNvPr id="56" name="AutoShape 22"/>
+          <p:cNvSpPr>
+            <a:spLocks noChangeArrowheads="1"/>
+          </p:cNvSpPr>
+          <p:nvPr/>
+        </p:nvSpPr>
+        <p:spPr bwMode="auto">
+          <a:xfrm>
+            <a:off x="4343400" y="5226050"/>
+            <a:ext cx="762000" cy="381000"/>
+          </a:xfrm>
+          <a:prstGeom prst="roundRect">
+            <a:avLst>
+              <a:gd name="adj" fmla="val 16667"/>
+            </a:avLst>
+          </a:prstGeom>
+          <a:solidFill>
+            <a:srgbClr val="993366"/>
+          </a:solidFill>
+          <a:ln w="28575">
+            <a:solidFill>
+              <a:schemeClr val="tx1"/>
+            </a:solidFill>
+            <a:round/>
+            <a:headEnd/>
+            <a:tailEnd type="none" w="lg" len="lg"/>
+          </a:ln>
+          <a:effectLst/>
+        </p:spPr>
+        <p:txBody>
+          <a:bodyPr wrap="none" anchor="ctr"/>
+          <a:lstStyle/>
+          <a:p>
+            <a:pPr>
+              <a:spcBef>
+                <a:spcPct val="0"/>
+              </a:spcBef>
+            </a:pPr>
+            <a:r>
+              <a:rPr lang="en-US" sz="2000" dirty="0" smtClean="0">
+                <a:latin typeface="Comic Sans MS" pitchFamily="66" charset="0"/>
+              </a:rPr>
+              <a:t>6.857</a:t>
+            </a:r>
+            <a:endParaRPr lang="en-US" sz="2000" dirty="0">
+              <a:latin typeface="Comic Sans MS" pitchFamily="66" charset="0"/>
+            </a:endParaRPr>
+          </a:p>
+        </p:txBody>
+      </p:sp>
+      <p:cxnSp>
+        <p:nvCxnSpPr>
+          <p:cNvPr id="62" name="AutoShape 29"/>
+          <p:cNvCxnSpPr>
+            <a:cxnSpLocks noChangeShapeType="1"/>
+            <a:stCxn id="52" idx="2"/>
+            <a:endCxn id="53" idx="0"/>
+          </p:cNvCxnSpPr>
+          <p:nvPr/>
+        </p:nvCxnSpPr>
+        <p:spPr bwMode="auto">
+          <a:xfrm>
+            <a:off x="4724400" y="1995488"/>
+            <a:ext cx="0" cy="458787"/>
+          </a:xfrm>
+          <a:prstGeom prst="straightConnector1">
+            <a:avLst/>
+          </a:prstGeom>
+          <a:noFill/>
+          <a:ln w="25400">
+            <a:solidFill>
+              <a:schemeClr val="tx1"/>
+            </a:solidFill>
+            <a:round/>
+            <a:headEnd/>
+            <a:tailEnd type="triangle" w="med" len="med"/>
+          </a:ln>
+          <a:effectLst/>
+        </p:spPr>
+      </p:cxnSp>
+      <p:cxnSp>
+        <p:nvCxnSpPr>
+          <p:cNvPr id="63" name="AutoShape 30"/>
+          <p:cNvCxnSpPr>
+            <a:cxnSpLocks noChangeShapeType="1"/>
+            <a:stCxn id="54" idx="2"/>
+            <a:endCxn id="55" idx="0"/>
+          </p:cNvCxnSpPr>
+          <p:nvPr/>
+        </p:nvCxnSpPr>
+        <p:spPr bwMode="auto">
+          <a:xfrm>
+            <a:off x="4724400" y="3748088"/>
+            <a:ext cx="0" cy="595312"/>
+          </a:xfrm>
+          <a:prstGeom prst="straightConnector1">
+            <a:avLst/>
+          </a:prstGeom>
+          <a:noFill/>
+          <a:ln w="25400">
+            <a:solidFill>
+              <a:schemeClr val="tx1"/>
+            </a:solidFill>
+            <a:round/>
+            <a:headEnd/>
+            <a:tailEnd type="triangle" w="med" len="med"/>
+          </a:ln>
+          <a:effectLst/>
+        </p:spPr>
+      </p:cxnSp>
+      <p:cxnSp>
+        <p:nvCxnSpPr>
+          <p:cNvPr id="64" name="AutoShape 31"/>
+          <p:cNvCxnSpPr>
+            <a:cxnSpLocks noChangeShapeType="1"/>
+            <a:stCxn id="55" idx="2"/>
+            <a:endCxn id="56" idx="0"/>
+          </p:cNvCxnSpPr>
+          <p:nvPr/>
+        </p:nvCxnSpPr>
+        <p:spPr bwMode="auto">
+          <a:xfrm>
+            <a:off x="4724400" y="4752975"/>
+            <a:ext cx="0" cy="458788"/>
+          </a:xfrm>
+          <a:prstGeom prst="straightConnector1">
+            <a:avLst/>
+          </a:prstGeom>
+          <a:noFill/>
+          <a:ln w="25400">
+            <a:solidFill>
+              <a:schemeClr val="tx1"/>
+            </a:solidFill>
+            <a:round/>
+            <a:headEnd/>
+            <a:tailEnd type="triangle" w="med" len="med"/>
+          </a:ln>
+          <a:effectLst/>
+        </p:spPr>
+      </p:cxnSp>
+      <p:cxnSp>
+        <p:nvCxnSpPr>
+          <p:cNvPr id="68" name="AutoShape 38"/>
+          <p:cNvCxnSpPr>
+            <a:cxnSpLocks noChangeShapeType="1"/>
+            <a:stCxn id="53" idx="2"/>
+            <a:endCxn id="54" idx="0"/>
+          </p:cNvCxnSpPr>
+          <p:nvPr/>
+        </p:nvCxnSpPr>
+        <p:spPr bwMode="auto">
+          <a:xfrm>
+            <a:off x="4724400" y="2863850"/>
+            <a:ext cx="0" cy="474663"/>
+          </a:xfrm>
+          <a:prstGeom prst="straightConnector1">
+            <a:avLst/>
+          </a:prstGeom>
+          <a:noFill/>
+          <a:ln w="25400">
+            <a:solidFill>
+              <a:schemeClr val="tx1"/>
+            </a:solidFill>
+            <a:round/>
+            <a:headEnd/>
+            <a:tailEnd type="triangle" w="med" len="med"/>
+          </a:ln>
+          <a:effectLst/>
+        </p:spPr>
+      </p:cxnSp>
+      <p:graphicFrame>
+        <p:nvGraphicFramePr>
+          <p:cNvPr id="34" name="Object 33"/>
+          <p:cNvGraphicFramePr>
+            <a:graphicFrameLocks noChangeAspect="1"/>
+          </p:cNvGraphicFramePr>
+          <p:nvPr/>
+        </p:nvGraphicFramePr>
+        <p:xfrm>
+          <a:off x="4620735" y="2493289"/>
+          <a:ext cx="222407" cy="353167"/>
+        </p:xfrm>
+        <a:graphic>
+          <a:graphicData uri="http://schemas.openxmlformats.org/presentationml/2006/ole">
+            <p:oleObj spid="_x0000_s103426" name="Equation" r:id="rId4" imgW="76200" imgH="165100" progId="Equation.DSMT4">
+              <p:embed/>
+            </p:oleObj>
+          </a:graphicData>
+        </a:graphic>
+      </p:graphicFrame>
+      <p:graphicFrame>
+        <p:nvGraphicFramePr>
+          <p:cNvPr id="103427" name="Object 3"/>
+          <p:cNvGraphicFramePr>
+            <a:graphicFrameLocks noChangeAspect="1"/>
+          </p:cNvGraphicFramePr>
+          <p:nvPr/>
+        </p:nvGraphicFramePr>
+        <p:xfrm>
+          <a:off x="4620735" y="4337772"/>
+          <a:ext cx="222250" cy="352425"/>
+        </p:xfrm>
+        <a:graphic>
+          <a:graphicData uri="http://schemas.openxmlformats.org/presentationml/2006/ole">
+            <p:oleObj spid="_x0000_s103427" name="Equation" r:id="rId5" imgW="76200" imgH="165100" progId="Equation.DSMT4">
+              <p:embed/>
+            </p:oleObj>
+          </a:graphicData>
+        </a:graphic>
+      </p:graphicFrame>
+      <p:grpSp>
+        <p:nvGrpSpPr>
+          <p:cNvPr id="40" name="Group 39"/>
+          <p:cNvGrpSpPr/>
+          <p:nvPr/>
+        </p:nvGrpSpPr>
+        <p:grpSpPr>
+          <a:xfrm>
+            <a:off x="4883463" y="1339851"/>
+            <a:ext cx="2590445" cy="4473939"/>
+            <a:chOff x="4883463" y="1339851"/>
+            <a:chExt cx="2590445" cy="4473939"/>
+          </a:xfrm>
+        </p:grpSpPr>
+        <p:sp>
+          <p:nvSpPr>
+            <p:cNvPr id="36" name="TextBox 35"/>
+            <p:cNvSpPr txBox="1"/>
+            <p:nvPr/>
+          </p:nvSpPr>
+          <p:spPr>
+            <a:xfrm>
+              <a:off x="5686239" y="2644170"/>
+              <a:ext cx="1787669" cy="1569660"/>
+            </a:xfrm>
+            <a:prstGeom prst="rect">
+              <a:avLst/>
+            </a:prstGeom>
+            <a:noFill/>
+          </p:spPr>
+          <p:txBody>
+            <a:bodyPr wrap="none" rtlCol="0">
+              <a:spAutoFit/>
+            </a:bodyPr>
+            <a:lstStyle/>
+            <a:p>
+              <a:r>
+                <a:rPr lang="en-US" sz="4800" dirty="0" smtClean="0">
+                  <a:latin typeface="Comic Sans MS" pitchFamily="66" charset="0"/>
+                </a:rPr>
+                <a:t>still a</a:t>
+              </a:r>
+            </a:p>
+            <a:p>
+              <a:r>
+                <a:rPr lang="en-US" sz="4800" dirty="0" smtClean="0">
+                  <a:latin typeface="Comic Sans MS" pitchFamily="66" charset="0"/>
+                </a:rPr>
+                <a:t>chain</a:t>
+              </a:r>
+              <a:endParaRPr lang="en-US" sz="4800" dirty="0" smtClean="0">
+                <a:latin typeface="Comic Sans MS" pitchFamily="66" charset="0"/>
+              </a:endParaRPr>
+            </a:p>
+          </p:txBody>
+        </p:sp>
+        <p:graphicFrame>
+          <p:nvGraphicFramePr>
+            <p:cNvPr id="103428" name="Object 4"/>
+            <p:cNvGraphicFramePr>
+              <a:graphicFrameLocks noChangeAspect="1"/>
+            </p:cNvGraphicFramePr>
+            <p:nvPr/>
+          </p:nvGraphicFramePr>
+          <p:xfrm>
+            <a:off x="4883463" y="1339851"/>
+            <a:ext cx="975089" cy="4473939"/>
+          </p:xfrm>
+          <a:graphic>
+            <a:graphicData uri="http://schemas.openxmlformats.org/presentationml/2006/ole">
+              <p:oleObj spid="_x0000_s103428" name="Equation" r:id="rId6" imgW="215900" imgH="990600" progId="Equation.DSMT4">
+                <p:embed/>
+              </p:oleObj>
+            </a:graphicData>
+          </a:graphic>
+        </p:graphicFrame>
+      </p:grpSp>
+    </p:spTree>
+  </p:cSld>
+  <p:clrMapOvr>
+    <a:masterClrMapping/>
+  </p:clrMapOvr>
+  <p:transition spd="slow">
+    <p:fade/>
+  </p:transition>
+  <p:timing>
+    <p:tnLst>
+      <p:par>
+        <p:cTn id="1" dur="indefinite" restart="never" nodeType="tmRoot">
+          <p:childTnLst>
+            <p:seq concurrent="1" nextAc="seek">
+              <p:cTn id="2" dur="indefinite" nodeType="mainSeq">
+                <p:childTnLst>
+                  <p:par>
+                    <p:cTn id="3" fill="hold">
+                      <p:stCondLst>
+                        <p:cond delay="indefinite"/>
+                      </p:stCondLst>
+                      <p:childTnLst>
+                        <p:par>
+                          <p:cTn id="4" fill="hold">
+                            <p:stCondLst>
+                              <p:cond delay="0"/>
+                            </p:stCondLst>
+                            <p:childTnLst>
+                              <p:par>
+                                <p:cTn id="5" presetID="10" presetClass="exit" presetSubtype="0" fill="hold" grpId="0" nodeType="clickEffect">
+                                  <p:stCondLst>
+                                    <p:cond delay="0"/>
+                                  </p:stCondLst>
+                                  <p:childTnLst>
+                                    <p:animEffect transition="out" filter="fade">
+                                      <p:cBhvr>
+                                        <p:cTn id="6" dur="1000"/>
+                                        <p:tgtEl>
+                                          <p:spTgt spid="53"/>
+                                        </p:tgtEl>
+                                      </p:cBhvr>
+                                    </p:animEffect>
+                                    <p:set>
+                                      <p:cBhvr>
+                                        <p:cTn id="7" dur="1" fill="hold">
+                                          <p:stCondLst>
+                                            <p:cond delay="999"/>
+                                          </p:stCondLst>
+                                        </p:cTn>
+                                        <p:tgtEl>
+                                          <p:spTgt spid="53"/>
+                                        </p:tgtEl>
+                                        <p:attrNameLst>
+                                          <p:attrName>style.visibility</p:attrName>
+                                        </p:attrNameLst>
+                                      </p:cBhvr>
+                                      <p:to>
+                                        <p:strVal val="hidden"/>
+                                      </p:to>
+                                    </p:set>
+                                  </p:childTnLst>
+                                </p:cTn>
+                              </p:par>
+                              <p:par>
+                                <p:cTn id="8" presetID="10" presetClass="entr" presetSubtype="0" fill="hold" nodeType="withEffect">
+                                  <p:stCondLst>
+                                    <p:cond delay="0"/>
+                                  </p:stCondLst>
+                                  <p:childTnLst>
+                                    <p:set>
+                                      <p:cBhvr>
+                                        <p:cTn id="9" dur="1" fill="hold">
+                                          <p:stCondLst>
+                                            <p:cond delay="0"/>
+                                          </p:stCondLst>
+                                        </p:cTn>
+                                        <p:tgtEl>
+                                          <p:spTgt spid="34"/>
+                                        </p:tgtEl>
+                                        <p:attrNameLst>
+                                          <p:attrName>style.visibility</p:attrName>
+                                        </p:attrNameLst>
+                                      </p:cBhvr>
+                                      <p:to>
+                                        <p:strVal val="visible"/>
+                                      </p:to>
+                                    </p:set>
+                                    <p:animEffect transition="in" filter="fade">
+                                      <p:cBhvr>
+                                        <p:cTn id="10" dur="1000"/>
+                                        <p:tgtEl>
+                                          <p:spTgt spid="34"/>
+                                        </p:tgtEl>
+                                      </p:cBhvr>
+                                    </p:animEffect>
+                                  </p:childTnLst>
+                                </p:cTn>
+                              </p:par>
+                            </p:childTnLst>
+                          </p:cTn>
+                        </p:par>
+                        <p:par>
+                          <p:cTn id="11" fill="hold">
+                            <p:stCondLst>
+                              <p:cond delay="1000"/>
+                            </p:stCondLst>
+                            <p:childTnLst>
+                              <p:par>
+                                <p:cTn id="12" presetID="10" presetClass="exit" presetSubtype="0" fill="hold" grpId="0" nodeType="afterEffect">
+                                  <p:stCondLst>
+                                    <p:cond delay="0"/>
+                                  </p:stCondLst>
+                                  <p:childTnLst>
+                                    <p:animEffect transition="out" filter="fade">
+                                      <p:cBhvr>
+                                        <p:cTn id="13" dur="1000"/>
+                                        <p:tgtEl>
+                                          <p:spTgt spid="55"/>
+                                        </p:tgtEl>
+                                      </p:cBhvr>
+                                    </p:animEffect>
+                                    <p:set>
+                                      <p:cBhvr>
+                                        <p:cTn id="14" dur="1" fill="hold">
+                                          <p:stCondLst>
+                                            <p:cond delay="999"/>
+                                          </p:stCondLst>
+                                        </p:cTn>
+                                        <p:tgtEl>
+                                          <p:spTgt spid="55"/>
+                                        </p:tgtEl>
+                                        <p:attrNameLst>
+                                          <p:attrName>style.visibility</p:attrName>
+                                        </p:attrNameLst>
+                                      </p:cBhvr>
+                                      <p:to>
+                                        <p:strVal val="hidden"/>
+                                      </p:to>
+                                    </p:set>
+                                  </p:childTnLst>
+                                </p:cTn>
+                              </p:par>
+                              <p:par>
+                                <p:cTn id="15" presetID="10" presetClass="entr" presetSubtype="0" fill="hold" nodeType="withEffect">
+                                  <p:stCondLst>
+                                    <p:cond delay="0"/>
+                                  </p:stCondLst>
+                                  <p:childTnLst>
+                                    <p:set>
+                                      <p:cBhvr>
+                                        <p:cTn id="16" dur="1" fill="hold">
+                                          <p:stCondLst>
+                                            <p:cond delay="0"/>
+                                          </p:stCondLst>
+                                        </p:cTn>
+                                        <p:tgtEl>
+                                          <p:spTgt spid="103427"/>
+                                        </p:tgtEl>
+                                        <p:attrNameLst>
+                                          <p:attrName>style.visibility</p:attrName>
+                                        </p:attrNameLst>
+                                      </p:cBhvr>
+                                      <p:to>
+                                        <p:strVal val="visible"/>
+                                      </p:to>
+                                    </p:set>
+                                    <p:animEffect transition="in" filter="fade">
+                                      <p:cBhvr>
+                                        <p:cTn id="17" dur="1000"/>
+                                        <p:tgtEl>
+                                          <p:spTgt spid="103427"/>
+                                        </p:tgtEl>
+                                      </p:cBhvr>
+                                    </p:animEffect>
+                                  </p:childTnLst>
+                                </p:cTn>
+                              </p:par>
+                            </p:childTnLst>
+                          </p:cTn>
+                        </p:par>
+                        <p:par>
+                          <p:cTn id="18" fill="hold">
+                            <p:stCondLst>
+                              <p:cond delay="2000"/>
+                            </p:stCondLst>
+                            <p:childTnLst>
+                              <p:par>
+                                <p:cTn id="19" presetID="10" presetClass="entr" presetSubtype="0" fill="hold" nodeType="afterEffect">
+                                  <p:stCondLst>
+                                    <p:cond delay="0"/>
+                                  </p:stCondLst>
+                                  <p:childTnLst>
+                                    <p:set>
+                                      <p:cBhvr>
+                                        <p:cTn id="20" dur="1" fill="hold">
+                                          <p:stCondLst>
+                                            <p:cond delay="0"/>
+                                          </p:stCondLst>
+                                        </p:cTn>
+                                        <p:tgtEl>
+                                          <p:spTgt spid="40"/>
+                                        </p:tgtEl>
+                                        <p:attrNameLst>
+                                          <p:attrName>style.visibility</p:attrName>
+                                        </p:attrNameLst>
+                                      </p:cBhvr>
+                                      <p:to>
+                                        <p:strVal val="visible"/>
+                                      </p:to>
+                                    </p:set>
+                                    <p:animEffect transition="in" filter="fade">
+                                      <p:cBhvr>
+                                        <p:cTn id="21" dur="2000"/>
+                                        <p:tgtEl>
+                                          <p:spTgt spid="40"/>
+                                        </p:tgtEl>
+                                      </p:cBhvr>
+                                    </p:animEffect>
+                                  </p:childTnLst>
+                                </p:cTn>
+                              </p:par>
+                            </p:childTnLst>
+                          </p:cTn>
+                        </p:par>
+                      </p:childTnLst>
+                    </p:cTn>
+                  </p:par>
+                </p:childTnLst>
+              </p:cTn>
+              <p:prevCondLst>
+                <p:cond evt="onPrev" delay="0">
+                  <p:tgtEl>
+                    <p:sldTgt/>
+                  </p:tgtEl>
+                </p:cond>
+              </p:prevCondLst>
+              <p:nextCondLst>
+                <p:cond evt="onNext" delay="0">
+                  <p:tgtEl>
+                    <p:sldTgt/>
+                  </p:tgtEl>
+                </p:cond>
+              </p:nextCondLst>
+            </p:seq>
+          </p:childTnLst>
+        </p:cTn>
+      </p:par>
+    </p:tnLst>
+    <p:bldLst>
+      <p:bldP spid="53" grpId="0" animBg="1"/>
+      <p:bldP spid="55" grpId="0" animBg="1"/>
+    </p:bldLst>
+  </p:timing>
+</p:sld>
+</file>
+
+<file path=ppt/slides/slide22.xml><?xml version="1.0" encoding="utf-8"?>
+<p:sld xmlns:a="http://schemas.openxmlformats.org/drawingml/2006/main" xmlns:r="http://schemas.openxmlformats.org/officeDocument/2006/relationships" xmlns:mc="http://schemas.openxmlformats.org/markup-compatibility/2006" xmlns:mv="urn:schemas-microsoft-com:mac:vml" xmlns:p="http://schemas.openxmlformats.org/presentationml/2006/main" mc:Ignorable="mv" mc:PreserveAttributes="mv:*">
+  <p:cSld>
+    <p:spTree>
+      <p:nvGrpSpPr>
+        <p:cNvPr id="1" name=""/>
+        <p:cNvGrpSpPr/>
+        <p:nvPr/>
+      </p:nvGrpSpPr>
+      <p:grpSpPr>
+        <a:xfrm>
+          <a:off x="0" y="0"/>
+          <a:ext cx="0" cy="0"/>
+          <a:chOff x="0" y="0"/>
+          <a:chExt cx="0" cy="0"/>
+        </a:xfrm>
+      </p:grpSpPr>
+      <p:sp>
+        <p:nvSpPr>
           <p:cNvPr id="41" name="Rectangle 2"/>
           <p:cNvSpPr>
             <a:spLocks noGrp="1" noChangeArrowheads="1"/>
@@ -16491,12 +17658,12 @@
           <a:p>
             <a:r>
               <a:rPr lang="en-US" dirty="0" smtClean="0"/>
-              <a:t>4F.</a:t>
+              <a:t>6F.</a:t>
             </a:r>
             <a:fld id="{CA4C0C47-BA92-4669-BC5C-D64A96AF3D01}" type="slidenum">
               <a:rPr lang="en-US" smtClean="0"/>
               <a:pPr/>
-              <a:t>21</a:t>
+              <a:t>22</a:t>
             </a:fld>
             <a:endParaRPr lang="en-US" dirty="0"/>
           </a:p>
@@ -17657,7 +18824,7 @@
 </p:sld>
 </file>
 
-<file path=ppt/slides/slide22.xml><?xml version="1.0" encoding="utf-8"?>
+<file path=ppt/slides/slide23.xml><?xml version="1.0" encoding="utf-8"?>
 <p:sld xmlns:a="http://schemas.openxmlformats.org/drawingml/2006/main" xmlns:r="http://schemas.openxmlformats.org/officeDocument/2006/relationships" xmlns:mc="http://schemas.openxmlformats.org/markup-compatibility/2006" xmlns:mv="urn:schemas-microsoft-com:mac:vml" xmlns:p="http://schemas.openxmlformats.org/presentationml/2006/main" mc:Ignorable="mv" mc:PreserveAttributes="mv:*">
   <p:cSld>
     <p:spTree>
@@ -18006,7 +19173,7 @@
 </p:sld>
 </file>
 
-<file path=ppt/slides/slide23.xml><?xml version="1.0" encoding="utf-8"?>
+<file path=ppt/slides/slide24.xml><?xml version="1.0" encoding="utf-8"?>
 <p:sld xmlns:a="http://schemas.openxmlformats.org/drawingml/2006/main" xmlns:r="http://schemas.openxmlformats.org/officeDocument/2006/relationships" xmlns:mc="http://schemas.openxmlformats.org/markup-compatibility/2006" xmlns:mv="urn:schemas-microsoft-com:mac:vml" xmlns:p="http://schemas.openxmlformats.org/presentationml/2006/main" mc:Ignorable="mv" mc:PreserveAttributes="mv:*">
   <p:cSld>
     <p:spTree>
@@ -18086,12 +19253,12 @@
           <a:p>
             <a:r>
               <a:rPr lang="en-US" dirty="0" smtClean="0"/>
-              <a:t>4F.</a:t>
+              <a:t>6F.</a:t>
             </a:r>
             <a:fld id="{CA4C0C47-BA92-4669-BC5C-D64A96AF3D01}" type="slidenum">
               <a:rPr lang="en-US" smtClean="0"/>
               <a:pPr/>
-              <a:t>23</a:t>
+              <a:t>24</a:t>
             </a:fld>
             <a:endParaRPr lang="en-US" dirty="0"/>
           </a:p>
@@ -19400,7 +20567,7 @@
 </p:sld>
 </file>
 
-<file path=ppt/slides/slide24.xml><?xml version="1.0" encoding="utf-8"?>
+<file path=ppt/slides/slide25.xml><?xml version="1.0" encoding="utf-8"?>
 <p:sld xmlns:a="http://schemas.openxmlformats.org/drawingml/2006/main" xmlns:r="http://schemas.openxmlformats.org/officeDocument/2006/relationships" xmlns:mc="http://schemas.openxmlformats.org/markup-compatibility/2006" xmlns:mv="urn:schemas-microsoft-com:mac:vml" xmlns:p="http://schemas.openxmlformats.org/presentationml/2006/main" mc:Ignorable="mv" mc:PreserveAttributes="mv:*">
   <p:cSld>
     <p:spTree>
@@ -19943,12 +21110,12 @@
           <a:p>
             <a:r>
               <a:rPr lang="en-US" dirty="0" smtClean="0"/>
-              <a:t>4F.</a:t>
+              <a:t>6F.</a:t>
             </a:r>
             <a:fld id="{CA4C0C47-BA92-4669-BC5C-D64A96AF3D01}" type="slidenum">
               <a:rPr lang="en-US" smtClean="0"/>
               <a:pPr/>
-              <a:t>24</a:t>
+              <a:t>25</a:t>
             </a:fld>
             <a:endParaRPr lang="en-US" dirty="0"/>
           </a:p>
@@ -20324,7 +21491,7 @@
 </p:sld>
 </file>
 
-<file path=ppt/slides/slide25.xml><?xml version="1.0" encoding="utf-8"?>
+<file path=ppt/slides/slide26.xml><?xml version="1.0" encoding="utf-8"?>
 <p:sld xmlns:a="http://schemas.openxmlformats.org/drawingml/2006/main" xmlns:r="http://schemas.openxmlformats.org/officeDocument/2006/relationships" xmlns:mc="http://schemas.openxmlformats.org/markup-compatibility/2006" xmlns:mv="urn:schemas-microsoft-com:mac:vml" xmlns:p="http://schemas.openxmlformats.org/presentationml/2006/main" mc:Ignorable="mv" mc:PreserveAttributes="mv:*">
   <p:cSld>
     <p:spTree>
@@ -20560,12 +21727,12 @@
           <a:p>
             <a:r>
               <a:rPr lang="en-US" dirty="0" smtClean="0"/>
-              <a:t>4F.</a:t>
+              <a:t>6F.</a:t>
             </a:r>
             <a:fld id="{CA4C0C47-BA92-4669-BC5C-D64A96AF3D01}" type="slidenum">
               <a:rPr lang="en-US" smtClean="0"/>
               <a:pPr/>
-              <a:t>25</a:t>
+              <a:t>26</a:t>
             </a:fld>
             <a:endParaRPr lang="en-US" dirty="0"/>
           </a:p>
@@ -21978,7 +23145,7 @@
 </p:sld>
 </file>
 
-<file path=ppt/slides/slide26.xml><?xml version="1.0" encoding="utf-8"?>
+<file path=ppt/slides/slide27.xml><?xml version="1.0" encoding="utf-8"?>
 <p:sld xmlns:a="http://schemas.openxmlformats.org/drawingml/2006/main" xmlns:r="http://schemas.openxmlformats.org/officeDocument/2006/relationships" xmlns:mc="http://schemas.openxmlformats.org/markup-compatibility/2006" xmlns:mv="urn:schemas-microsoft-com:mac:vml" xmlns:p="http://schemas.openxmlformats.org/presentationml/2006/main" mc:Ignorable="mv" mc:PreserveAttributes="mv:*">
   <p:cSld>
     <p:spTree>
@@ -22178,12 +23345,12 @@
           <a:p>
             <a:r>
               <a:rPr lang="en-US" dirty="0" smtClean="0"/>
-              <a:t>4F.</a:t>
+              <a:t>6F.</a:t>
             </a:r>
             <a:fld id="{CA4C0C47-BA92-4669-BC5C-D64A96AF3D01}" type="slidenum">
               <a:rPr lang="en-US" smtClean="0"/>
               <a:pPr/>
-              <a:t>26</a:t>
+              <a:t>27</a:t>
             </a:fld>
             <a:endParaRPr lang="en-US" dirty="0"/>
           </a:p>
@@ -23564,7 +24731,7 @@
 </p:sld>
 </file>
 
-<file path=ppt/slides/slide27.xml><?xml version="1.0" encoding="utf-8"?>
+<file path=ppt/slides/slide28.xml><?xml version="1.0" encoding="utf-8"?>
 <p:sld xmlns:a="http://schemas.openxmlformats.org/drawingml/2006/main" xmlns:r="http://schemas.openxmlformats.org/officeDocument/2006/relationships" xmlns:mc="http://schemas.openxmlformats.org/markup-compatibility/2006" xmlns:mv="urn:schemas-microsoft-com:mac:vml" xmlns:p="http://schemas.openxmlformats.org/presentationml/2006/main" mc:Ignorable="mv" mc:PreserveAttributes="mv:*">
   <p:cSld>
     <p:spTree>
@@ -24582,12 +25749,12 @@
           <a:p>
             <a:r>
               <a:rPr lang="en-US" dirty="0" smtClean="0"/>
-              <a:t>4F.</a:t>
+              <a:t>6F.</a:t>
             </a:r>
             <a:fld id="{CA4C0C47-BA92-4669-BC5C-D64A96AF3D01}" type="slidenum">
               <a:rPr lang="en-US" smtClean="0"/>
               <a:pPr/>
-              <a:t>27</a:t>
+              <a:t>28</a:t>
             </a:fld>
             <a:endParaRPr lang="en-US" dirty="0"/>
           </a:p>
@@ -24712,7 +25879,751 @@
 </p:sld>
 </file>
 
-<file path=ppt/slides/slide28.xml><?xml version="1.0" encoding="utf-8"?>
+<file path=ppt/slides/slide29.xml><?xml version="1.0" encoding="utf-8"?>
+<p:sld xmlns:a="http://schemas.openxmlformats.org/drawingml/2006/main" xmlns:r="http://schemas.openxmlformats.org/officeDocument/2006/relationships" xmlns:mc="http://schemas.openxmlformats.org/markup-compatibility/2006" xmlns:mv="urn:schemas-microsoft-com:mac:vml" xmlns:p="http://schemas.openxmlformats.org/presentationml/2006/main" mc:Ignorable="mv" mc:PreserveAttributes="mv:*" show="0">
+  <p:cSld>
+    <p:spTree>
+      <p:nvGrpSpPr>
+        <p:cNvPr id="1" name=""/>
+        <p:cNvGrpSpPr/>
+        <p:nvPr/>
+      </p:nvGrpSpPr>
+      <p:grpSpPr>
+        <a:xfrm>
+          <a:off x="0" y="0"/>
+          <a:ext cx="0" cy="0"/>
+          <a:chOff x="0" y="0"/>
+          <a:chExt cx="0" cy="0"/>
+        </a:xfrm>
+      </p:grpSpPr>
+      <p:sp>
+        <p:nvSpPr>
+          <p:cNvPr id="761858" name="Rectangle 2"/>
+          <p:cNvSpPr>
+            <a:spLocks noGrp="1" noChangeArrowheads="1"/>
+          </p:cNvSpPr>
+          <p:nvPr>
+            <p:ph type="title"/>
+          </p:nvPr>
+        </p:nvSpPr>
+        <p:spPr/>
+        <p:txBody>
+          <a:bodyPr/>
+          <a:lstStyle/>
+          <a:p>
+            <a:r>
+              <a:rPr lang="en-US"/>
+              <a:t>Minimum “Parallel” Time</a:t>
+            </a:r>
+          </a:p>
+        </p:txBody>
+      </p:sp>
+      <p:sp>
+        <p:nvSpPr>
+          <p:cNvPr id="761859" name="Rectangle 3"/>
+          <p:cNvSpPr>
+            <a:spLocks noGrp="1" noChangeArrowheads="1"/>
+          </p:cNvSpPr>
+          <p:nvPr>
+            <p:ph type="body" sz="half" idx="1"/>
+          </p:nvPr>
+        </p:nvSpPr>
+        <p:spPr>
+          <a:xfrm>
+            <a:off x="330273" y="1441034"/>
+            <a:ext cx="8441099" cy="3975932"/>
+          </a:xfrm>
+        </p:spPr>
+        <p:txBody>
+          <a:bodyPr>
+            <a:noAutofit/>
+          </a:bodyPr>
+          <a:lstStyle/>
+          <a:p>
+            <a:pPr>
+              <a:buFontTx/>
+              <a:buNone/>
+            </a:pPr>
+            <a:r>
+              <a:rPr lang="en-US" sz="5400" dirty="0" smtClean="0">
+                <a:solidFill>
+                  <a:srgbClr val="05811A"/>
+                </a:solidFill>
+              </a:rPr>
+              <a:t>#</a:t>
+            </a:r>
+            <a:r>
+              <a:rPr lang="en-US" sz="5400" dirty="0">
+                <a:solidFill>
+                  <a:srgbClr val="05811A"/>
+                </a:solidFill>
+              </a:rPr>
+              <a:t>processors</a:t>
+            </a:r>
+          </a:p>
+          <a:p>
+            <a:pPr>
+              <a:buFontTx/>
+              <a:buNone/>
+            </a:pPr>
+            <a:r>
+              <a:rPr lang="en-US" sz="5400" dirty="0">
+                <a:solidFill>
+                  <a:srgbClr val="0033CC"/>
+                </a:solidFill>
+              </a:rPr>
+              <a:t>      </a:t>
+            </a:r>
+            <a:r>
+              <a:rPr lang="en-US" sz="5400" dirty="0" smtClean="0">
+                <a:solidFill>
+                  <a:srgbClr val="0033CC"/>
+                </a:solidFill>
+              </a:rPr>
+              <a:t> </a:t>
+            </a:r>
+            <a:r>
+              <a:rPr lang="en-US" sz="5400" dirty="0" smtClean="0">
+                <a:solidFill>
+                  <a:srgbClr val="0033CC"/>
+                </a:solidFill>
+                <a:latin typeface="Symbol" pitchFamily="18" charset="2"/>
+              </a:rPr>
+              <a:t> </a:t>
+            </a:r>
+            <a:r>
+              <a:rPr lang="en-US" sz="5400" b="1" dirty="0" smtClean="0">
+                <a:solidFill>
+                  <a:srgbClr val="FF00FF"/>
+                </a:solidFill>
+                <a:latin typeface="Symbol" pitchFamily="18" charset="2"/>
+              </a:rPr>
+              <a:t>≤</a:t>
+            </a:r>
+            <a:r>
+              <a:rPr lang="en-US" sz="5400" b="1" dirty="0" smtClean="0">
+                <a:solidFill>
+                  <a:srgbClr val="C00000"/>
+                </a:solidFill>
+                <a:latin typeface="Symbol" pitchFamily="18" charset="2"/>
+              </a:rPr>
+              <a:t>  </a:t>
+            </a:r>
+            <a:r>
+              <a:rPr lang="en-US" sz="5400" dirty="0" smtClean="0">
+                <a:solidFill>
+                  <a:srgbClr val="0033CC"/>
+                </a:solidFill>
+                <a:latin typeface="Symbol" pitchFamily="18" charset="2"/>
+              </a:rPr>
+              <a:t> </a:t>
+            </a:r>
+            <a:r>
+              <a:rPr lang="en-US" sz="5400" dirty="0">
+                <a:solidFill>
+                  <a:srgbClr val="05811A"/>
+                </a:solidFill>
+              </a:rPr>
+              <a:t>max </a:t>
+            </a:r>
+            <a:r>
+              <a:rPr lang="en-US" sz="5400" dirty="0" err="1">
+                <a:solidFill>
+                  <a:srgbClr val="05811A"/>
+                </a:solidFill>
+              </a:rPr>
+              <a:t>antichain</a:t>
+            </a:r>
+            <a:r>
+              <a:rPr lang="en-US" sz="5400" dirty="0">
+                <a:solidFill>
+                  <a:srgbClr val="05811A"/>
+                </a:solidFill>
+              </a:rPr>
+              <a:t> </a:t>
+            </a:r>
+            <a:r>
+              <a:rPr lang="en-US" sz="5400" dirty="0" smtClean="0">
+                <a:solidFill>
+                  <a:srgbClr val="05811A"/>
+                </a:solidFill>
+              </a:rPr>
+              <a:t>size</a:t>
+            </a:r>
+          </a:p>
+          <a:p>
+            <a:pPr>
+              <a:buFontTx/>
+              <a:buNone/>
+            </a:pPr>
+            <a:r>
+              <a:rPr lang="en-US" sz="5400" dirty="0" smtClean="0"/>
+              <a:t>so fewer processors</a:t>
+            </a:r>
+          </a:p>
+          <a:p>
+            <a:pPr>
+              <a:buFontTx/>
+              <a:buNone/>
+            </a:pPr>
+            <a:r>
+              <a:rPr lang="en-US" sz="5400" dirty="0" smtClean="0"/>
+              <a:t>may still do min time</a:t>
+            </a:r>
+            <a:endParaRPr lang="en-US" sz="5400" dirty="0"/>
+          </a:p>
+        </p:txBody>
+      </p:sp>
+      <p:sp>
+        <p:nvSpPr>
+          <p:cNvPr id="9" name="Slide Number Placeholder 5"/>
+          <p:cNvSpPr>
+            <a:spLocks noGrp="1"/>
+          </p:cNvSpPr>
+          <p:nvPr>
+            <p:ph type="sldNum" sz="quarter" idx="4"/>
+          </p:nvPr>
+        </p:nvSpPr>
+        <p:spPr>
+          <a:xfrm>
+            <a:off x="8237750" y="6596742"/>
+            <a:ext cx="906250" cy="261257"/>
+          </a:xfrm>
+          <a:prstGeom prst="rect">
+            <a:avLst/>
+          </a:prstGeom>
+        </p:spPr>
+        <p:txBody>
+          <a:bodyPr/>
+          <a:lstStyle>
+            <a:lvl1pPr>
+              <a:defRPr sz="1200">
+                <a:latin typeface="Comic Sans MS" pitchFamily="66" charset="0"/>
+              </a:defRPr>
+            </a:lvl1pPr>
+          </a:lstStyle>
+          <a:p>
+            <a:r>
+              <a:rPr lang="en-US" dirty="0" smtClean="0"/>
+              <a:t>6F.</a:t>
+            </a:r>
+            <a:fld id="{CA4C0C47-BA92-4669-BC5C-D64A96AF3D01}" type="slidenum">
+              <a:rPr lang="en-US" smtClean="0"/>
+              <a:pPr/>
+              <a:t>29</a:t>
+            </a:fld>
+            <a:endParaRPr lang="en-US" dirty="0"/>
+          </a:p>
+        </p:txBody>
+      </p:sp>
+    </p:spTree>
+  </p:cSld>
+  <p:clrMapOvr>
+    <a:masterClrMapping/>
+  </p:clrMapOvr>
+  <p:transition>
+    <p:fade thruBlk="1"/>
+  </p:transition>
+  <p:timing>
+    <p:tnLst>
+      <p:par>
+        <p:cTn id="1" dur="indefinite" restart="never" nodeType="tmRoot"/>
+      </p:par>
+    </p:tnLst>
+  </p:timing>
+</p:sld>
+</file>
+
+<file path=ppt/slides/slide3.xml><?xml version="1.0" encoding="utf-8"?>
+<p:sld xmlns:a="http://schemas.openxmlformats.org/drawingml/2006/main" xmlns:r="http://schemas.openxmlformats.org/officeDocument/2006/relationships" xmlns:mc="http://schemas.openxmlformats.org/markup-compatibility/2006" xmlns:mv="urn:schemas-microsoft-com:mac:vml" xmlns:p="http://schemas.openxmlformats.org/presentationml/2006/main" mc:Ignorable="mv" mc:PreserveAttributes="mv:*">
+  <p:cSld>
+    <p:spTree>
+      <p:nvGrpSpPr>
+        <p:cNvPr id="1" name=""/>
+        <p:cNvGrpSpPr/>
+        <p:nvPr/>
+      </p:nvGrpSpPr>
+      <p:grpSpPr>
+        <a:xfrm>
+          <a:off x="0" y="0"/>
+          <a:ext cx="0" cy="0"/>
+          <a:chOff x="0" y="0"/>
+          <a:chExt cx="0" cy="0"/>
+        </a:xfrm>
+      </p:grpSpPr>
+      <p:sp>
+        <p:nvSpPr>
+          <p:cNvPr id="628738" name="Text Box 2"/>
+          <p:cNvSpPr txBox="1">
+            <a:spLocks noChangeArrowheads="1"/>
+          </p:cNvSpPr>
+          <p:nvPr/>
+        </p:nvSpPr>
+        <p:spPr bwMode="auto">
+          <a:xfrm>
+            <a:off x="313246" y="1663988"/>
+            <a:ext cx="8517507" cy="3477875"/>
+          </a:xfrm>
+          <a:prstGeom prst="rect">
+            <a:avLst/>
+          </a:prstGeom>
+          <a:noFill/>
+          <a:ln w="31750" algn="ctr">
+            <a:noFill/>
+            <a:miter lim="800000"/>
+            <a:headEnd/>
+            <a:tailEnd type="none" w="lg" len="lg"/>
+          </a:ln>
+          <a:effectLst/>
+        </p:spPr>
+        <p:txBody>
+          <a:bodyPr wrap="square">
+            <a:spAutoFit/>
+          </a:bodyPr>
+          <a:lstStyle/>
+          <a:p>
+            <a:pPr marL="742950" indent="-285750"/>
+            <a:r>
+              <a:rPr lang="en-US" sz="4400" dirty="0" smtClean="0">
+                <a:latin typeface="Comic Sans MS" pitchFamily="66" charset="0"/>
+              </a:rPr>
+              <a:t>if sequence of </a:t>
+            </a:r>
+            <a:r>
+              <a:rPr lang="en-US" sz="4400" dirty="0" err="1" smtClean="0">
+                <a:latin typeface="Comic Sans MS" pitchFamily="66" charset="0"/>
+              </a:rPr>
+              <a:t>prereq’s</a:t>
+            </a:r>
+            <a:r>
+              <a:rPr lang="en-US" sz="4400" dirty="0" smtClean="0">
+                <a:latin typeface="Comic Sans MS" pitchFamily="66" charset="0"/>
+              </a:rPr>
+              <a:t> from </a:t>
+            </a:r>
+          </a:p>
+          <a:p>
+            <a:pPr marL="742950" indent="-285750"/>
+            <a:r>
+              <a:rPr lang="en-US" sz="4400" dirty="0" err="1" smtClean="0">
+                <a:solidFill>
+                  <a:srgbClr val="0000FF"/>
+                </a:solidFill>
+                <a:latin typeface="Comic Sans MS" pitchFamily="66" charset="0"/>
+              </a:rPr>
+              <a:t>u</a:t>
+            </a:r>
+            <a:r>
+              <a:rPr lang="en-US" sz="4400" dirty="0" smtClean="0">
+                <a:latin typeface="Comic Sans MS" pitchFamily="66" charset="0"/>
+              </a:rPr>
+              <a:t> to </a:t>
+            </a:r>
+            <a:r>
+              <a:rPr lang="en-US" sz="4400" dirty="0" err="1" smtClean="0">
+                <a:solidFill>
+                  <a:srgbClr val="0000FF"/>
+                </a:solidFill>
+                <a:latin typeface="Comic Sans MS" pitchFamily="66" charset="0"/>
+              </a:rPr>
+              <a:t>v</a:t>
+            </a:r>
+            <a:r>
+              <a:rPr lang="en-US" sz="4400" dirty="0" smtClean="0">
+                <a:latin typeface="Comic Sans MS" pitchFamily="66" charset="0"/>
+              </a:rPr>
+              <a:t>, say</a:t>
+            </a:r>
+          </a:p>
+          <a:p>
+            <a:pPr marL="742950" indent="-285750" algn="ctr"/>
+            <a:r>
+              <a:rPr lang="en-US" sz="4400" dirty="0" err="1" smtClean="0">
+                <a:solidFill>
+                  <a:srgbClr val="0000FF"/>
+                </a:solidFill>
+                <a:latin typeface="Comic Sans MS" pitchFamily="66" charset="0"/>
+              </a:rPr>
+              <a:t>u</a:t>
+            </a:r>
+            <a:r>
+              <a:rPr lang="en-US" sz="4400" dirty="0" smtClean="0">
+                <a:latin typeface="Comic Sans MS" pitchFamily="66" charset="0"/>
+              </a:rPr>
+              <a:t> is an “indirect </a:t>
+            </a:r>
+            <a:r>
+              <a:rPr lang="en-US" sz="4400" dirty="0" err="1" smtClean="0">
+                <a:latin typeface="Comic Sans MS" pitchFamily="66" charset="0"/>
+              </a:rPr>
+              <a:t>prereq</a:t>
+            </a:r>
+            <a:r>
+              <a:rPr lang="en-US" sz="4400" dirty="0" smtClean="0">
+                <a:latin typeface="Comic Sans MS" pitchFamily="66" charset="0"/>
+              </a:rPr>
+              <a:t>” of </a:t>
+            </a:r>
+            <a:r>
+              <a:rPr lang="en-US" sz="4400" dirty="0" err="1" smtClean="0">
+                <a:solidFill>
+                  <a:srgbClr val="0000FF"/>
+                </a:solidFill>
+                <a:latin typeface="Comic Sans MS" pitchFamily="66" charset="0"/>
+              </a:rPr>
+              <a:t>v</a:t>
+            </a:r>
+            <a:endParaRPr lang="en-US" sz="4400" dirty="0" smtClean="0">
+              <a:solidFill>
+                <a:srgbClr val="0000FF"/>
+              </a:solidFill>
+              <a:latin typeface="Comic Sans MS" pitchFamily="66" charset="0"/>
+            </a:endParaRPr>
+          </a:p>
+          <a:p>
+            <a:pPr marL="742950" indent="-285750" algn="ctr"/>
+            <a:r>
+              <a:rPr lang="en-US" sz="4400" dirty="0" err="1" smtClean="0">
+                <a:solidFill>
+                  <a:srgbClr val="0000FF"/>
+                </a:solidFill>
+                <a:latin typeface="Comic Sans MS" pitchFamily="66" charset="0"/>
+              </a:rPr>
+              <a:t>u</a:t>
+            </a:r>
+            <a:r>
+              <a:rPr lang="en-US" sz="4400" dirty="0" smtClean="0">
+                <a:latin typeface="Comic Sans MS" pitchFamily="66" charset="0"/>
+              </a:rPr>
+              <a:t> is “earlier” than </a:t>
+            </a:r>
+            <a:r>
+              <a:rPr lang="en-US" sz="4400" dirty="0" err="1" smtClean="0">
+                <a:solidFill>
+                  <a:srgbClr val="0000FF"/>
+                </a:solidFill>
+                <a:latin typeface="Comic Sans MS" pitchFamily="66" charset="0"/>
+              </a:rPr>
+              <a:t>v</a:t>
+            </a:r>
+            <a:endParaRPr lang="en-US" sz="4400" dirty="0" smtClean="0">
+              <a:solidFill>
+                <a:srgbClr val="0000FF"/>
+              </a:solidFill>
+              <a:latin typeface="Comic Sans MS" pitchFamily="66" charset="0"/>
+            </a:endParaRPr>
+          </a:p>
+          <a:p>
+            <a:pPr marL="742950" indent="-285750" algn="l"/>
+            <a:r>
+              <a:rPr lang="en-US" sz="4400" dirty="0" smtClean="0">
+                <a:latin typeface="Comic Sans MS" pitchFamily="66" charset="0"/>
+              </a:rPr>
+              <a:t>               “smaller”</a:t>
+            </a:r>
+          </a:p>
+        </p:txBody>
+      </p:sp>
+      <p:sp>
+        <p:nvSpPr>
+          <p:cNvPr id="628739" name="Rectangle 3"/>
+          <p:cNvSpPr>
+            <a:spLocks noGrp="1" noChangeArrowheads="1"/>
+          </p:cNvSpPr>
+          <p:nvPr>
+            <p:ph type="title"/>
+          </p:nvPr>
+        </p:nvSpPr>
+        <p:spPr>
+          <a:xfrm>
+            <a:off x="1767893" y="274638"/>
+            <a:ext cx="5639778" cy="1112373"/>
+          </a:xfrm>
+          <a:noFill/>
+          <a:ln/>
+        </p:spPr>
+        <p:txBody>
+          <a:bodyPr/>
+          <a:lstStyle/>
+          <a:p>
+            <a:r>
+              <a:rPr lang="en-US" dirty="0" smtClean="0"/>
+              <a:t>indirect prerequisites</a:t>
+            </a:r>
+            <a:endParaRPr lang="en-US" dirty="0"/>
+          </a:p>
+        </p:txBody>
+      </p:sp>
+      <p:sp>
+        <p:nvSpPr>
+          <p:cNvPr id="9" name="Slide Number Placeholder 5"/>
+          <p:cNvSpPr>
+            <a:spLocks noGrp="1"/>
+          </p:cNvSpPr>
+          <p:nvPr>
+            <p:ph type="sldNum" sz="quarter" idx="4"/>
+          </p:nvPr>
+        </p:nvSpPr>
+        <p:spPr>
+          <a:xfrm>
+            <a:off x="8237750" y="6596742"/>
+            <a:ext cx="906250" cy="261257"/>
+          </a:xfrm>
+          <a:prstGeom prst="rect">
+            <a:avLst/>
+          </a:prstGeom>
+        </p:spPr>
+        <p:txBody>
+          <a:bodyPr/>
+          <a:lstStyle>
+            <a:lvl1pPr>
+              <a:defRPr sz="1200">
+                <a:latin typeface="Comic Sans MS" pitchFamily="66" charset="0"/>
+              </a:defRPr>
+            </a:lvl1pPr>
+          </a:lstStyle>
+          <a:p>
+            <a:r>
+              <a:rPr lang="en-US" dirty="0" smtClean="0"/>
+              <a:t>6F.</a:t>
+            </a:r>
+            <a:fld id="{CA4C0C47-BA92-4669-BC5C-D64A96AF3D01}" type="slidenum">
+              <a:rPr lang="en-US" smtClean="0"/>
+              <a:pPr/>
+              <a:t>3</a:t>
+            </a:fld>
+            <a:endParaRPr lang="en-US" dirty="0"/>
+          </a:p>
+        </p:txBody>
+      </p:sp>
+    </p:spTree>
+  </p:cSld>
+  <p:clrMapOvr>
+    <a:masterClrMapping/>
+  </p:clrMapOvr>
+  <p:transition spd="slow">
+    <p:fade/>
+  </p:transition>
+  <p:timing>
+    <p:tnLst>
+      <p:par>
+        <p:cTn id="1" dur="indefinite" restart="never" nodeType="tmRoot">
+          <p:childTnLst>
+            <p:seq concurrent="1" nextAc="seek">
+              <p:cTn id="2" dur="indefinite" nodeType="mainSeq">
+                <p:childTnLst>
+                  <p:par>
+                    <p:cTn id="3" fill="hold">
+                      <p:stCondLst>
+                        <p:cond delay="indefinite"/>
+                      </p:stCondLst>
+                      <p:childTnLst>
+                        <p:par>
+                          <p:cTn id="4" fill="hold">
+                            <p:stCondLst>
+                              <p:cond delay="0"/>
+                            </p:stCondLst>
+                            <p:childTnLst>
+                              <p:par>
+                                <p:cTn id="5" presetID="10" presetClass="entr" presetSubtype="0" fill="hold" grpId="0" nodeType="clickEffect">
+                                  <p:stCondLst>
+                                    <p:cond delay="0"/>
+                                  </p:stCondLst>
+                                  <p:childTnLst>
+                                    <p:set>
+                                      <p:cBhvr>
+                                        <p:cTn id="6" dur="1" fill="hold">
+                                          <p:stCondLst>
+                                            <p:cond delay="0"/>
+                                          </p:stCondLst>
+                                        </p:cTn>
+                                        <p:tgtEl>
+                                          <p:spTgt spid="628738">
+                                            <p:txEl>
+                                              <p:pRg st="2" end="2"/>
+                                            </p:txEl>
+                                          </p:spTgt>
+                                        </p:tgtEl>
+                                        <p:attrNameLst>
+                                          <p:attrName>style.visibility</p:attrName>
+                                        </p:attrNameLst>
+                                      </p:cBhvr>
+                                      <p:to>
+                                        <p:strVal val="visible"/>
+                                      </p:to>
+                                    </p:set>
+                                    <p:animEffect transition="in" filter="fade">
+                                      <p:cBhvr>
+                                        <p:cTn id="7" dur="500"/>
+                                        <p:tgtEl>
+                                          <p:spTgt spid="628738">
+                                            <p:txEl>
+                                              <p:pRg st="2" end="2"/>
+                                            </p:txEl>
+                                          </p:spTgt>
+                                        </p:tgtEl>
+                                      </p:cBhvr>
+                                    </p:animEffect>
+                                  </p:childTnLst>
+                                </p:cTn>
+                              </p:par>
+                            </p:childTnLst>
+                          </p:cTn>
+                        </p:par>
+                      </p:childTnLst>
+                    </p:cTn>
+                  </p:par>
+                  <p:par>
+                    <p:cTn id="8" fill="hold">
+                      <p:stCondLst>
+                        <p:cond delay="indefinite"/>
+                      </p:stCondLst>
+                      <p:childTnLst>
+                        <p:par>
+                          <p:cTn id="9" fill="hold">
+                            <p:stCondLst>
+                              <p:cond delay="0"/>
+                            </p:stCondLst>
+                            <p:childTnLst>
+                              <p:par>
+                                <p:cTn id="10" presetID="10" presetClass="entr" presetSubtype="0" fill="hold" grpId="0" nodeType="clickEffect">
+                                  <p:stCondLst>
+                                    <p:cond delay="0"/>
+                                  </p:stCondLst>
+                                  <p:childTnLst>
+                                    <p:set>
+                                      <p:cBhvr>
+                                        <p:cTn id="11" dur="1" fill="hold">
+                                          <p:stCondLst>
+                                            <p:cond delay="0"/>
+                                          </p:stCondLst>
+                                        </p:cTn>
+                                        <p:tgtEl>
+                                          <p:spTgt spid="628738">
+                                            <p:txEl>
+                                              <p:pRg st="3" end="3"/>
+                                            </p:txEl>
+                                          </p:spTgt>
+                                        </p:tgtEl>
+                                        <p:attrNameLst>
+                                          <p:attrName>style.visibility</p:attrName>
+                                        </p:attrNameLst>
+                                      </p:cBhvr>
+                                      <p:to>
+                                        <p:strVal val="visible"/>
+                                      </p:to>
+                                    </p:set>
+                                    <p:animEffect transition="in" filter="fade">
+                                      <p:cBhvr>
+                                        <p:cTn id="12" dur="500"/>
+                                        <p:tgtEl>
+                                          <p:spTgt spid="628738">
+                                            <p:txEl>
+                                              <p:pRg st="3" end="3"/>
+                                            </p:txEl>
+                                          </p:spTgt>
+                                        </p:tgtEl>
+                                      </p:cBhvr>
+                                    </p:animEffect>
+                                  </p:childTnLst>
+                                </p:cTn>
+                              </p:par>
+                            </p:childTnLst>
+                          </p:cTn>
+                        </p:par>
+                      </p:childTnLst>
+                    </p:cTn>
+                  </p:par>
+                  <p:par>
+                    <p:cTn id="13" fill="hold">
+                      <p:stCondLst>
+                        <p:cond delay="indefinite"/>
+                      </p:stCondLst>
+                      <p:childTnLst>
+                        <p:par>
+                          <p:cTn id="14" fill="hold">
+                            <p:stCondLst>
+                              <p:cond delay="0"/>
+                            </p:stCondLst>
+                            <p:childTnLst>
+                              <p:par>
+                                <p:cTn id="15" presetID="10" presetClass="entr" presetSubtype="0" fill="hold" grpId="0" nodeType="clickEffect">
+                                  <p:stCondLst>
+                                    <p:cond delay="0"/>
+                                  </p:stCondLst>
+                                  <p:childTnLst>
+                                    <p:set>
+                                      <p:cBhvr>
+                                        <p:cTn id="16" dur="1" fill="hold">
+                                          <p:stCondLst>
+                                            <p:cond delay="0"/>
+                                          </p:stCondLst>
+                                        </p:cTn>
+                                        <p:tgtEl>
+                                          <p:spTgt spid="628738">
+                                            <p:txEl>
+                                              <p:pRg st="4" end="4"/>
+                                            </p:txEl>
+                                          </p:spTgt>
+                                        </p:tgtEl>
+                                        <p:attrNameLst>
+                                          <p:attrName>style.visibility</p:attrName>
+                                        </p:attrNameLst>
+                                      </p:cBhvr>
+                                      <p:to>
+                                        <p:strVal val="visible"/>
+                                      </p:to>
+                                    </p:set>
+                                    <p:animEffect transition="in" filter="fade">
+                                      <p:cBhvr>
+                                        <p:cTn id="17" dur="500"/>
+                                        <p:tgtEl>
+                                          <p:spTgt spid="628738">
+                                            <p:txEl>
+                                              <p:pRg st="4" end="4"/>
+                                            </p:txEl>
+                                          </p:spTgt>
+                                        </p:tgtEl>
+                                      </p:cBhvr>
+                                    </p:animEffect>
+                                  </p:childTnLst>
+                                </p:cTn>
+                              </p:par>
+                            </p:childTnLst>
+                          </p:cTn>
+                        </p:par>
+                      </p:childTnLst>
+                    </p:cTn>
+                  </p:par>
+                </p:childTnLst>
+              </p:cTn>
+              <p:prevCondLst>
+                <p:cond evt="onPrev" delay="0">
+                  <p:tgtEl>
+                    <p:sldTgt/>
+                  </p:tgtEl>
+                </p:cond>
+              </p:prevCondLst>
+              <p:nextCondLst>
+                <p:cond evt="onNext" delay="0">
+                  <p:tgtEl>
+                    <p:sldTgt/>
+                  </p:tgtEl>
+                </p:cond>
+              </p:nextCondLst>
+            </p:seq>
+          </p:childTnLst>
+        </p:cTn>
+      </p:par>
+    </p:tnLst>
+    <p:bldLst>
+      <p:bldP spid="628738" grpId="0" build="p"/>
+    </p:bldLst>
+  </p:timing>
+</p:sld>
+</file>
+
+<file path=ppt/slides/slide30.xml><?xml version="1.0" encoding="utf-8"?>
 <p:sld xmlns:a="http://schemas.openxmlformats.org/drawingml/2006/main" xmlns:r="http://schemas.openxmlformats.org/officeDocument/2006/relationships" xmlns:mc="http://schemas.openxmlformats.org/markup-compatibility/2006" xmlns:mv="urn:schemas-microsoft-com:mac:vml" xmlns:p="http://schemas.openxmlformats.org/presentationml/2006/main" mc:Ignorable="mv" mc:PreserveAttributes="mv:*">
   <p:cSld>
     <p:spTree>
@@ -25425,12 +27336,12 @@
           <a:p>
             <a:r>
               <a:rPr lang="en-US" dirty="0" smtClean="0"/>
-              <a:t>4F.</a:t>
+              <a:t>6F.</a:t>
             </a:r>
             <a:fld id="{CA4C0C47-BA92-4669-BC5C-D64A96AF3D01}" type="slidenum">
               <a:rPr lang="en-US" smtClean="0"/>
               <a:pPr/>
-              <a:t>28</a:t>
+              <a:t>30</a:t>
             </a:fld>
             <a:endParaRPr lang="en-US" dirty="0"/>
           </a:p>
@@ -25970,746 +27881,7 @@
 </p:sld>
 </file>
 
-<file path=ppt/slides/slide29.xml><?xml version="1.0" encoding="utf-8"?>
-<p:sld xmlns:a="http://schemas.openxmlformats.org/drawingml/2006/main" xmlns:r="http://schemas.openxmlformats.org/officeDocument/2006/relationships" xmlns:mc="http://schemas.openxmlformats.org/markup-compatibility/2006" xmlns:mv="urn:schemas-microsoft-com:mac:vml" xmlns:p="http://schemas.openxmlformats.org/presentationml/2006/main" mc:Ignorable="mv" mc:PreserveAttributes="mv:*" show="0">
-  <p:cSld>
-    <p:spTree>
-      <p:nvGrpSpPr>
-        <p:cNvPr id="1" name=""/>
-        <p:cNvGrpSpPr/>
-        <p:nvPr/>
-      </p:nvGrpSpPr>
-      <p:grpSpPr>
-        <a:xfrm>
-          <a:off x="0" y="0"/>
-          <a:ext cx="0" cy="0"/>
-          <a:chOff x="0" y="0"/>
-          <a:chExt cx="0" cy="0"/>
-        </a:xfrm>
-      </p:grpSpPr>
-      <p:sp>
-        <p:nvSpPr>
-          <p:cNvPr id="761858" name="Rectangle 2"/>
-          <p:cNvSpPr>
-            <a:spLocks noGrp="1" noChangeArrowheads="1"/>
-          </p:cNvSpPr>
-          <p:nvPr>
-            <p:ph type="title"/>
-          </p:nvPr>
-        </p:nvSpPr>
-        <p:spPr/>
-        <p:txBody>
-          <a:bodyPr/>
-          <a:lstStyle/>
-          <a:p>
-            <a:r>
-              <a:rPr lang="en-US"/>
-              <a:t>Minimum “Parallel” Time</a:t>
-            </a:r>
-          </a:p>
-        </p:txBody>
-      </p:sp>
-      <p:sp>
-        <p:nvSpPr>
-          <p:cNvPr id="761859" name="Rectangle 3"/>
-          <p:cNvSpPr>
-            <a:spLocks noGrp="1" noChangeArrowheads="1"/>
-          </p:cNvSpPr>
-          <p:nvPr>
-            <p:ph type="body" sz="half" idx="1"/>
-          </p:nvPr>
-        </p:nvSpPr>
-        <p:spPr>
-          <a:xfrm>
-            <a:off x="316523" y="2152432"/>
-            <a:ext cx="8334314" cy="2947106"/>
-          </a:xfrm>
-        </p:spPr>
-        <p:txBody>
-          <a:bodyPr>
-            <a:noAutofit/>
-          </a:bodyPr>
-          <a:lstStyle/>
-          <a:p>
-            <a:pPr>
-              <a:buFontTx/>
-              <a:buNone/>
-            </a:pPr>
-            <a:r>
-              <a:rPr lang="en-US" sz="5400" dirty="0" smtClean="0"/>
-              <a:t>so in general</a:t>
-            </a:r>
-            <a:endParaRPr lang="en-US" sz="5400" dirty="0"/>
-          </a:p>
-          <a:p>
-            <a:pPr>
-              <a:buFontTx/>
-              <a:buNone/>
-            </a:pPr>
-            <a:r>
-              <a:rPr lang="en-US" sz="5400" dirty="0" smtClean="0">
-                <a:solidFill>
-                  <a:srgbClr val="05811A"/>
-                </a:solidFill>
-              </a:rPr>
-              <a:t>#</a:t>
-            </a:r>
-            <a:r>
-              <a:rPr lang="en-US" sz="5400" dirty="0">
-                <a:solidFill>
-                  <a:srgbClr val="05811A"/>
-                </a:solidFill>
-              </a:rPr>
-              <a:t>processors</a:t>
-            </a:r>
-          </a:p>
-          <a:p>
-            <a:pPr>
-              <a:buFontTx/>
-              <a:buNone/>
-            </a:pPr>
-            <a:r>
-              <a:rPr lang="en-US" sz="5400" dirty="0">
-                <a:solidFill>
-                  <a:srgbClr val="0033CC"/>
-                </a:solidFill>
-              </a:rPr>
-              <a:t>      </a:t>
-            </a:r>
-            <a:r>
-              <a:rPr lang="en-US" sz="5400" dirty="0" smtClean="0">
-                <a:solidFill>
-                  <a:srgbClr val="0033CC"/>
-                </a:solidFill>
-              </a:rPr>
-              <a:t> </a:t>
-            </a:r>
-            <a:r>
-              <a:rPr lang="en-US" sz="5400" dirty="0" smtClean="0">
-                <a:solidFill>
-                  <a:srgbClr val="0033CC"/>
-                </a:solidFill>
-                <a:latin typeface="Symbol" pitchFamily="18" charset="2"/>
-              </a:rPr>
-              <a:t> </a:t>
-            </a:r>
-            <a:r>
-              <a:rPr lang="en-US" sz="5400" b="1" dirty="0" smtClean="0">
-                <a:solidFill>
-                  <a:srgbClr val="C00000"/>
-                </a:solidFill>
-                <a:latin typeface="Symbol" pitchFamily="18" charset="2"/>
-              </a:rPr>
-              <a:t>&lt;  </a:t>
-            </a:r>
-            <a:r>
-              <a:rPr lang="en-US" sz="5400" dirty="0" smtClean="0">
-                <a:solidFill>
-                  <a:srgbClr val="0033CC"/>
-                </a:solidFill>
-                <a:latin typeface="Symbol" pitchFamily="18" charset="2"/>
-              </a:rPr>
-              <a:t> </a:t>
-            </a:r>
-            <a:r>
-              <a:rPr lang="en-US" sz="5400" dirty="0">
-                <a:solidFill>
-                  <a:srgbClr val="05811A"/>
-                </a:solidFill>
-              </a:rPr>
-              <a:t>max </a:t>
-            </a:r>
-            <a:r>
-              <a:rPr lang="en-US" sz="5400" dirty="0" err="1">
-                <a:solidFill>
-                  <a:srgbClr val="05811A"/>
-                </a:solidFill>
-              </a:rPr>
-              <a:t>antichain</a:t>
-            </a:r>
-            <a:r>
-              <a:rPr lang="en-US" sz="5400" dirty="0">
-                <a:solidFill>
-                  <a:srgbClr val="05811A"/>
-                </a:solidFill>
-              </a:rPr>
-              <a:t> size</a:t>
-            </a:r>
-          </a:p>
-        </p:txBody>
-      </p:sp>
-      <p:sp>
-        <p:nvSpPr>
-          <p:cNvPr id="9" name="Slide Number Placeholder 5"/>
-          <p:cNvSpPr>
-            <a:spLocks noGrp="1"/>
-          </p:cNvSpPr>
-          <p:nvPr>
-            <p:ph type="sldNum" sz="quarter" idx="4"/>
-          </p:nvPr>
-        </p:nvSpPr>
-        <p:spPr>
-          <a:xfrm>
-            <a:off x="8237750" y="6596742"/>
-            <a:ext cx="906250" cy="261257"/>
-          </a:xfrm>
-          <a:prstGeom prst="rect">
-            <a:avLst/>
-          </a:prstGeom>
-        </p:spPr>
-        <p:txBody>
-          <a:bodyPr/>
-          <a:lstStyle>
-            <a:lvl1pPr>
-              <a:defRPr sz="1200">
-                <a:latin typeface="Comic Sans MS" pitchFamily="66" charset="0"/>
-              </a:defRPr>
-            </a:lvl1pPr>
-          </a:lstStyle>
-          <a:p>
-            <a:r>
-              <a:rPr lang="en-US" dirty="0" smtClean="0"/>
-              <a:t>4F.</a:t>
-            </a:r>
-            <a:fld id="{CA4C0C47-BA92-4669-BC5C-D64A96AF3D01}" type="slidenum">
-              <a:rPr lang="en-US" smtClean="0"/>
-              <a:pPr/>
-              <a:t>29</a:t>
-            </a:fld>
-            <a:endParaRPr lang="en-US" dirty="0"/>
-          </a:p>
-        </p:txBody>
-      </p:sp>
-    </p:spTree>
-  </p:cSld>
-  <p:clrMapOvr>
-    <a:masterClrMapping/>
-  </p:clrMapOvr>
-  <p:transition/>
-  <p:timing>
-    <p:tnLst>
-      <p:par>
-        <p:cTn id="1" dur="indefinite" restart="never" nodeType="tmRoot"/>
-      </p:par>
-    </p:tnLst>
-  </p:timing>
-</p:sld>
-</file>
-
-<file path=ppt/slides/slide3.xml><?xml version="1.0" encoding="utf-8"?>
-<p:sld xmlns:a="http://schemas.openxmlformats.org/drawingml/2006/main" xmlns:r="http://schemas.openxmlformats.org/officeDocument/2006/relationships" xmlns:mc="http://schemas.openxmlformats.org/markup-compatibility/2006" xmlns:mv="urn:schemas-microsoft-com:mac:vml" xmlns:p="http://schemas.openxmlformats.org/presentationml/2006/main" mc:Ignorable="mv" mc:PreserveAttributes="mv:*">
-  <p:cSld>
-    <p:spTree>
-      <p:nvGrpSpPr>
-        <p:cNvPr id="1" name=""/>
-        <p:cNvGrpSpPr/>
-        <p:nvPr/>
-      </p:nvGrpSpPr>
-      <p:grpSpPr>
-        <a:xfrm>
-          <a:off x="0" y="0"/>
-          <a:ext cx="0" cy="0"/>
-          <a:chOff x="0" y="0"/>
-          <a:chExt cx="0" cy="0"/>
-        </a:xfrm>
-      </p:grpSpPr>
-      <p:sp>
-        <p:nvSpPr>
-          <p:cNvPr id="628738" name="Text Box 2"/>
-          <p:cNvSpPr txBox="1">
-            <a:spLocks noChangeArrowheads="1"/>
-          </p:cNvSpPr>
-          <p:nvPr/>
-        </p:nvSpPr>
-        <p:spPr bwMode="auto">
-          <a:xfrm>
-            <a:off x="313246" y="1663988"/>
-            <a:ext cx="8517507" cy="3477875"/>
-          </a:xfrm>
-          <a:prstGeom prst="rect">
-            <a:avLst/>
-          </a:prstGeom>
-          <a:noFill/>
-          <a:ln w="31750" algn="ctr">
-            <a:noFill/>
-            <a:miter lim="800000"/>
-            <a:headEnd/>
-            <a:tailEnd type="none" w="lg" len="lg"/>
-          </a:ln>
-          <a:effectLst/>
-        </p:spPr>
-        <p:txBody>
-          <a:bodyPr wrap="square">
-            <a:spAutoFit/>
-          </a:bodyPr>
-          <a:lstStyle/>
-          <a:p>
-            <a:pPr marL="742950" indent="-285750"/>
-            <a:r>
-              <a:rPr lang="en-US" sz="4400" dirty="0" smtClean="0">
-                <a:latin typeface="Comic Sans MS" pitchFamily="66" charset="0"/>
-              </a:rPr>
-              <a:t>if sequence of </a:t>
-            </a:r>
-            <a:r>
-              <a:rPr lang="en-US" sz="4400" dirty="0" err="1" smtClean="0">
-                <a:latin typeface="Comic Sans MS" pitchFamily="66" charset="0"/>
-              </a:rPr>
-              <a:t>prereq’s</a:t>
-            </a:r>
-            <a:r>
-              <a:rPr lang="en-US" sz="4400" dirty="0" smtClean="0">
-                <a:latin typeface="Comic Sans MS" pitchFamily="66" charset="0"/>
-              </a:rPr>
-              <a:t> </a:t>
-            </a:r>
-            <a:r>
-              <a:rPr lang="en-US" sz="4400" dirty="0" smtClean="0">
-                <a:latin typeface="Comic Sans MS" pitchFamily="66" charset="0"/>
-              </a:rPr>
-              <a:t>from</a:t>
-            </a:r>
-            <a:r>
-              <a:rPr lang="en-US" sz="4400" dirty="0" smtClean="0">
-                <a:latin typeface="Comic Sans MS" pitchFamily="66" charset="0"/>
-              </a:rPr>
-              <a:t> </a:t>
-            </a:r>
-          </a:p>
-          <a:p>
-            <a:pPr marL="742950" indent="-285750"/>
-            <a:r>
-              <a:rPr lang="en-US" sz="4400" dirty="0" err="1" smtClean="0">
-                <a:solidFill>
-                  <a:srgbClr val="0000FF"/>
-                </a:solidFill>
-                <a:latin typeface="Comic Sans MS" pitchFamily="66" charset="0"/>
-              </a:rPr>
-              <a:t>u</a:t>
-            </a:r>
-            <a:r>
-              <a:rPr lang="en-US" sz="4400" dirty="0" smtClean="0">
-                <a:latin typeface="Comic Sans MS" pitchFamily="66" charset="0"/>
-              </a:rPr>
-              <a:t> to </a:t>
-            </a:r>
-            <a:r>
-              <a:rPr lang="en-US" sz="4400" dirty="0" err="1" smtClean="0">
-                <a:solidFill>
-                  <a:srgbClr val="0000FF"/>
-                </a:solidFill>
-                <a:latin typeface="Comic Sans MS" pitchFamily="66" charset="0"/>
-              </a:rPr>
-              <a:t>v</a:t>
-            </a:r>
-            <a:r>
-              <a:rPr lang="en-US" sz="4400" dirty="0" smtClean="0">
-                <a:latin typeface="Comic Sans MS" pitchFamily="66" charset="0"/>
-              </a:rPr>
-              <a:t>, </a:t>
-            </a:r>
-            <a:r>
-              <a:rPr lang="en-US" sz="4400" dirty="0" smtClean="0">
-                <a:latin typeface="Comic Sans MS" pitchFamily="66" charset="0"/>
-              </a:rPr>
-              <a:t>say</a:t>
-            </a:r>
-          </a:p>
-          <a:p>
-            <a:pPr marL="742950" indent="-285750" algn="ctr"/>
-            <a:r>
-              <a:rPr lang="en-US" sz="4400" dirty="0" err="1" smtClean="0">
-                <a:solidFill>
-                  <a:srgbClr val="0000FF"/>
-                </a:solidFill>
-                <a:latin typeface="Comic Sans MS" pitchFamily="66" charset="0"/>
-              </a:rPr>
-              <a:t>u</a:t>
-            </a:r>
-            <a:r>
-              <a:rPr lang="en-US" sz="4400" dirty="0" smtClean="0">
-                <a:latin typeface="Comic Sans MS" pitchFamily="66" charset="0"/>
-              </a:rPr>
-              <a:t> is an “indirect </a:t>
-            </a:r>
-            <a:r>
-              <a:rPr lang="en-US" sz="4400" dirty="0" err="1" smtClean="0">
-                <a:latin typeface="Comic Sans MS" pitchFamily="66" charset="0"/>
-              </a:rPr>
-              <a:t>prereq</a:t>
-            </a:r>
-            <a:r>
-              <a:rPr lang="en-US" sz="4400" dirty="0" smtClean="0">
-                <a:latin typeface="Comic Sans MS" pitchFamily="66" charset="0"/>
-              </a:rPr>
-              <a:t>” of </a:t>
-            </a:r>
-            <a:r>
-              <a:rPr lang="en-US" sz="4400" dirty="0" err="1" smtClean="0">
-                <a:solidFill>
-                  <a:srgbClr val="0000FF"/>
-                </a:solidFill>
-                <a:latin typeface="Comic Sans MS" pitchFamily="66" charset="0"/>
-              </a:rPr>
-              <a:t>v</a:t>
-            </a:r>
-            <a:endParaRPr lang="en-US" sz="4400" dirty="0" smtClean="0">
-              <a:solidFill>
-                <a:srgbClr val="0000FF"/>
-              </a:solidFill>
-              <a:latin typeface="Comic Sans MS" pitchFamily="66" charset="0"/>
-            </a:endParaRPr>
-          </a:p>
-          <a:p>
-            <a:pPr marL="742950" indent="-285750" algn="ctr"/>
-            <a:r>
-              <a:rPr lang="en-US" sz="4400" dirty="0" err="1" smtClean="0">
-                <a:solidFill>
-                  <a:srgbClr val="0000FF"/>
-                </a:solidFill>
-                <a:latin typeface="Comic Sans MS" pitchFamily="66" charset="0"/>
-              </a:rPr>
-              <a:t>u</a:t>
-            </a:r>
-            <a:r>
-              <a:rPr lang="en-US" sz="4400" dirty="0" smtClean="0">
-                <a:latin typeface="Comic Sans MS" pitchFamily="66" charset="0"/>
-              </a:rPr>
-              <a:t> is “earlier” </a:t>
-            </a:r>
-            <a:r>
-              <a:rPr lang="en-US" sz="4400" dirty="0" smtClean="0">
-                <a:latin typeface="Comic Sans MS" pitchFamily="66" charset="0"/>
-              </a:rPr>
-              <a:t>than </a:t>
-            </a:r>
-            <a:r>
-              <a:rPr lang="en-US" sz="4400" dirty="0" err="1" smtClean="0">
-                <a:solidFill>
-                  <a:srgbClr val="0000FF"/>
-                </a:solidFill>
-                <a:latin typeface="Comic Sans MS" pitchFamily="66" charset="0"/>
-              </a:rPr>
-              <a:t>v</a:t>
-            </a:r>
-            <a:endParaRPr lang="en-US" sz="4400" dirty="0" smtClean="0">
-              <a:solidFill>
-                <a:srgbClr val="0000FF"/>
-              </a:solidFill>
-              <a:latin typeface="Comic Sans MS" pitchFamily="66" charset="0"/>
-            </a:endParaRPr>
-          </a:p>
-          <a:p>
-            <a:pPr marL="742950" indent="-285750" algn="l"/>
-            <a:r>
-              <a:rPr lang="en-US" sz="4400" dirty="0" smtClean="0">
-                <a:latin typeface="Comic Sans MS" pitchFamily="66" charset="0"/>
-              </a:rPr>
-              <a:t>               “smaller”</a:t>
-            </a:r>
-          </a:p>
-        </p:txBody>
-      </p:sp>
-      <p:sp>
-        <p:nvSpPr>
-          <p:cNvPr id="628739" name="Rectangle 3"/>
-          <p:cNvSpPr>
-            <a:spLocks noGrp="1" noChangeArrowheads="1"/>
-          </p:cNvSpPr>
-          <p:nvPr>
-            <p:ph type="title"/>
-          </p:nvPr>
-        </p:nvSpPr>
-        <p:spPr>
-          <a:xfrm>
-            <a:off x="1767893" y="274638"/>
-            <a:ext cx="5639778" cy="1112373"/>
-          </a:xfrm>
-          <a:noFill/>
-          <a:ln/>
-        </p:spPr>
-        <p:txBody>
-          <a:bodyPr/>
-          <a:lstStyle/>
-          <a:p>
-            <a:r>
-              <a:rPr lang="en-US" dirty="0" smtClean="0"/>
-              <a:t>indirect prerequisites</a:t>
-            </a:r>
-            <a:endParaRPr lang="en-US" dirty="0"/>
-          </a:p>
-        </p:txBody>
-      </p:sp>
-      <p:sp>
-        <p:nvSpPr>
-          <p:cNvPr id="9" name="Slide Number Placeholder 5"/>
-          <p:cNvSpPr>
-            <a:spLocks noGrp="1"/>
-          </p:cNvSpPr>
-          <p:nvPr>
-            <p:ph type="sldNum" sz="quarter" idx="4"/>
-          </p:nvPr>
-        </p:nvSpPr>
-        <p:spPr>
-          <a:xfrm>
-            <a:off x="8237750" y="6596742"/>
-            <a:ext cx="906250" cy="261257"/>
-          </a:xfrm>
-          <a:prstGeom prst="rect">
-            <a:avLst/>
-          </a:prstGeom>
-        </p:spPr>
-        <p:txBody>
-          <a:bodyPr/>
-          <a:lstStyle>
-            <a:lvl1pPr>
-              <a:defRPr sz="1200">
-                <a:latin typeface="Comic Sans MS" pitchFamily="66" charset="0"/>
-              </a:defRPr>
-            </a:lvl1pPr>
-          </a:lstStyle>
-          <a:p>
-            <a:r>
-              <a:rPr lang="en-US" dirty="0" smtClean="0"/>
-              <a:t>4F.</a:t>
-            </a:r>
-            <a:fld id="{CA4C0C47-BA92-4669-BC5C-D64A96AF3D01}" type="slidenum">
-              <a:rPr lang="en-US" smtClean="0"/>
-              <a:pPr/>
-              <a:t>3</a:t>
-            </a:fld>
-            <a:endParaRPr lang="en-US" dirty="0"/>
-          </a:p>
-        </p:txBody>
-      </p:sp>
-    </p:spTree>
-  </p:cSld>
-  <p:clrMapOvr>
-    <a:masterClrMapping/>
-  </p:clrMapOvr>
-  <p:transition spd="slow">
-    <p:fade/>
-  </p:transition>
-  <p:timing>
-    <p:tnLst>
-      <p:par>
-        <p:cTn id="1" dur="indefinite" restart="never" nodeType="tmRoot">
-          <p:childTnLst>
-            <p:seq concurrent="1" nextAc="seek">
-              <p:cTn id="2" dur="indefinite" nodeType="mainSeq">
-                <p:childTnLst>
-                  <p:par>
-                    <p:cTn id="3" fill="hold">
-                      <p:stCondLst>
-                        <p:cond delay="indefinite"/>
-                      </p:stCondLst>
-                      <p:childTnLst>
-                        <p:par>
-                          <p:cTn id="4" fill="hold">
-                            <p:stCondLst>
-                              <p:cond delay="0"/>
-                            </p:stCondLst>
-                            <p:childTnLst>
-                              <p:par>
-                                <p:cTn id="5" presetID="10" presetClass="entr" presetSubtype="0" fill="hold" grpId="0" nodeType="clickEffect">
-                                  <p:stCondLst>
-                                    <p:cond delay="0"/>
-                                  </p:stCondLst>
-                                  <p:childTnLst>
-                                    <p:set>
-                                      <p:cBhvr>
-                                        <p:cTn id="6" dur="1" fill="hold">
-                                          <p:stCondLst>
-                                            <p:cond delay="0"/>
-                                          </p:stCondLst>
-                                        </p:cTn>
-                                        <p:tgtEl>
-                                          <p:spTgt spid="628738">
-                                            <p:txEl>
-                                              <p:pRg st="2" end="2"/>
-                                            </p:txEl>
-                                          </p:spTgt>
-                                        </p:tgtEl>
-                                        <p:attrNameLst>
-                                          <p:attrName>style.visibility</p:attrName>
-                                        </p:attrNameLst>
-                                      </p:cBhvr>
-                                      <p:to>
-                                        <p:strVal val="visible"/>
-                                      </p:to>
-                                    </p:set>
-                                    <p:animEffect transition="in" filter="fade">
-                                      <p:cBhvr>
-                                        <p:cTn id="7" dur="500"/>
-                                        <p:tgtEl>
-                                          <p:spTgt spid="628738">
-                                            <p:txEl>
-                                              <p:pRg st="2" end="2"/>
-                                            </p:txEl>
-                                          </p:spTgt>
-                                        </p:tgtEl>
-                                      </p:cBhvr>
-                                    </p:animEffect>
-                                  </p:childTnLst>
-                                </p:cTn>
-                              </p:par>
-                            </p:childTnLst>
-                          </p:cTn>
-                        </p:par>
-                      </p:childTnLst>
-                    </p:cTn>
-                  </p:par>
-                  <p:par>
-                    <p:cTn id="8" fill="hold">
-                      <p:stCondLst>
-                        <p:cond delay="indefinite"/>
-                      </p:stCondLst>
-                      <p:childTnLst>
-                        <p:par>
-                          <p:cTn id="9" fill="hold">
-                            <p:stCondLst>
-                              <p:cond delay="0"/>
-                            </p:stCondLst>
-                            <p:childTnLst>
-                              <p:par>
-                                <p:cTn id="10" presetID="10" presetClass="entr" presetSubtype="0" fill="hold" grpId="0" nodeType="clickEffect">
-                                  <p:stCondLst>
-                                    <p:cond delay="0"/>
-                                  </p:stCondLst>
-                                  <p:childTnLst>
-                                    <p:set>
-                                      <p:cBhvr>
-                                        <p:cTn id="11" dur="1" fill="hold">
-                                          <p:stCondLst>
-                                            <p:cond delay="0"/>
-                                          </p:stCondLst>
-                                        </p:cTn>
-                                        <p:tgtEl>
-                                          <p:spTgt spid="628738">
-                                            <p:txEl>
-                                              <p:pRg st="3" end="3"/>
-                                            </p:txEl>
-                                          </p:spTgt>
-                                        </p:tgtEl>
-                                        <p:attrNameLst>
-                                          <p:attrName>style.visibility</p:attrName>
-                                        </p:attrNameLst>
-                                      </p:cBhvr>
-                                      <p:to>
-                                        <p:strVal val="visible"/>
-                                      </p:to>
-                                    </p:set>
-                                    <p:animEffect transition="in" filter="fade">
-                                      <p:cBhvr>
-                                        <p:cTn id="12" dur="500"/>
-                                        <p:tgtEl>
-                                          <p:spTgt spid="628738">
-                                            <p:txEl>
-                                              <p:pRg st="3" end="3"/>
-                                            </p:txEl>
-                                          </p:spTgt>
-                                        </p:tgtEl>
-                                      </p:cBhvr>
-                                    </p:animEffect>
-                                  </p:childTnLst>
-                                </p:cTn>
-                              </p:par>
-                            </p:childTnLst>
-                          </p:cTn>
-                        </p:par>
-                      </p:childTnLst>
-                    </p:cTn>
-                  </p:par>
-                  <p:par>
-                    <p:cTn id="13" fill="hold">
-                      <p:stCondLst>
-                        <p:cond delay="indefinite"/>
-                      </p:stCondLst>
-                      <p:childTnLst>
-                        <p:par>
-                          <p:cTn id="14" fill="hold">
-                            <p:stCondLst>
-                              <p:cond delay="0"/>
-                            </p:stCondLst>
-                            <p:childTnLst>
-                              <p:par>
-                                <p:cTn id="15" presetID="10" presetClass="entr" presetSubtype="0" fill="hold" grpId="0" nodeType="clickEffect">
-                                  <p:stCondLst>
-                                    <p:cond delay="0"/>
-                                  </p:stCondLst>
-                                  <p:childTnLst>
-                                    <p:set>
-                                      <p:cBhvr>
-                                        <p:cTn id="16" dur="1" fill="hold">
-                                          <p:stCondLst>
-                                            <p:cond delay="0"/>
-                                          </p:stCondLst>
-                                        </p:cTn>
-                                        <p:tgtEl>
-                                          <p:spTgt spid="628738">
-                                            <p:txEl>
-                                              <p:pRg st="4" end="4"/>
-                                            </p:txEl>
-                                          </p:spTgt>
-                                        </p:tgtEl>
-                                        <p:attrNameLst>
-                                          <p:attrName>style.visibility</p:attrName>
-                                        </p:attrNameLst>
-                                      </p:cBhvr>
-                                      <p:to>
-                                        <p:strVal val="visible"/>
-                                      </p:to>
-                                    </p:set>
-                                    <p:animEffect transition="in" filter="fade">
-                                      <p:cBhvr>
-                                        <p:cTn id="17" dur="500"/>
-                                        <p:tgtEl>
-                                          <p:spTgt spid="628738">
-                                            <p:txEl>
-                                              <p:pRg st="4" end="4"/>
-                                            </p:txEl>
-                                          </p:spTgt>
-                                        </p:tgtEl>
-                                      </p:cBhvr>
-                                    </p:animEffect>
-                                  </p:childTnLst>
-                                </p:cTn>
-                              </p:par>
-                            </p:childTnLst>
-                          </p:cTn>
-                        </p:par>
-                      </p:childTnLst>
-                    </p:cTn>
-                  </p:par>
-                </p:childTnLst>
-              </p:cTn>
-              <p:prevCondLst>
-                <p:cond evt="onPrev" delay="0">
-                  <p:tgtEl>
-                    <p:sldTgt/>
-                  </p:tgtEl>
-                </p:cond>
-              </p:prevCondLst>
-              <p:nextCondLst>
-                <p:cond evt="onNext" delay="0">
-                  <p:tgtEl>
-                    <p:sldTgt/>
-                  </p:tgtEl>
-                </p:cond>
-              </p:nextCondLst>
-            </p:seq>
-          </p:childTnLst>
-        </p:cTn>
-      </p:par>
-    </p:tnLst>
-    <p:bldLst>
-      <p:bldP spid="628738" grpId="0" build="p"/>
-    </p:bldLst>
-  </p:timing>
-</p:sld>
-</file>
-
-<file path=ppt/slides/slide30.xml><?xml version="1.0" encoding="utf-8"?>
+<file path=ppt/slides/slide31.xml><?xml version="1.0" encoding="utf-8"?>
 <p:sld xmlns:a="http://schemas.openxmlformats.org/drawingml/2006/main" xmlns:r="http://schemas.openxmlformats.org/officeDocument/2006/relationships" xmlns:mc="http://schemas.openxmlformats.org/markup-compatibility/2006" xmlns:mv="urn:schemas-microsoft-com:mac:vml" xmlns:p="http://schemas.openxmlformats.org/presentationml/2006/main" mc:Ignorable="mv" mc:PreserveAttributes="mv:*">
   <p:cSld>
     <p:spTree>
@@ -26945,12 +28117,12 @@
           <a:p>
             <a:r>
               <a:rPr lang="en-US" dirty="0" smtClean="0"/>
-              <a:t>4F.</a:t>
+              <a:t>6F.</a:t>
             </a:r>
             <a:fld id="{CA4C0C47-BA92-4669-BC5C-D64A96AF3D01}" type="slidenum">
               <a:rPr lang="en-US" smtClean="0"/>
               <a:pPr/>
-              <a:t>30</a:t>
+              <a:t>31</a:t>
             </a:fld>
             <a:endParaRPr lang="en-US" dirty="0"/>
           </a:p>
@@ -27197,8 +28369,1191 @@
 </p:sld>
 </file>
 
-<file path=ppt/slides/slide31.xml><?xml version="1.0" encoding="utf-8"?>
-<p:sld xmlns:a="http://schemas.openxmlformats.org/drawingml/2006/main" xmlns:r="http://schemas.openxmlformats.org/officeDocument/2006/relationships" xmlns:mc="http://schemas.openxmlformats.org/markup-compatibility/2006" xmlns:mv="urn:schemas-microsoft-com:mac:vml" xmlns:p="http://schemas.openxmlformats.org/presentationml/2006/main" mc:Ignorable="mv" mc:PreserveAttributes="mv:*" showMasterPhAnim="0">
+<file path=ppt/slides/slide32.xml><?xml version="1.0" encoding="utf-8"?>
+<p:sld xmlns:a="http://schemas.openxmlformats.org/drawingml/2006/main" xmlns:r="http://schemas.openxmlformats.org/officeDocument/2006/relationships" xmlns:mc="http://schemas.openxmlformats.org/markup-compatibility/2006" xmlns:mv="urn:schemas-microsoft-com:mac:vml" xmlns:p="http://schemas.openxmlformats.org/presentationml/2006/main" mc:Ignorable="mv" mc:PreserveAttributes="mv:*" showMasterPhAnim="0" show="0">
+  <p:cSld>
+    <p:spTree>
+      <p:nvGrpSpPr>
+        <p:cNvPr id="1" name=""/>
+        <p:cNvGrpSpPr/>
+        <p:nvPr/>
+      </p:nvGrpSpPr>
+      <p:grpSpPr>
+        <a:xfrm>
+          <a:off x="0" y="0"/>
+          <a:ext cx="0" cy="0"/>
+          <a:chOff x="0" y="0"/>
+          <a:chExt cx="0" cy="0"/>
+        </a:xfrm>
+      </p:grpSpPr>
+      <p:sp>
+        <p:nvSpPr>
+          <p:cNvPr id="658435" name="Rectangle 3"/>
+          <p:cNvSpPr>
+            <a:spLocks noGrp="1" noChangeArrowheads="1"/>
+          </p:cNvSpPr>
+          <p:nvPr>
+            <p:ph type="body" idx="1"/>
+          </p:nvPr>
+        </p:nvSpPr>
+        <p:spPr>
+          <a:xfrm>
+            <a:off x="419472" y="2528241"/>
+            <a:ext cx="2178946" cy="3238945"/>
+          </a:xfrm>
+        </p:spPr>
+        <p:txBody>
+          <a:bodyPr>
+            <a:normAutofit/>
+          </a:bodyPr>
+          <a:lstStyle/>
+          <a:p>
+            <a:r>
+              <a:rPr lang="en-US" sz="4800" dirty="0" smtClean="0"/>
+              <a:t>max</a:t>
+            </a:r>
+          </a:p>
+          <a:p>
+            <a:r>
+              <a:rPr lang="en-US" sz="4800" dirty="0" smtClean="0"/>
+              <a:t>chain</a:t>
+            </a:r>
+            <a:endParaRPr lang="en-US" sz="4800" dirty="0" smtClean="0">
+              <a:solidFill>
+                <a:srgbClr val="1E03BD"/>
+              </a:solidFill>
+            </a:endParaRPr>
+          </a:p>
+          <a:p>
+            <a:r>
+              <a:rPr lang="en-US" sz="4800" dirty="0" smtClean="0"/>
+              <a:t>size</a:t>
+            </a:r>
+          </a:p>
+          <a:p>
+            <a:pPr>
+              <a:buFont typeface="Times" pitchFamily="18" charset="0"/>
+              <a:buNone/>
+            </a:pPr>
+            <a:endParaRPr lang="en-US" sz="4800" dirty="0" smtClean="0"/>
+          </a:p>
+        </p:txBody>
+      </p:sp>
+      <p:sp>
+        <p:nvSpPr>
+          <p:cNvPr id="13" name="Slide Number Placeholder 5"/>
+          <p:cNvSpPr>
+            <a:spLocks noGrp="1"/>
+          </p:cNvSpPr>
+          <p:nvPr>
+            <p:ph type="sldNum" sz="quarter" idx="4"/>
+          </p:nvPr>
+        </p:nvSpPr>
+        <p:spPr>
+          <a:xfrm>
+            <a:off x="8237750" y="6596742"/>
+            <a:ext cx="906250" cy="261257"/>
+          </a:xfrm>
+          <a:prstGeom prst="rect">
+            <a:avLst/>
+          </a:prstGeom>
+        </p:spPr>
+        <p:txBody>
+          <a:bodyPr/>
+          <a:lstStyle>
+            <a:lvl1pPr>
+              <a:defRPr sz="1200">
+                <a:latin typeface="Comic Sans MS" pitchFamily="66" charset="0"/>
+              </a:defRPr>
+            </a:lvl1pPr>
+          </a:lstStyle>
+          <a:p>
+            <a:r>
+              <a:rPr lang="en-US" dirty="0" smtClean="0"/>
+              <a:t>6F.</a:t>
+            </a:r>
+            <a:fld id="{CA4C0C47-BA92-4669-BC5C-D64A96AF3D01}" type="slidenum">
+              <a:rPr lang="en-US" smtClean="0"/>
+              <a:pPr/>
+              <a:t>32</a:t>
+            </a:fld>
+            <a:endParaRPr lang="en-US" dirty="0"/>
+          </a:p>
+        </p:txBody>
+      </p:sp>
+      <p:sp>
+        <p:nvSpPr>
+          <p:cNvPr id="6" name="Rectangle 5"/>
+          <p:cNvSpPr/>
+          <p:nvPr/>
+        </p:nvSpPr>
+        <p:spPr>
+          <a:xfrm>
+            <a:off x="3151225" y="1805885"/>
+            <a:ext cx="2796508" cy="4310826"/>
+          </a:xfrm>
+          <a:prstGeom prst="rect">
+            <a:avLst/>
+          </a:prstGeom>
+          <a:noFill/>
+          <a:ln w="41275">
+            <a:solidFill>
+              <a:schemeClr val="tx1"/>
+            </a:solidFill>
+            <a:prstDash val="sysDash"/>
+          </a:ln>
+        </p:spPr>
+        <p:style>
+          <a:lnRef idx="1">
+            <a:schemeClr val="accent1"/>
+          </a:lnRef>
+          <a:fillRef idx="3">
+            <a:schemeClr val="accent1"/>
+          </a:fillRef>
+          <a:effectRef idx="2">
+            <a:schemeClr val="accent1"/>
+          </a:effectRef>
+          <a:fontRef idx="minor">
+            <a:schemeClr val="lt1"/>
+          </a:fontRef>
+        </p:style>
+        <p:txBody>
+          <a:bodyPr rtlCol="0" anchor="ctr"/>
+          <a:lstStyle/>
+          <a:p>
+            <a:pPr algn="ctr"/>
+            <a:endParaRPr lang="en-US"/>
+          </a:p>
+        </p:txBody>
+      </p:sp>
+      <p:graphicFrame>
+        <p:nvGraphicFramePr>
+          <p:cNvPr id="8" name="Object 7"/>
+          <p:cNvGraphicFramePr>
+            <a:graphicFrameLocks noChangeAspect="1"/>
+          </p:cNvGraphicFramePr>
+          <p:nvPr/>
+        </p:nvGraphicFramePr>
+        <p:xfrm>
+          <a:off x="2546602" y="1829183"/>
+          <a:ext cx="884273" cy="4275875"/>
+        </p:xfrm>
+        <a:graphic>
+          <a:graphicData uri="http://schemas.openxmlformats.org/presentationml/2006/ole">
+            <p:oleObj spid="_x0000_s55301" name="Equation" r:id="rId4" imgW="215900" imgH="1270000" progId="Equation.DSMT4">
+              <p:embed/>
+            </p:oleObj>
+          </a:graphicData>
+        </a:graphic>
+      </p:graphicFrame>
+      <p:sp>
+        <p:nvSpPr>
+          <p:cNvPr id="11" name="TextBox 10"/>
+          <p:cNvSpPr txBox="1"/>
+          <p:nvPr/>
+        </p:nvSpPr>
+        <p:spPr>
+          <a:xfrm>
+            <a:off x="1852686" y="3203993"/>
+            <a:ext cx="867695" cy="1200329"/>
+          </a:xfrm>
+          <a:prstGeom prst="rect">
+            <a:avLst/>
+          </a:prstGeom>
+          <a:noFill/>
+        </p:spPr>
+        <p:txBody>
+          <a:bodyPr wrap="none" rtlCol="0">
+            <a:spAutoFit/>
+          </a:bodyPr>
+          <a:lstStyle/>
+          <a:p>
+            <a:r>
+              <a:rPr lang="en-US" sz="7200" dirty="0" smtClean="0">
+                <a:solidFill>
+                  <a:srgbClr val="1E03BD"/>
+                </a:solidFill>
+              </a:rPr>
+              <a:t> </a:t>
+            </a:r>
+            <a:r>
+              <a:rPr lang="en-US" sz="7200" dirty="0" err="1" smtClean="0">
+                <a:solidFill>
+                  <a:srgbClr val="B21EAB"/>
+                </a:solidFill>
+                <a:latin typeface="Comic Sans MS"/>
+                <a:cs typeface="Comic Sans MS"/>
+              </a:rPr>
+              <a:t>c</a:t>
+            </a:r>
+            <a:endParaRPr lang="en-US" sz="7200" dirty="0" smtClean="0">
+              <a:solidFill>
+                <a:srgbClr val="B21EAB"/>
+              </a:solidFill>
+              <a:latin typeface="Comic Sans MS"/>
+              <a:cs typeface="Comic Sans MS"/>
+            </a:endParaRPr>
+          </a:p>
+        </p:txBody>
+      </p:sp>
+      <p:grpSp>
+        <p:nvGrpSpPr>
+          <p:cNvPr id="20" name="Group 19"/>
+          <p:cNvGrpSpPr/>
+          <p:nvPr/>
+        </p:nvGrpSpPr>
+        <p:grpSpPr>
+          <a:xfrm>
+            <a:off x="2202252" y="279613"/>
+            <a:ext cx="4993800" cy="1537943"/>
+            <a:chOff x="2202252" y="279613"/>
+            <a:chExt cx="4993800" cy="1537943"/>
+          </a:xfrm>
+        </p:grpSpPr>
+        <p:sp>
+          <p:nvSpPr>
+            <p:cNvPr id="9" name="TextBox 8"/>
+            <p:cNvSpPr txBox="1"/>
+            <p:nvPr/>
+          </p:nvSpPr>
+          <p:spPr>
+            <a:xfrm>
+              <a:off x="2202252" y="279613"/>
+              <a:ext cx="4993800" cy="769441"/>
+            </a:xfrm>
+            <a:prstGeom prst="rect">
+              <a:avLst/>
+            </a:prstGeom>
+            <a:noFill/>
+          </p:spPr>
+          <p:txBody>
+            <a:bodyPr wrap="none" rtlCol="0">
+              <a:spAutoFit/>
+            </a:bodyPr>
+            <a:lstStyle/>
+            <a:p>
+              <a:r>
+                <a:rPr lang="en-US" sz="4400" dirty="0" smtClean="0">
+                  <a:latin typeface="Comic Sans MS" pitchFamily="66" charset="0"/>
+                </a:rPr>
+                <a:t>max </a:t>
+              </a:r>
+              <a:r>
+                <a:rPr lang="en-US" sz="4400" dirty="0" err="1" smtClean="0">
+                  <a:latin typeface="Comic Sans MS" pitchFamily="66" charset="0"/>
+                </a:rPr>
+                <a:t>antichain</a:t>
+              </a:r>
+              <a:r>
+                <a:rPr lang="en-US" sz="4400" dirty="0" smtClean="0">
+                  <a:latin typeface="Comic Sans MS" pitchFamily="66" charset="0"/>
+                </a:rPr>
+                <a:t> size</a:t>
+              </a:r>
+              <a:endParaRPr lang="en-US" sz="4400" dirty="0" smtClean="0">
+                <a:latin typeface="Comic Sans MS" pitchFamily="66" charset="0"/>
+              </a:endParaRPr>
+            </a:p>
+          </p:txBody>
+        </p:sp>
+        <p:grpSp>
+          <p:nvGrpSpPr>
+            <p:cNvPr id="19" name="Group 18"/>
+            <p:cNvGrpSpPr/>
+            <p:nvPr/>
+          </p:nvGrpSpPr>
+          <p:grpSpPr>
+            <a:xfrm>
+              <a:off x="3059511" y="490279"/>
+              <a:ext cx="3005928" cy="1327277"/>
+              <a:chOff x="3059511" y="490279"/>
+              <a:chExt cx="3005928" cy="1327277"/>
+            </a:xfrm>
+          </p:grpSpPr>
+          <p:sp>
+            <p:nvSpPr>
+              <p:cNvPr id="14" name="Right Brace 13"/>
+              <p:cNvSpPr/>
+              <p:nvPr/>
+            </p:nvSpPr>
+            <p:spPr>
+              <a:xfrm rot="16200000">
+                <a:off x="4399345" y="151462"/>
+                <a:ext cx="326260" cy="3005928"/>
+              </a:xfrm>
+              <a:prstGeom prst="rightBrace">
+                <a:avLst/>
+              </a:prstGeom>
+              <a:ln w="38100">
+                <a:solidFill>
+                  <a:srgbClr val="05811A"/>
+                </a:solidFill>
+              </a:ln>
+            </p:spPr>
+            <p:style>
+              <a:lnRef idx="2">
+                <a:schemeClr val="accent1"/>
+              </a:lnRef>
+              <a:fillRef idx="0">
+                <a:schemeClr val="accent1"/>
+              </a:fillRef>
+              <a:effectRef idx="1">
+                <a:schemeClr val="accent1"/>
+              </a:effectRef>
+              <a:fontRef idx="minor">
+                <a:schemeClr val="tx1"/>
+              </a:fontRef>
+            </p:style>
+            <p:txBody>
+              <a:bodyPr rtlCol="0" anchor="ctr"/>
+              <a:lstStyle/>
+              <a:p>
+                <a:pPr algn="ctr"/>
+                <a:endParaRPr lang="en-US"/>
+              </a:p>
+            </p:txBody>
+          </p:sp>
+          <p:sp>
+            <p:nvSpPr>
+              <p:cNvPr id="15" name="TextBox 14"/>
+              <p:cNvSpPr txBox="1"/>
+              <p:nvPr/>
+            </p:nvSpPr>
+            <p:spPr>
+              <a:xfrm>
+                <a:off x="4128627" y="490279"/>
+                <a:ext cx="867695" cy="1200329"/>
+              </a:xfrm>
+              <a:prstGeom prst="rect">
+                <a:avLst/>
+              </a:prstGeom>
+              <a:noFill/>
+            </p:spPr>
+            <p:txBody>
+              <a:bodyPr wrap="none" rtlCol="0">
+                <a:spAutoFit/>
+              </a:bodyPr>
+              <a:lstStyle/>
+              <a:p>
+                <a:r>
+                  <a:rPr lang="en-US" sz="7200" dirty="0" smtClean="0">
+                    <a:solidFill>
+                      <a:srgbClr val="1E03BD"/>
+                    </a:solidFill>
+                  </a:rPr>
+                  <a:t> </a:t>
+                </a:r>
+                <a:r>
+                  <a:rPr lang="en-US" sz="7200" dirty="0" smtClean="0">
+                    <a:solidFill>
+                      <a:srgbClr val="05811A"/>
+                    </a:solidFill>
+                    <a:latin typeface="Comic Sans MS"/>
+                    <a:cs typeface="Comic Sans MS"/>
+                  </a:rPr>
+                  <a:t>a</a:t>
+                </a:r>
+                <a:endParaRPr lang="en-US" sz="7200" dirty="0" smtClean="0">
+                  <a:solidFill>
+                    <a:srgbClr val="05811A"/>
+                  </a:solidFill>
+                  <a:latin typeface="Comic Sans MS"/>
+                  <a:cs typeface="Comic Sans MS"/>
+                </a:endParaRPr>
+              </a:p>
+            </p:txBody>
+          </p:sp>
+        </p:grpSp>
+      </p:grpSp>
+      <p:sp>
+        <p:nvSpPr>
+          <p:cNvPr id="16" name="TextBox 15"/>
+          <p:cNvSpPr txBox="1"/>
+          <p:nvPr/>
+        </p:nvSpPr>
+        <p:spPr>
+          <a:xfrm>
+            <a:off x="3296143" y="2784558"/>
+            <a:ext cx="2532664" cy="1938992"/>
+          </a:xfrm>
+          <a:prstGeom prst="rect">
+            <a:avLst/>
+          </a:prstGeom>
+          <a:noFill/>
+        </p:spPr>
+        <p:txBody>
+          <a:bodyPr wrap="none" rtlCol="0">
+            <a:spAutoFit/>
+          </a:bodyPr>
+          <a:lstStyle/>
+          <a:p>
+            <a:pPr algn="ctr"/>
+            <a:r>
+              <a:rPr lang="en-US" sz="7200" dirty="0" err="1" smtClean="0">
+                <a:solidFill>
+                  <a:srgbClr val="0000FF"/>
+                </a:solidFill>
+                <a:latin typeface="Comic Sans MS" pitchFamily="66" charset="0"/>
+              </a:rPr>
+              <a:t>n</a:t>
+            </a:r>
+            <a:endParaRPr lang="en-US" sz="7200" dirty="0" smtClean="0">
+              <a:solidFill>
+                <a:srgbClr val="0000FF"/>
+              </a:solidFill>
+              <a:latin typeface="Comic Sans MS" pitchFamily="66" charset="0"/>
+            </a:endParaRPr>
+          </a:p>
+          <a:p>
+            <a:pPr algn="ctr"/>
+            <a:r>
+              <a:rPr lang="en-US" sz="4800" dirty="0" smtClean="0">
+                <a:latin typeface="Comic Sans MS" pitchFamily="66" charset="0"/>
+              </a:rPr>
+              <a:t>vertices</a:t>
+            </a:r>
+            <a:endParaRPr lang="en-US" sz="4800" dirty="0" smtClean="0">
+              <a:latin typeface="Comic Sans MS" pitchFamily="66" charset="0"/>
+            </a:endParaRPr>
+          </a:p>
+        </p:txBody>
+      </p:sp>
+      <p:graphicFrame>
+        <p:nvGraphicFramePr>
+          <p:cNvPr id="17" name="Object 16"/>
+          <p:cNvGraphicFramePr>
+            <a:graphicFrameLocks noChangeAspect="1"/>
+          </p:cNvGraphicFramePr>
+          <p:nvPr/>
+        </p:nvGraphicFramePr>
+        <p:xfrm>
+          <a:off x="6070569" y="2263909"/>
+          <a:ext cx="2867025" cy="3200400"/>
+        </p:xfrm>
+        <a:graphic>
+          <a:graphicData uri="http://schemas.openxmlformats.org/presentationml/2006/ole">
+            <p:oleObj spid="_x0000_s55303" name="Equation" r:id="rId5" imgW="546100" imgH="609600" progId="Equation.DSMT4">
+              <p:embed/>
+            </p:oleObj>
+          </a:graphicData>
+        </a:graphic>
+      </p:graphicFrame>
+      <p:graphicFrame>
+        <p:nvGraphicFramePr>
+          <p:cNvPr id="55304" name="Object 8"/>
+          <p:cNvGraphicFramePr>
+            <a:graphicFrameLocks noChangeAspect="1"/>
+          </p:cNvGraphicFramePr>
+          <p:nvPr/>
+        </p:nvGraphicFramePr>
+        <p:xfrm>
+          <a:off x="6071492" y="2660747"/>
+          <a:ext cx="2867025" cy="933450"/>
+        </p:xfrm>
+        <a:graphic>
+          <a:graphicData uri="http://schemas.openxmlformats.org/presentationml/2006/ole">
+            <p:oleObj spid="_x0000_s55304" name="Equation" r:id="rId6" imgW="546100" imgH="177800" progId="Equation.DSMT4">
+              <p:embed/>
+            </p:oleObj>
+          </a:graphicData>
+        </a:graphic>
+      </p:graphicFrame>
+    </p:spTree>
+  </p:cSld>
+  <p:clrMapOvr>
+    <a:masterClrMapping/>
+  </p:clrMapOvr>
+  <p:transition/>
+  <p:timing>
+    <p:tnLst>
+      <p:par>
+        <p:cTn id="1" dur="indefinite" restart="never" nodeType="tmRoot">
+          <p:childTnLst>
+            <p:seq concurrent="1" nextAc="seek">
+              <p:cTn id="2" dur="indefinite" nodeType="mainSeq">
+                <p:childTnLst>
+                  <p:par>
+                    <p:cTn id="3" fill="hold">
+                      <p:stCondLst>
+                        <p:cond delay="indefinite"/>
+                      </p:stCondLst>
+                      <p:childTnLst>
+                        <p:par>
+                          <p:cTn id="4" fill="hold">
+                            <p:stCondLst>
+                              <p:cond delay="0"/>
+                            </p:stCondLst>
+                            <p:childTnLst>
+                              <p:par>
+                                <p:cTn id="5" presetID="2" presetClass="entr" presetSubtype="8" accel="50000" decel="50000" fill="hold" grpId="0" nodeType="clickEffect">
+                                  <p:stCondLst>
+                                    <p:cond delay="0"/>
+                                  </p:stCondLst>
+                                  <p:childTnLst>
+                                    <p:set>
+                                      <p:cBhvr>
+                                        <p:cTn id="6" dur="1" fill="hold">
+                                          <p:stCondLst>
+                                            <p:cond delay="0"/>
+                                          </p:stCondLst>
+                                        </p:cTn>
+                                        <p:tgtEl>
+                                          <p:spTgt spid="11"/>
+                                        </p:tgtEl>
+                                        <p:attrNameLst>
+                                          <p:attrName>style.visibility</p:attrName>
+                                        </p:attrNameLst>
+                                      </p:cBhvr>
+                                      <p:to>
+                                        <p:strVal val="visible"/>
+                                      </p:to>
+                                    </p:set>
+                                    <p:anim calcmode="lin" valueType="num">
+                                      <p:cBhvr additive="base">
+                                        <p:cTn id="7" dur="500" fill="hold"/>
+                                        <p:tgtEl>
+                                          <p:spTgt spid="11"/>
+                                        </p:tgtEl>
+                                        <p:attrNameLst>
+                                          <p:attrName>ppt_x</p:attrName>
+                                        </p:attrNameLst>
+                                      </p:cBhvr>
+                                      <p:tavLst>
+                                        <p:tav tm="0">
+                                          <p:val>
+                                            <p:strVal val="0-#ppt_w/2"/>
+                                          </p:val>
+                                        </p:tav>
+                                        <p:tav tm="100000">
+                                          <p:val>
+                                            <p:strVal val="#ppt_x"/>
+                                          </p:val>
+                                        </p:tav>
+                                      </p:tavLst>
+                                    </p:anim>
+                                    <p:anim calcmode="lin" valueType="num">
+                                      <p:cBhvr additive="base">
+                                        <p:cTn id="8" dur="500" fill="hold"/>
+                                        <p:tgtEl>
+                                          <p:spTgt spid="11"/>
+                                        </p:tgtEl>
+                                        <p:attrNameLst>
+                                          <p:attrName>ppt_y</p:attrName>
+                                        </p:attrNameLst>
+                                      </p:cBhvr>
+                                      <p:tavLst>
+                                        <p:tav tm="0">
+                                          <p:val>
+                                            <p:strVal val="#ppt_y"/>
+                                          </p:val>
+                                        </p:tav>
+                                        <p:tav tm="100000">
+                                          <p:val>
+                                            <p:strVal val="#ppt_y"/>
+                                          </p:val>
+                                        </p:tav>
+                                      </p:tavLst>
+                                    </p:anim>
+                                  </p:childTnLst>
+                                </p:cTn>
+                              </p:par>
+                              <p:par>
+                                <p:cTn id="9" presetID="2" presetClass="entr" presetSubtype="8" accel="50000" decel="50000" fill="hold" nodeType="withEffect">
+                                  <p:stCondLst>
+                                    <p:cond delay="0"/>
+                                  </p:stCondLst>
+                                  <p:childTnLst>
+                                    <p:set>
+                                      <p:cBhvr>
+                                        <p:cTn id="10" dur="1" fill="hold">
+                                          <p:stCondLst>
+                                            <p:cond delay="0"/>
+                                          </p:stCondLst>
+                                        </p:cTn>
+                                        <p:tgtEl>
+                                          <p:spTgt spid="8"/>
+                                        </p:tgtEl>
+                                        <p:attrNameLst>
+                                          <p:attrName>style.visibility</p:attrName>
+                                        </p:attrNameLst>
+                                      </p:cBhvr>
+                                      <p:to>
+                                        <p:strVal val="visible"/>
+                                      </p:to>
+                                    </p:set>
+                                    <p:anim calcmode="lin" valueType="num">
+                                      <p:cBhvr additive="base">
+                                        <p:cTn id="11" dur="500" fill="hold"/>
+                                        <p:tgtEl>
+                                          <p:spTgt spid="8"/>
+                                        </p:tgtEl>
+                                        <p:attrNameLst>
+                                          <p:attrName>ppt_x</p:attrName>
+                                        </p:attrNameLst>
+                                      </p:cBhvr>
+                                      <p:tavLst>
+                                        <p:tav tm="0">
+                                          <p:val>
+                                            <p:strVal val="0-#ppt_w/2"/>
+                                          </p:val>
+                                        </p:tav>
+                                        <p:tav tm="100000">
+                                          <p:val>
+                                            <p:strVal val="#ppt_x"/>
+                                          </p:val>
+                                        </p:tav>
+                                      </p:tavLst>
+                                    </p:anim>
+                                    <p:anim calcmode="lin" valueType="num">
+                                      <p:cBhvr additive="base">
+                                        <p:cTn id="12" dur="500" fill="hold"/>
+                                        <p:tgtEl>
+                                          <p:spTgt spid="8"/>
+                                        </p:tgtEl>
+                                        <p:attrNameLst>
+                                          <p:attrName>ppt_y</p:attrName>
+                                        </p:attrNameLst>
+                                      </p:cBhvr>
+                                      <p:tavLst>
+                                        <p:tav tm="0">
+                                          <p:val>
+                                            <p:strVal val="#ppt_y"/>
+                                          </p:val>
+                                        </p:tav>
+                                        <p:tav tm="100000">
+                                          <p:val>
+                                            <p:strVal val="#ppt_y"/>
+                                          </p:val>
+                                        </p:tav>
+                                      </p:tavLst>
+                                    </p:anim>
+                                  </p:childTnLst>
+                                </p:cTn>
+                              </p:par>
+                              <p:par>
+                                <p:cTn id="13" presetID="2" presetClass="entr" presetSubtype="8" accel="50000" decel="50000" fill="hold" grpId="0" nodeType="withEffect">
+                                  <p:stCondLst>
+                                    <p:cond delay="0"/>
+                                  </p:stCondLst>
+                                  <p:childTnLst>
+                                    <p:set>
+                                      <p:cBhvr>
+                                        <p:cTn id="14" dur="1" fill="hold">
+                                          <p:stCondLst>
+                                            <p:cond delay="0"/>
+                                          </p:stCondLst>
+                                        </p:cTn>
+                                        <p:tgtEl>
+                                          <p:spTgt spid="658435">
+                                            <p:txEl>
+                                              <p:pRg st="0" end="0"/>
+                                            </p:txEl>
+                                          </p:spTgt>
+                                        </p:tgtEl>
+                                        <p:attrNameLst>
+                                          <p:attrName>style.visibility</p:attrName>
+                                        </p:attrNameLst>
+                                      </p:cBhvr>
+                                      <p:to>
+                                        <p:strVal val="visible"/>
+                                      </p:to>
+                                    </p:set>
+                                    <p:anim calcmode="lin" valueType="num">
+                                      <p:cBhvr additive="base">
+                                        <p:cTn id="15" dur="500" fill="hold"/>
+                                        <p:tgtEl>
+                                          <p:spTgt spid="658435">
+                                            <p:txEl>
+                                              <p:pRg st="0" end="0"/>
+                                            </p:txEl>
+                                          </p:spTgt>
+                                        </p:tgtEl>
+                                        <p:attrNameLst>
+                                          <p:attrName>ppt_x</p:attrName>
+                                        </p:attrNameLst>
+                                      </p:cBhvr>
+                                      <p:tavLst>
+                                        <p:tav tm="0">
+                                          <p:val>
+                                            <p:strVal val="0-#ppt_w/2"/>
+                                          </p:val>
+                                        </p:tav>
+                                        <p:tav tm="100000">
+                                          <p:val>
+                                            <p:strVal val="#ppt_x"/>
+                                          </p:val>
+                                        </p:tav>
+                                      </p:tavLst>
+                                    </p:anim>
+                                    <p:anim calcmode="lin" valueType="num">
+                                      <p:cBhvr additive="base">
+                                        <p:cTn id="16" dur="500" fill="hold"/>
+                                        <p:tgtEl>
+                                          <p:spTgt spid="658435">
+                                            <p:txEl>
+                                              <p:pRg st="0" end="0"/>
+                                            </p:txEl>
+                                          </p:spTgt>
+                                        </p:tgtEl>
+                                        <p:attrNameLst>
+                                          <p:attrName>ppt_y</p:attrName>
+                                        </p:attrNameLst>
+                                      </p:cBhvr>
+                                      <p:tavLst>
+                                        <p:tav tm="0">
+                                          <p:val>
+                                            <p:strVal val="#ppt_y"/>
+                                          </p:val>
+                                        </p:tav>
+                                        <p:tav tm="100000">
+                                          <p:val>
+                                            <p:strVal val="#ppt_y"/>
+                                          </p:val>
+                                        </p:tav>
+                                      </p:tavLst>
+                                    </p:anim>
+                                  </p:childTnLst>
+                                </p:cTn>
+                              </p:par>
+                              <p:par>
+                                <p:cTn id="17" presetID="2" presetClass="entr" presetSubtype="8" accel="50000" decel="50000" fill="hold" grpId="0" nodeType="withEffect">
+                                  <p:stCondLst>
+                                    <p:cond delay="0"/>
+                                  </p:stCondLst>
+                                  <p:childTnLst>
+                                    <p:set>
+                                      <p:cBhvr>
+                                        <p:cTn id="18" dur="1" fill="hold">
+                                          <p:stCondLst>
+                                            <p:cond delay="0"/>
+                                          </p:stCondLst>
+                                        </p:cTn>
+                                        <p:tgtEl>
+                                          <p:spTgt spid="658435">
+                                            <p:txEl>
+                                              <p:pRg st="1" end="1"/>
+                                            </p:txEl>
+                                          </p:spTgt>
+                                        </p:tgtEl>
+                                        <p:attrNameLst>
+                                          <p:attrName>style.visibility</p:attrName>
+                                        </p:attrNameLst>
+                                      </p:cBhvr>
+                                      <p:to>
+                                        <p:strVal val="visible"/>
+                                      </p:to>
+                                    </p:set>
+                                    <p:anim calcmode="lin" valueType="num">
+                                      <p:cBhvr additive="base">
+                                        <p:cTn id="19" dur="500" fill="hold"/>
+                                        <p:tgtEl>
+                                          <p:spTgt spid="658435">
+                                            <p:txEl>
+                                              <p:pRg st="1" end="1"/>
+                                            </p:txEl>
+                                          </p:spTgt>
+                                        </p:tgtEl>
+                                        <p:attrNameLst>
+                                          <p:attrName>ppt_x</p:attrName>
+                                        </p:attrNameLst>
+                                      </p:cBhvr>
+                                      <p:tavLst>
+                                        <p:tav tm="0">
+                                          <p:val>
+                                            <p:strVal val="0-#ppt_w/2"/>
+                                          </p:val>
+                                        </p:tav>
+                                        <p:tav tm="100000">
+                                          <p:val>
+                                            <p:strVal val="#ppt_x"/>
+                                          </p:val>
+                                        </p:tav>
+                                      </p:tavLst>
+                                    </p:anim>
+                                    <p:anim calcmode="lin" valueType="num">
+                                      <p:cBhvr additive="base">
+                                        <p:cTn id="20" dur="500" fill="hold"/>
+                                        <p:tgtEl>
+                                          <p:spTgt spid="658435">
+                                            <p:txEl>
+                                              <p:pRg st="1" end="1"/>
+                                            </p:txEl>
+                                          </p:spTgt>
+                                        </p:tgtEl>
+                                        <p:attrNameLst>
+                                          <p:attrName>ppt_y</p:attrName>
+                                        </p:attrNameLst>
+                                      </p:cBhvr>
+                                      <p:tavLst>
+                                        <p:tav tm="0">
+                                          <p:val>
+                                            <p:strVal val="#ppt_y"/>
+                                          </p:val>
+                                        </p:tav>
+                                        <p:tav tm="100000">
+                                          <p:val>
+                                            <p:strVal val="#ppt_y"/>
+                                          </p:val>
+                                        </p:tav>
+                                      </p:tavLst>
+                                    </p:anim>
+                                  </p:childTnLst>
+                                </p:cTn>
+                              </p:par>
+                              <p:par>
+                                <p:cTn id="21" presetID="2" presetClass="entr" presetSubtype="8" accel="50000" decel="50000" fill="hold" grpId="0" nodeType="withEffect">
+                                  <p:stCondLst>
+                                    <p:cond delay="0"/>
+                                  </p:stCondLst>
+                                  <p:childTnLst>
+                                    <p:set>
+                                      <p:cBhvr>
+                                        <p:cTn id="22" dur="1" fill="hold">
+                                          <p:stCondLst>
+                                            <p:cond delay="0"/>
+                                          </p:stCondLst>
+                                        </p:cTn>
+                                        <p:tgtEl>
+                                          <p:spTgt spid="658435">
+                                            <p:txEl>
+                                              <p:pRg st="2" end="2"/>
+                                            </p:txEl>
+                                          </p:spTgt>
+                                        </p:tgtEl>
+                                        <p:attrNameLst>
+                                          <p:attrName>style.visibility</p:attrName>
+                                        </p:attrNameLst>
+                                      </p:cBhvr>
+                                      <p:to>
+                                        <p:strVal val="visible"/>
+                                      </p:to>
+                                    </p:set>
+                                    <p:anim calcmode="lin" valueType="num">
+                                      <p:cBhvr additive="base">
+                                        <p:cTn id="23" dur="500" fill="hold"/>
+                                        <p:tgtEl>
+                                          <p:spTgt spid="658435">
+                                            <p:txEl>
+                                              <p:pRg st="2" end="2"/>
+                                            </p:txEl>
+                                          </p:spTgt>
+                                        </p:tgtEl>
+                                        <p:attrNameLst>
+                                          <p:attrName>ppt_x</p:attrName>
+                                        </p:attrNameLst>
+                                      </p:cBhvr>
+                                      <p:tavLst>
+                                        <p:tav tm="0">
+                                          <p:val>
+                                            <p:strVal val="0-#ppt_w/2"/>
+                                          </p:val>
+                                        </p:tav>
+                                        <p:tav tm="100000">
+                                          <p:val>
+                                            <p:strVal val="#ppt_x"/>
+                                          </p:val>
+                                        </p:tav>
+                                      </p:tavLst>
+                                    </p:anim>
+                                    <p:anim calcmode="lin" valueType="num">
+                                      <p:cBhvr additive="base">
+                                        <p:cTn id="24" dur="500" fill="hold"/>
+                                        <p:tgtEl>
+                                          <p:spTgt spid="658435">
+                                            <p:txEl>
+                                              <p:pRg st="2" end="2"/>
+                                            </p:txEl>
+                                          </p:spTgt>
+                                        </p:tgtEl>
+                                        <p:attrNameLst>
+                                          <p:attrName>ppt_y</p:attrName>
+                                        </p:attrNameLst>
+                                      </p:cBhvr>
+                                      <p:tavLst>
+                                        <p:tav tm="0">
+                                          <p:val>
+                                            <p:strVal val="#ppt_y"/>
+                                          </p:val>
+                                        </p:tav>
+                                        <p:tav tm="100000">
+                                          <p:val>
+                                            <p:strVal val="#ppt_y"/>
+                                          </p:val>
+                                        </p:tav>
+                                      </p:tavLst>
+                                    </p:anim>
+                                  </p:childTnLst>
+                                </p:cTn>
+                              </p:par>
+                            </p:childTnLst>
+                          </p:cTn>
+                        </p:par>
+                      </p:childTnLst>
+                    </p:cTn>
+                  </p:par>
+                  <p:par>
+                    <p:cTn id="25" fill="hold">
+                      <p:stCondLst>
+                        <p:cond delay="indefinite"/>
+                      </p:stCondLst>
+                      <p:childTnLst>
+                        <p:par>
+                          <p:cTn id="26" fill="hold">
+                            <p:stCondLst>
+                              <p:cond delay="0"/>
+                            </p:stCondLst>
+                            <p:childTnLst>
+                              <p:par>
+                                <p:cTn id="27" presetID="2" presetClass="entr" presetSubtype="1" accel="50000" decel="50000" fill="hold" nodeType="clickEffect">
+                                  <p:stCondLst>
+                                    <p:cond delay="0"/>
+                                  </p:stCondLst>
+                                  <p:childTnLst>
+                                    <p:set>
+                                      <p:cBhvr>
+                                        <p:cTn id="28" dur="1" fill="hold">
+                                          <p:stCondLst>
+                                            <p:cond delay="0"/>
+                                          </p:stCondLst>
+                                        </p:cTn>
+                                        <p:tgtEl>
+                                          <p:spTgt spid="20"/>
+                                        </p:tgtEl>
+                                        <p:attrNameLst>
+                                          <p:attrName>style.visibility</p:attrName>
+                                        </p:attrNameLst>
+                                      </p:cBhvr>
+                                      <p:to>
+                                        <p:strVal val="visible"/>
+                                      </p:to>
+                                    </p:set>
+                                    <p:anim calcmode="lin" valueType="num">
+                                      <p:cBhvr additive="base">
+                                        <p:cTn id="29" dur="500" fill="hold"/>
+                                        <p:tgtEl>
+                                          <p:spTgt spid="20"/>
+                                        </p:tgtEl>
+                                        <p:attrNameLst>
+                                          <p:attrName>ppt_x</p:attrName>
+                                        </p:attrNameLst>
+                                      </p:cBhvr>
+                                      <p:tavLst>
+                                        <p:tav tm="0">
+                                          <p:val>
+                                            <p:strVal val="#ppt_x"/>
+                                          </p:val>
+                                        </p:tav>
+                                        <p:tav tm="100000">
+                                          <p:val>
+                                            <p:strVal val="#ppt_x"/>
+                                          </p:val>
+                                        </p:tav>
+                                      </p:tavLst>
+                                    </p:anim>
+                                    <p:anim calcmode="lin" valueType="num">
+                                      <p:cBhvr additive="base">
+                                        <p:cTn id="30" dur="500" fill="hold"/>
+                                        <p:tgtEl>
+                                          <p:spTgt spid="20"/>
+                                        </p:tgtEl>
+                                        <p:attrNameLst>
+                                          <p:attrName>ppt_y</p:attrName>
+                                        </p:attrNameLst>
+                                      </p:cBhvr>
+                                      <p:tavLst>
+                                        <p:tav tm="0">
+                                          <p:val>
+                                            <p:strVal val="0-#ppt_h/2"/>
+                                          </p:val>
+                                        </p:tav>
+                                        <p:tav tm="100000">
+                                          <p:val>
+                                            <p:strVal val="#ppt_y"/>
+                                          </p:val>
+                                        </p:tav>
+                                      </p:tavLst>
+                                    </p:anim>
+                                  </p:childTnLst>
+                                </p:cTn>
+                              </p:par>
+                            </p:childTnLst>
+                          </p:cTn>
+                        </p:par>
+                      </p:childTnLst>
+                    </p:cTn>
+                  </p:par>
+                  <p:par>
+                    <p:cTn id="31" fill="hold">
+                      <p:stCondLst>
+                        <p:cond delay="indefinite"/>
+                      </p:stCondLst>
+                      <p:childTnLst>
+                        <p:par>
+                          <p:cTn id="32" fill="hold">
+                            <p:stCondLst>
+                              <p:cond delay="0"/>
+                            </p:stCondLst>
+                            <p:childTnLst>
+                              <p:par>
+                                <p:cTn id="33" presetID="10" presetClass="entr" presetSubtype="0" fill="hold" nodeType="clickEffect">
+                                  <p:stCondLst>
+                                    <p:cond delay="0"/>
+                                  </p:stCondLst>
+                                  <p:childTnLst>
+                                    <p:set>
+                                      <p:cBhvr>
+                                        <p:cTn id="34" dur="1" fill="hold">
+                                          <p:stCondLst>
+                                            <p:cond delay="0"/>
+                                          </p:stCondLst>
+                                        </p:cTn>
+                                        <p:tgtEl>
+                                          <p:spTgt spid="55304"/>
+                                        </p:tgtEl>
+                                        <p:attrNameLst>
+                                          <p:attrName>style.visibility</p:attrName>
+                                        </p:attrNameLst>
+                                      </p:cBhvr>
+                                      <p:to>
+                                        <p:strVal val="visible"/>
+                                      </p:to>
+                                    </p:set>
+                                    <p:animEffect transition="in" filter="fade">
+                                      <p:cBhvr>
+                                        <p:cTn id="35" dur="1000"/>
+                                        <p:tgtEl>
+                                          <p:spTgt spid="55304"/>
+                                        </p:tgtEl>
+                                      </p:cBhvr>
+                                    </p:animEffect>
+                                  </p:childTnLst>
+                                </p:cTn>
+                              </p:par>
+                            </p:childTnLst>
+                          </p:cTn>
+                        </p:par>
+                      </p:childTnLst>
+                    </p:cTn>
+                  </p:par>
+                  <p:par>
+                    <p:cTn id="36" fill="hold">
+                      <p:stCondLst>
+                        <p:cond delay="indefinite"/>
+                      </p:stCondLst>
+                      <p:childTnLst>
+                        <p:par>
+                          <p:cTn id="37" fill="hold">
+                            <p:stCondLst>
+                              <p:cond delay="0"/>
+                            </p:stCondLst>
+                            <p:childTnLst>
+                              <p:par>
+                                <p:cTn id="38" presetID="10" presetClass="entr" presetSubtype="0" fill="hold" nodeType="clickEffect">
+                                  <p:stCondLst>
+                                    <p:cond delay="0"/>
+                                  </p:stCondLst>
+                                  <p:childTnLst>
+                                    <p:set>
+                                      <p:cBhvr>
+                                        <p:cTn id="39" dur="1" fill="hold">
+                                          <p:stCondLst>
+                                            <p:cond delay="0"/>
+                                          </p:stCondLst>
+                                        </p:cTn>
+                                        <p:tgtEl>
+                                          <p:spTgt spid="17"/>
+                                        </p:tgtEl>
+                                        <p:attrNameLst>
+                                          <p:attrName>style.visibility</p:attrName>
+                                        </p:attrNameLst>
+                                      </p:cBhvr>
+                                      <p:to>
+                                        <p:strVal val="visible"/>
+                                      </p:to>
+                                    </p:set>
+                                    <p:animEffect transition="in" filter="fade">
+                                      <p:cBhvr>
+                                        <p:cTn id="40" dur="500"/>
+                                        <p:tgtEl>
+                                          <p:spTgt spid="17"/>
+                                        </p:tgtEl>
+                                      </p:cBhvr>
+                                    </p:animEffect>
+                                  </p:childTnLst>
+                                </p:cTn>
+                              </p:par>
+                              <p:par>
+                                <p:cTn id="41" presetID="9" presetClass="exit" presetSubtype="0" fill="hold" nodeType="withEffect">
+                                  <p:stCondLst>
+                                    <p:cond delay="0"/>
+                                  </p:stCondLst>
+                                  <p:childTnLst>
+                                    <p:animEffect transition="out" filter="dissolve">
+                                      <p:cBhvr>
+                                        <p:cTn id="42" dur="500"/>
+                                        <p:tgtEl>
+                                          <p:spTgt spid="55304"/>
+                                        </p:tgtEl>
+                                      </p:cBhvr>
+                                    </p:animEffect>
+                                    <p:set>
+                                      <p:cBhvr>
+                                        <p:cTn id="43" dur="1" fill="hold">
+                                          <p:stCondLst>
+                                            <p:cond delay="499"/>
+                                          </p:stCondLst>
+                                        </p:cTn>
+                                        <p:tgtEl>
+                                          <p:spTgt spid="55304"/>
+                                        </p:tgtEl>
+                                        <p:attrNameLst>
+                                          <p:attrName>style.visibility</p:attrName>
+                                        </p:attrNameLst>
+                                      </p:cBhvr>
+                                      <p:to>
+                                        <p:strVal val="hidden"/>
+                                      </p:to>
+                                    </p:set>
+                                  </p:childTnLst>
+                                </p:cTn>
+                              </p:par>
+                            </p:childTnLst>
+                          </p:cTn>
+                        </p:par>
+                      </p:childTnLst>
+                    </p:cTn>
+                  </p:par>
+                </p:childTnLst>
+              </p:cTn>
+              <p:prevCondLst>
+                <p:cond evt="onPrev" delay="0">
+                  <p:tgtEl>
+                    <p:sldTgt/>
+                  </p:tgtEl>
+                </p:cond>
+              </p:prevCondLst>
+              <p:nextCondLst>
+                <p:cond evt="onNext" delay="0">
+                  <p:tgtEl>
+                    <p:sldTgt/>
+                  </p:tgtEl>
+                </p:cond>
+              </p:nextCondLst>
+            </p:seq>
+          </p:childTnLst>
+        </p:cTn>
+      </p:par>
+    </p:tnLst>
+    <p:bldLst>
+      <p:bldP spid="658435" grpId="0" build="p"/>
+      <p:bldP spid="11" grpId="0"/>
+    </p:bldLst>
+  </p:timing>
+</p:sld>
+</file>
+
+<file path=ppt/slides/slide33.xml><?xml version="1.0" encoding="utf-8"?>
+<p:sld xmlns:a="http://schemas.openxmlformats.org/drawingml/2006/main" xmlns:r="http://schemas.openxmlformats.org/officeDocument/2006/relationships" xmlns:mc="http://schemas.openxmlformats.org/markup-compatibility/2006" xmlns:mv="urn:schemas-microsoft-com:mac:vml" xmlns:p="http://schemas.openxmlformats.org/presentationml/2006/main" mc:Ignorable="mv" mc:PreserveAttributes="mv:*" showMasterPhAnim="0" show="0">
   <p:cSld>
     <p:spTree>
       <p:nvGrpSpPr>
@@ -27253,8 +29608,8 @@
         </p:nvSpPr>
         <p:spPr>
           <a:xfrm>
-            <a:off x="175845" y="1382145"/>
-            <a:ext cx="8774727" cy="4350440"/>
+            <a:off x="361886" y="1304897"/>
+            <a:ext cx="8586941" cy="4543843"/>
           </a:xfrm>
         </p:spPr>
         <p:txBody>
@@ -27263,43 +29618,19 @@
           </a:bodyPr>
           <a:lstStyle/>
           <a:p>
-            <a:pPr>
-              <a:buFont typeface="Times" pitchFamily="18" charset="0"/>
-              <a:buNone/>
-            </a:pPr>
-            <a:r>
-              <a:rPr lang="en-US" sz="4800" dirty="0" err="1"/>
-              <a:t>Prereq’s</a:t>
-            </a:r>
-            <a:r>
-              <a:rPr lang="en-US" sz="4800" dirty="0"/>
-              <a:t> among </a:t>
-            </a:r>
-            <a:r>
-              <a:rPr lang="en-US" sz="4800" dirty="0">
-                <a:solidFill>
-                  <a:srgbClr val="FF00FF"/>
-                </a:solidFill>
-              </a:rPr>
-              <a:t>n</a:t>
-            </a:r>
-            <a:r>
-              <a:rPr lang="en-US" sz="4800" dirty="0"/>
-              <a:t> subjects </a:t>
-            </a:r>
+            <a:pPr lvl="1"/>
             <a:r>
               <a:rPr lang="en-US" sz="4800" dirty="0" smtClean="0"/>
-              <a:t>has</a:t>
-            </a:r>
-            <a:endParaRPr lang="en-US" sz="4800" dirty="0"/>
+              <a:t>every DAG has</a:t>
+            </a:r>
           </a:p>
           <a:p>
             <a:pPr lvl="1">
-              <a:buFont typeface="Times" pitchFamily="18" charset="0"/>
+              <a:buFont typeface="Arial"/>
               <a:buChar char="•"/>
             </a:pPr>
             <a:r>
-              <a:rPr lang="en-US" sz="4800" dirty="0"/>
+              <a:rPr lang="en-US" sz="4800" dirty="0" smtClean="0"/>
               <a:t>a </a:t>
             </a:r>
             <a:r>
@@ -27438,7 +29769,7 @@
               <a:t> </a:t>
             </a:r>
             <a:r>
-              <a:rPr lang="en-US" sz="5400" dirty="0" smtClean="0">
+              <a:rPr lang="en-US" sz="5400" dirty="0" err="1" smtClean="0">
                 <a:solidFill>
                   <a:srgbClr val="FF00FF"/>
                 </a:solidFill>
@@ -27446,9 +29777,10 @@
               <a:t>n</a:t>
             </a:r>
             <a:r>
-              <a:rPr lang="en-US" sz="5400" dirty="0"/>
+              <a:rPr lang="en-US" sz="5400" dirty="0" smtClean="0"/>
               <a:t>.</a:t>
             </a:r>
+            <a:endParaRPr lang="en-US" sz="5400" dirty="0"/>
           </a:p>
         </p:txBody>
       </p:sp>
@@ -27483,12 +29815,512 @@
           <a:p>
             <a:r>
               <a:rPr lang="en-US" dirty="0" smtClean="0"/>
-              <a:t>4F.</a:t>
+              <a:t>6F.</a:t>
             </a:r>
             <a:fld id="{CA4C0C47-BA92-4669-BC5C-D64A96AF3D01}" type="slidenum">
               <a:rPr lang="en-US" smtClean="0"/>
               <a:pPr/>
-              <a:t>31</a:t>
+              <a:t>33</a:t>
+            </a:fld>
+            <a:endParaRPr lang="en-US" dirty="0"/>
+          </a:p>
+        </p:txBody>
+      </p:sp>
+      <p:graphicFrame>
+        <p:nvGraphicFramePr>
+          <p:cNvPr id="7" name="Object 6"/>
+          <p:cNvGraphicFramePr>
+            <a:graphicFrameLocks noChangeAspect="1"/>
+          </p:cNvGraphicFramePr>
+          <p:nvPr/>
+        </p:nvGraphicFramePr>
+        <p:xfrm>
+          <a:off x="7531251" y="2461562"/>
+          <a:ext cx="633734" cy="2391989"/>
+        </p:xfrm>
+        <a:graphic>
+          <a:graphicData uri="http://schemas.openxmlformats.org/presentationml/2006/ole">
+            <p:oleObj spid="_x0000_s107522" name="Equation" r:id="rId4" imgW="266400" imgH="939600" progId="Equation.DSMT4">
+              <p:embed/>
+            </p:oleObj>
+          </a:graphicData>
+        </a:graphic>
+      </p:graphicFrame>
+    </p:spTree>
+  </p:cSld>
+  <p:clrMapOvr>
+    <a:masterClrMapping/>
+  </p:clrMapOvr>
+  <p:transition>
+    <p:fade/>
+  </p:transition>
+  <p:timing>
+    <p:tnLst>
+      <p:par>
+        <p:cTn id="1" dur="indefinite" restart="never" nodeType="tmRoot">
+          <p:childTnLst>
+            <p:seq concurrent="1" nextAc="seek">
+              <p:cTn id="2" dur="indefinite" nodeType="mainSeq">
+                <p:childTnLst>
+                  <p:par>
+                    <p:cTn id="3" fill="hold">
+                      <p:stCondLst>
+                        <p:cond delay="indefinite"/>
+                      </p:stCondLst>
+                      <p:childTnLst>
+                        <p:par>
+                          <p:cTn id="4" fill="hold">
+                            <p:stCondLst>
+                              <p:cond delay="0"/>
+                            </p:stCondLst>
+                            <p:childTnLst>
+                              <p:par>
+                                <p:cTn id="5" presetID="1" presetClass="entr" presetSubtype="0" fill="hold" nodeType="clickEffect">
+                                  <p:stCondLst>
+                                    <p:cond delay="0"/>
+                                  </p:stCondLst>
+                                  <p:childTnLst>
+                                    <p:set>
+                                      <p:cBhvr>
+                                        <p:cTn id="6" dur="1" fill="hold">
+                                          <p:stCondLst>
+                                            <p:cond delay="0"/>
+                                          </p:stCondLst>
+                                        </p:cTn>
+                                        <p:tgtEl>
+                                          <p:spTgt spid="658435">
+                                            <p:txEl>
+                                              <p:pRg st="2" end="2"/>
+                                            </p:txEl>
+                                          </p:spTgt>
+                                        </p:tgtEl>
+                                        <p:attrNameLst>
+                                          <p:attrName>style.visibility</p:attrName>
+                                        </p:attrNameLst>
+                                      </p:cBhvr>
+                                      <p:to>
+                                        <p:strVal val="visible"/>
+                                      </p:to>
+                                    </p:set>
+                                  </p:childTnLst>
+                                </p:cTn>
+                              </p:par>
+                            </p:childTnLst>
+                          </p:cTn>
+                        </p:par>
+                        <p:par>
+                          <p:cTn id="7" fill="hold">
+                            <p:stCondLst>
+                              <p:cond delay="0"/>
+                            </p:stCondLst>
+                            <p:childTnLst>
+                              <p:par>
+                                <p:cTn id="8" presetID="10" presetClass="entr" presetSubtype="0" fill="hold" nodeType="afterEffect">
+                                  <p:stCondLst>
+                                    <p:cond delay="0"/>
+                                  </p:stCondLst>
+                                  <p:childTnLst>
+                                    <p:set>
+                                      <p:cBhvr>
+                                        <p:cTn id="9" dur="1" fill="hold">
+                                          <p:stCondLst>
+                                            <p:cond delay="0"/>
+                                          </p:stCondLst>
+                                        </p:cTn>
+                                        <p:tgtEl>
+                                          <p:spTgt spid="7"/>
+                                        </p:tgtEl>
+                                        <p:attrNameLst>
+                                          <p:attrName>style.visibility</p:attrName>
+                                        </p:attrNameLst>
+                                      </p:cBhvr>
+                                      <p:to>
+                                        <p:strVal val="visible"/>
+                                      </p:to>
+                                    </p:set>
+                                    <p:animEffect transition="in" filter="fade">
+                                      <p:cBhvr>
+                                        <p:cTn id="10" dur="1000"/>
+                                        <p:tgtEl>
+                                          <p:spTgt spid="7"/>
+                                        </p:tgtEl>
+                                      </p:cBhvr>
+                                    </p:animEffect>
+                                  </p:childTnLst>
+                                </p:cTn>
+                              </p:par>
+                            </p:childTnLst>
+                          </p:cTn>
+                        </p:par>
+                      </p:childTnLst>
+                    </p:cTn>
+                  </p:par>
+                  <p:par>
+                    <p:cTn id="11" fill="hold">
+                      <p:stCondLst>
+                        <p:cond delay="indefinite"/>
+                      </p:stCondLst>
+                      <p:childTnLst>
+                        <p:par>
+                          <p:cTn id="12" fill="hold">
+                            <p:stCondLst>
+                              <p:cond delay="0"/>
+                            </p:stCondLst>
+                            <p:childTnLst>
+                              <p:par>
+                                <p:cTn id="13" presetID="1" presetClass="entr" presetSubtype="0" fill="hold" nodeType="clickEffect">
+                                  <p:stCondLst>
+                                    <p:cond delay="0"/>
+                                  </p:stCondLst>
+                                  <p:childTnLst>
+                                    <p:set>
+                                      <p:cBhvr>
+                                        <p:cTn id="14" dur="1" fill="hold">
+                                          <p:stCondLst>
+                                            <p:cond delay="0"/>
+                                          </p:stCondLst>
+                                        </p:cTn>
+                                        <p:tgtEl>
+                                          <p:spTgt spid="658435">
+                                            <p:txEl>
+                                              <p:pRg st="3" end="3"/>
+                                            </p:txEl>
+                                          </p:spTgt>
+                                        </p:tgtEl>
+                                        <p:attrNameLst>
+                                          <p:attrName>style.visibility</p:attrName>
+                                        </p:attrNameLst>
+                                      </p:cBhvr>
+                                      <p:to>
+                                        <p:strVal val="visible"/>
+                                      </p:to>
+                                    </p:set>
+                                  </p:childTnLst>
+                                </p:cTn>
+                              </p:par>
+                            </p:childTnLst>
+                          </p:cTn>
+                        </p:par>
+                      </p:childTnLst>
+                    </p:cTn>
+                  </p:par>
+                </p:childTnLst>
+              </p:cTn>
+              <p:prevCondLst>
+                <p:cond evt="onPrev" delay="0">
+                  <p:tgtEl>
+                    <p:sldTgt/>
+                  </p:tgtEl>
+                </p:cond>
+              </p:prevCondLst>
+              <p:nextCondLst>
+                <p:cond evt="onNext" delay="0">
+                  <p:tgtEl>
+                    <p:sldTgt/>
+                  </p:tgtEl>
+                </p:cond>
+              </p:nextCondLst>
+            </p:seq>
+          </p:childTnLst>
+        </p:cTn>
+      </p:par>
+    </p:tnLst>
+  </p:timing>
+</p:sld>
+</file>
+
+<file path=ppt/slides/slide34.xml><?xml version="1.0" encoding="utf-8"?>
+<p:sld xmlns:a="http://schemas.openxmlformats.org/drawingml/2006/main" xmlns:r="http://schemas.openxmlformats.org/officeDocument/2006/relationships" xmlns:mc="http://schemas.openxmlformats.org/markup-compatibility/2006" xmlns:mv="urn:schemas-microsoft-com:mac:vml" xmlns:p="http://schemas.openxmlformats.org/presentationml/2006/main" mc:Ignorable="mv" mc:PreserveAttributes="mv:*" showMasterPhAnim="0" show="0">
+  <p:cSld>
+    <p:spTree>
+      <p:nvGrpSpPr>
+        <p:cNvPr id="1" name=""/>
+        <p:cNvGrpSpPr/>
+        <p:nvPr/>
+      </p:nvGrpSpPr>
+      <p:grpSpPr>
+        <a:xfrm>
+          <a:off x="0" y="0"/>
+          <a:ext cx="0" cy="0"/>
+          <a:chOff x="0" y="0"/>
+          <a:chExt cx="0" cy="0"/>
+        </a:xfrm>
+      </p:grpSpPr>
+      <p:sp>
+        <p:nvSpPr>
+          <p:cNvPr id="658434" name="Rectangle 2"/>
+          <p:cNvSpPr>
+            <a:spLocks noGrp="1" noChangeArrowheads="1"/>
+          </p:cNvSpPr>
+          <p:nvPr>
+            <p:ph type="title"/>
+          </p:nvPr>
+        </p:nvSpPr>
+        <p:spPr>
+          <a:xfrm>
+            <a:off x="1669015" y="294302"/>
+            <a:ext cx="5841396" cy="1113258"/>
+          </a:xfrm>
+        </p:spPr>
+        <p:txBody>
+          <a:bodyPr/>
+          <a:lstStyle/>
+          <a:p>
+            <a:r>
+              <a:rPr lang="en-US" dirty="0"/>
+              <a:t>Dilworth’s Lemma</a:t>
+            </a:r>
+          </a:p>
+        </p:txBody>
+      </p:sp>
+      <p:sp>
+        <p:nvSpPr>
+          <p:cNvPr id="658435" name="Rectangle 3"/>
+          <p:cNvSpPr>
+            <a:spLocks noGrp="1" noChangeArrowheads="1"/>
+          </p:cNvSpPr>
+          <p:nvPr>
+            <p:ph type="body" idx="1"/>
+          </p:nvPr>
+        </p:nvSpPr>
+        <p:spPr>
+          <a:xfrm>
+            <a:off x="175845" y="1382145"/>
+            <a:ext cx="8774727" cy="4350440"/>
+          </a:xfrm>
+        </p:spPr>
+        <p:txBody>
+          <a:bodyPr>
+            <a:normAutofit/>
+          </a:bodyPr>
+          <a:lstStyle/>
+          <a:p>
+            <a:pPr>
+              <a:buFont typeface="Times" pitchFamily="18" charset="0"/>
+              <a:buNone/>
+            </a:pPr>
+            <a:r>
+              <a:rPr lang="en-US" sz="4800" dirty="0" err="1"/>
+              <a:t>Prereq’s</a:t>
+            </a:r>
+            <a:r>
+              <a:rPr lang="en-US" sz="4800" dirty="0"/>
+              <a:t> among </a:t>
+            </a:r>
+            <a:r>
+              <a:rPr lang="en-US" sz="4800" dirty="0">
+                <a:solidFill>
+                  <a:srgbClr val="FF00FF"/>
+                </a:solidFill>
+              </a:rPr>
+              <a:t>n</a:t>
+            </a:r>
+            <a:r>
+              <a:rPr lang="en-US" sz="4800" dirty="0"/>
+              <a:t> subjects </a:t>
+            </a:r>
+            <a:r>
+              <a:rPr lang="en-US" sz="4800" dirty="0" smtClean="0"/>
+              <a:t>has</a:t>
+            </a:r>
+            <a:endParaRPr lang="en-US" sz="4800" dirty="0"/>
+          </a:p>
+          <a:p>
+            <a:pPr lvl="1">
+              <a:buFont typeface="Times" pitchFamily="18" charset="0"/>
+              <a:buChar char="•"/>
+            </a:pPr>
+            <a:r>
+              <a:rPr lang="en-US" sz="4800" dirty="0"/>
+              <a:t>a </a:t>
+            </a:r>
+            <a:r>
+              <a:rPr lang="en-US" sz="4800" dirty="0">
+                <a:solidFill>
+                  <a:srgbClr val="0033CC"/>
+                </a:solidFill>
+              </a:rPr>
+              <a:t>chain</a:t>
+            </a:r>
+            <a:r>
+              <a:rPr lang="en-US" sz="4800" dirty="0"/>
+              <a:t> of size</a:t>
+            </a:r>
+            <a:r>
+              <a:rPr lang="en-US" sz="4800" dirty="0" smtClean="0"/>
+              <a:t> </a:t>
+            </a:r>
+            <a:r>
+              <a:rPr lang="en-US" sz="5400" b="1" dirty="0" smtClean="0">
+                <a:latin typeface="Symbol" charset="2"/>
+                <a:cs typeface="Symbol" charset="2"/>
+                <a:sym typeface="Euclid Symbol"/>
+              </a:rPr>
+              <a:t>&gt;</a:t>
+            </a:r>
+            <a:r>
+              <a:rPr lang="en-US" sz="4800" dirty="0" smtClean="0"/>
+              <a:t> </a:t>
+            </a:r>
+            <a:r>
+              <a:rPr lang="en-US" sz="6600" dirty="0" smtClean="0">
+                <a:solidFill>
+                  <a:srgbClr val="1E03BD"/>
+                </a:solidFill>
+              </a:rPr>
+              <a:t>t</a:t>
+            </a:r>
+            <a:endParaRPr lang="en-US" sz="4800" dirty="0"/>
+          </a:p>
+          <a:p>
+            <a:pPr lvl="1">
+              <a:spcBef>
+                <a:spcPts val="0"/>
+              </a:spcBef>
+              <a:buFont typeface="Times" pitchFamily="18" charset="0"/>
+              <a:buChar char="•"/>
+            </a:pPr>
+            <a:r>
+              <a:rPr lang="en-US" sz="4800" dirty="0" smtClean="0"/>
+              <a:t>or </a:t>
+            </a:r>
+            <a:r>
+              <a:rPr lang="en-US" sz="4800" dirty="0" err="1">
+                <a:solidFill>
+                  <a:srgbClr val="008000"/>
+                </a:solidFill>
+              </a:rPr>
+              <a:t>antichain</a:t>
+            </a:r>
+            <a:r>
+              <a:rPr lang="en-US" sz="4800" dirty="0"/>
+              <a:t> of size</a:t>
+            </a:r>
+            <a:r>
+              <a:rPr lang="en-US" sz="4800" dirty="0" smtClean="0"/>
+              <a:t> </a:t>
+            </a:r>
+            <a:r>
+              <a:rPr lang="en-US" sz="6000" b="1" dirty="0" smtClean="0">
+                <a:latin typeface="Symbol" charset="2"/>
+                <a:cs typeface="Symbol" charset="2"/>
+                <a:sym typeface="Euclid Symbol"/>
+              </a:rPr>
+              <a:t>≥</a:t>
+            </a:r>
+            <a:endParaRPr lang="en-US" sz="4800" dirty="0" smtClean="0">
+              <a:latin typeface="Symbol" charset="2"/>
+              <a:cs typeface="Symbol" charset="2"/>
+              <a:sym typeface="Symbol" pitchFamily="18" charset="2"/>
+            </a:endParaRPr>
+          </a:p>
+          <a:p>
+            <a:pPr>
+              <a:lnSpc>
+                <a:spcPct val="150000"/>
+              </a:lnSpc>
+              <a:spcBef>
+                <a:spcPts val="0"/>
+              </a:spcBef>
+            </a:pPr>
+            <a:r>
+              <a:rPr lang="en-US" sz="5400" dirty="0" smtClean="0"/>
+              <a:t>for </a:t>
+            </a:r>
+            <a:r>
+              <a:rPr lang="en-US" sz="5400" dirty="0"/>
+              <a:t>all </a:t>
+            </a:r>
+            <a:r>
+              <a:rPr lang="en-US" sz="5400" dirty="0" smtClean="0"/>
+              <a:t>1 </a:t>
+            </a:r>
+            <a:r>
+              <a:rPr lang="en-US" sz="5400" dirty="0" smtClean="0">
+                <a:latin typeface="Euclid Symbol" pitchFamily="18" charset="2"/>
+                <a:sym typeface="Euclid Symbol"/>
+              </a:rPr>
+              <a:t>≤ </a:t>
+            </a:r>
+            <a:r>
+              <a:rPr lang="en-US" sz="5400" dirty="0" err="1" smtClean="0">
+                <a:solidFill>
+                  <a:srgbClr val="1E03BD"/>
+                </a:solidFill>
+              </a:rPr>
+              <a:t>t</a:t>
+            </a:r>
+            <a:r>
+              <a:rPr lang="en-US" sz="5400" dirty="0" smtClean="0">
+                <a:solidFill>
+                  <a:srgbClr val="1E03BD"/>
+                </a:solidFill>
+              </a:rPr>
+              <a:t> </a:t>
+            </a:r>
+            <a:r>
+              <a:rPr lang="en-US" sz="5400" dirty="0" smtClean="0">
+                <a:latin typeface="Euclid Symbol" pitchFamily="18" charset="2"/>
+                <a:sym typeface="Euclid Symbol"/>
+              </a:rPr>
+              <a:t>≤</a:t>
+            </a:r>
+            <a:r>
+              <a:rPr lang="en-US" sz="5400" dirty="0" smtClean="0"/>
+              <a:t> </a:t>
+            </a:r>
+            <a:r>
+              <a:rPr lang="en-US" sz="5400" dirty="0" smtClean="0">
+                <a:solidFill>
+                  <a:srgbClr val="FF00FF"/>
+                </a:solidFill>
+              </a:rPr>
+              <a:t>n</a:t>
+            </a:r>
+            <a:r>
+              <a:rPr lang="en-US" sz="5400" dirty="0"/>
+              <a:t>.</a:t>
+            </a:r>
+          </a:p>
+        </p:txBody>
+      </p:sp>
+      <p:sp>
+        <p:nvSpPr>
+          <p:cNvPr id="13" name="Slide Number Placeholder 5"/>
+          <p:cNvSpPr>
+            <a:spLocks noGrp="1"/>
+          </p:cNvSpPr>
+          <p:nvPr>
+            <p:ph type="sldNum" sz="quarter" idx="4"/>
+          </p:nvPr>
+        </p:nvSpPr>
+        <p:spPr>
+          <a:xfrm>
+            <a:off x="8237750" y="6596742"/>
+            <a:ext cx="906250" cy="261257"/>
+          </a:xfrm>
+          <a:prstGeom prst="rect">
+            <a:avLst/>
+          </a:prstGeom>
+        </p:spPr>
+        <p:txBody>
+          <a:bodyPr/>
+          <a:lstStyle>
+            <a:lvl1pPr>
+              <a:defRPr sz="1200">
+                <a:latin typeface="Comic Sans MS" pitchFamily="66" charset="0"/>
+              </a:defRPr>
+            </a:lvl1pPr>
+          </a:lstStyle>
+          <a:p>
+            <a:r>
+              <a:rPr lang="en-US" dirty="0" smtClean="0"/>
+              <a:t>6F.</a:t>
+            </a:r>
+            <a:fld id="{CA4C0C47-BA92-4669-BC5C-D64A96AF3D01}" type="slidenum">
+              <a:rPr lang="en-US" smtClean="0"/>
+              <a:pPr/>
+              <a:t>34</a:t>
             </a:fld>
             <a:endParaRPr lang="en-US" dirty="0"/>
           </a:p>
@@ -27508,7 +30340,7 @@
         </p:xfrm>
         <a:graphic>
           <a:graphicData uri="http://schemas.openxmlformats.org/presentationml/2006/ole">
-            <p:oleObj spid="_x0000_s55298" name="Equation" r:id="rId4" imgW="266400" imgH="939600" progId="Equation.DSMT4">
+            <p:oleObj spid="_x0000_s105474" name="Equation" r:id="rId4" imgW="266400" imgH="939600" progId="Equation.DSMT4">
               <p:embed/>
             </p:oleObj>
           </a:graphicData>
@@ -27744,7 +30576,7 @@
 </p:sld>
 </file>
 
-<file path=ppt/slides/slide32.xml><?xml version="1.0" encoding="utf-8"?>
+<file path=ppt/slides/slide35.xml><?xml version="1.0" encoding="utf-8"?>
 <p:sld xmlns:a="http://schemas.openxmlformats.org/drawingml/2006/main" xmlns:r="http://schemas.openxmlformats.org/officeDocument/2006/relationships" xmlns:mc="http://schemas.openxmlformats.org/markup-compatibility/2006" xmlns:mv="urn:schemas-microsoft-com:mac:vml" xmlns:p="http://schemas.openxmlformats.org/presentationml/2006/main" mc:Ignorable="mv" mc:PreserveAttributes="mv:*" show="0">
   <p:cSld>
     <p:spTree>
@@ -28218,12 +31050,12 @@
           <a:p>
             <a:r>
               <a:rPr lang="en-US" dirty="0" smtClean="0"/>
-              <a:t>4F.</a:t>
+              <a:t>6F.</a:t>
             </a:r>
             <a:fld id="{CA4C0C47-BA92-4669-BC5C-D64A96AF3D01}" type="slidenum">
               <a:rPr lang="en-US" smtClean="0"/>
               <a:pPr/>
-              <a:t>32</a:t>
+              <a:t>35</a:t>
             </a:fld>
             <a:endParaRPr lang="en-US" dirty="0"/>
           </a:p>
@@ -28535,7 +31367,7 @@
 </p:sld>
 </file>
 
-<file path=ppt/slides/slide33.xml><?xml version="1.0" encoding="utf-8"?>
+<file path=ppt/slides/slide36.xml><?xml version="1.0" encoding="utf-8"?>
 <p:sld xmlns:a="http://schemas.openxmlformats.org/drawingml/2006/main" xmlns:r="http://schemas.openxmlformats.org/officeDocument/2006/relationships" xmlns:mc="http://schemas.openxmlformats.org/markup-compatibility/2006" xmlns:mv="urn:schemas-microsoft-com:mac:vml" xmlns:p="http://schemas.openxmlformats.org/presentationml/2006/main" mc:Ignorable="mv" mc:PreserveAttributes="mv:*" show="0">
   <p:cSld>
     <p:spTree>
@@ -28919,12 +31751,12 @@
           <a:p>
             <a:r>
               <a:rPr lang="en-US" dirty="0" smtClean="0"/>
-              <a:t>4F.</a:t>
+              <a:t>6F.</a:t>
             </a:r>
             <a:fld id="{CA4C0C47-BA92-4669-BC5C-D64A96AF3D01}" type="slidenum">
               <a:rPr lang="en-US" smtClean="0"/>
               <a:pPr/>
-              <a:t>33</a:t>
+              <a:t>36</a:t>
             </a:fld>
             <a:endParaRPr lang="en-US" dirty="0"/>
           </a:p>
@@ -29030,7 +31862,7 @@
 </p:sld>
 </file>
 
-<file path=ppt/slides/slide34.xml><?xml version="1.0" encoding="utf-8"?>
+<file path=ppt/slides/slide37.xml><?xml version="1.0" encoding="utf-8"?>
 <p:sld xmlns:a="http://schemas.openxmlformats.org/drawingml/2006/main" xmlns:r="http://schemas.openxmlformats.org/officeDocument/2006/relationships" xmlns:mc="http://schemas.openxmlformats.org/markup-compatibility/2006" xmlns:mv="urn:schemas-microsoft-com:mac:vml" xmlns:p="http://schemas.openxmlformats.org/presentationml/2006/main" mc:Ignorable="mv" mc:PreserveAttributes="mv:*">
   <p:cSld>
     <p:spTree>
@@ -29154,12 +31986,12 @@
           <a:p>
             <a:r>
               <a:rPr lang="en-US" dirty="0" smtClean="0"/>
-              <a:t>4F.</a:t>
+              <a:t>6F.</a:t>
             </a:r>
             <a:fld id="{CA4C0C47-BA92-4669-BC5C-D64A96AF3D01}" type="slidenum">
               <a:rPr lang="en-US" smtClean="0"/>
               <a:pPr/>
-              <a:t>34</a:t>
+              <a:t>37</a:t>
             </a:fld>
             <a:endParaRPr lang="en-US" dirty="0"/>
           </a:p>
@@ -29181,7 +32013,7 @@
 </p:sld>
 </file>
 
-<file path=ppt/slides/slide35.xml><?xml version="1.0" encoding="utf-8"?>
+<file path=ppt/slides/slide38.xml><?xml version="1.0" encoding="utf-8"?>
 <p:sld xmlns:a="http://schemas.openxmlformats.org/drawingml/2006/main" xmlns:r="http://schemas.openxmlformats.org/officeDocument/2006/relationships" xmlns:mc="http://schemas.openxmlformats.org/markup-compatibility/2006" xmlns:mv="urn:schemas-microsoft-com:mac:vml" xmlns:p="http://schemas.openxmlformats.org/presentationml/2006/main" mc:Ignorable="mv" mc:PreserveAttributes="mv:*" show="0">
   <p:cSld>
     <p:spTree>
@@ -29659,12 +32491,12 @@
           <a:p>
             <a:r>
               <a:rPr lang="en-US" dirty="0" smtClean="0"/>
-              <a:t>4F.</a:t>
+              <a:t>6F.</a:t>
             </a:r>
             <a:fld id="{CA4C0C47-BA92-4669-BC5C-D64A96AF3D01}" type="slidenum">
               <a:rPr lang="en-US" smtClean="0"/>
               <a:pPr/>
-              <a:t>35</a:t>
+              <a:t>38</a:t>
             </a:fld>
             <a:endParaRPr lang="en-US" dirty="0"/>
           </a:p>
@@ -29688,7 +32520,7 @@
 </p:sld>
 </file>
 
-<file path=ppt/slides/slide36.xml><?xml version="1.0" encoding="utf-8"?>
+<file path=ppt/slides/slide39.xml><?xml version="1.0" encoding="utf-8"?>
 <p:sld xmlns:a="http://schemas.openxmlformats.org/drawingml/2006/main" xmlns:r="http://schemas.openxmlformats.org/officeDocument/2006/relationships" xmlns:mc="http://schemas.openxmlformats.org/markup-compatibility/2006" xmlns:mv="urn:schemas-microsoft-com:mac:vml" xmlns:p="http://schemas.openxmlformats.org/presentationml/2006/main" mc:Ignorable="mv" mc:PreserveAttributes="mv:*" show="0">
   <p:cSld>
     <p:spTree>
@@ -29891,12 +32723,12 @@
           <a:p>
             <a:r>
               <a:rPr lang="en-US" dirty="0" smtClean="0"/>
-              <a:t>4F.</a:t>
+              <a:t>6F.</a:t>
             </a:r>
             <a:fld id="{CA4C0C47-BA92-4669-BC5C-D64A96AF3D01}" type="slidenum">
               <a:rPr lang="en-US" smtClean="0"/>
               <a:pPr/>
-              <a:t>36</a:t>
+              <a:t>39</a:t>
             </a:fld>
             <a:endParaRPr lang="en-US" dirty="0"/>
           </a:p>
@@ -29986,7 +32818,691 @@
 </p:sld>
 </file>
 
-<file path=ppt/slides/slide37.xml><?xml version="1.0" encoding="utf-8"?>
+<file path=ppt/slides/slide4.xml><?xml version="1.0" encoding="utf-8"?>
+<p:sld xmlns:a="http://schemas.openxmlformats.org/drawingml/2006/main" xmlns:r="http://schemas.openxmlformats.org/officeDocument/2006/relationships" xmlns:mc="http://schemas.openxmlformats.org/markup-compatibility/2006" xmlns:mv="urn:schemas-microsoft-com:mac:vml" xmlns:p="http://schemas.openxmlformats.org/presentationml/2006/main" mc:Ignorable="mv" mc:PreserveAttributes="mv:*">
+  <p:cSld>
+    <p:spTree>
+      <p:nvGrpSpPr>
+        <p:cNvPr id="1" name=""/>
+        <p:cNvGrpSpPr/>
+        <p:nvPr/>
+      </p:nvGrpSpPr>
+      <p:grpSpPr>
+        <a:xfrm>
+          <a:off x="0" y="0"/>
+          <a:ext cx="0" cy="0"/>
+          <a:chOff x="0" y="0"/>
+          <a:chExt cx="0" cy="0"/>
+        </a:xfrm>
+      </p:grpSpPr>
+      <p:sp>
+        <p:nvSpPr>
+          <p:cNvPr id="628738" name="Text Box 2"/>
+          <p:cNvSpPr txBox="1">
+            <a:spLocks noChangeArrowheads="1"/>
+          </p:cNvSpPr>
+          <p:nvPr/>
+        </p:nvSpPr>
+        <p:spPr bwMode="auto">
+          <a:xfrm>
+            <a:off x="313246" y="1311188"/>
+            <a:ext cx="8517507" cy="4708981"/>
+          </a:xfrm>
+          <a:prstGeom prst="rect">
+            <a:avLst/>
+          </a:prstGeom>
+          <a:noFill/>
+          <a:ln w="31750" algn="ctr">
+            <a:noFill/>
+            <a:miter lim="800000"/>
+            <a:headEnd/>
+            <a:tailEnd type="none" w="lg" len="lg"/>
+          </a:ln>
+          <a:effectLst/>
+        </p:spPr>
+        <p:txBody>
+          <a:bodyPr wrap="square">
+            <a:spAutoFit/>
+          </a:bodyPr>
+          <a:lstStyle/>
+          <a:p>
+            <a:pPr marL="742950" indent="-285750" algn="ctr"/>
+            <a:r>
+              <a:rPr lang="en-US" sz="4400" dirty="0" smtClean="0">
+                <a:latin typeface="Comic Sans MS" pitchFamily="66" charset="0"/>
+              </a:rPr>
+              <a:t>so</a:t>
+            </a:r>
+            <a:r>
+              <a:rPr lang="en-US" sz="4400" dirty="0" smtClean="0">
+                <a:solidFill>
+                  <a:srgbClr val="0000FF"/>
+                </a:solidFill>
+                <a:latin typeface="Comic Sans MS" pitchFamily="66" charset="0"/>
+              </a:rPr>
+              <a:t> </a:t>
+            </a:r>
+            <a:r>
+              <a:rPr lang="en-US" sz="4400" dirty="0" err="1" smtClean="0">
+                <a:solidFill>
+                  <a:srgbClr val="0000FF"/>
+                </a:solidFill>
+                <a:latin typeface="Comic Sans MS" pitchFamily="66" charset="0"/>
+              </a:rPr>
+              <a:t>u</a:t>
+            </a:r>
+            <a:r>
+              <a:rPr lang="en-US" sz="4400" dirty="0" smtClean="0">
+                <a:latin typeface="Comic Sans MS" pitchFamily="66" charset="0"/>
+              </a:rPr>
+              <a:t> is an indirect </a:t>
+            </a:r>
+            <a:r>
+              <a:rPr lang="en-US" sz="4400" dirty="0" err="1" smtClean="0">
+                <a:latin typeface="Comic Sans MS" pitchFamily="66" charset="0"/>
+              </a:rPr>
+              <a:t>prereq</a:t>
+            </a:r>
+            <a:r>
+              <a:rPr lang="en-US" sz="4400" dirty="0" smtClean="0">
+                <a:latin typeface="Comic Sans MS" pitchFamily="66" charset="0"/>
+              </a:rPr>
+              <a:t> of </a:t>
+            </a:r>
+            <a:r>
+              <a:rPr lang="en-US" sz="4400" dirty="0" err="1" smtClean="0">
+                <a:solidFill>
+                  <a:srgbClr val="0000FF"/>
+                </a:solidFill>
+                <a:latin typeface="Comic Sans MS" pitchFamily="66" charset="0"/>
+              </a:rPr>
+              <a:t>v</a:t>
+            </a:r>
+            <a:endParaRPr lang="en-US" sz="4400" dirty="0" smtClean="0">
+              <a:solidFill>
+                <a:srgbClr val="0000FF"/>
+              </a:solidFill>
+              <a:latin typeface="Comic Sans MS" pitchFamily="66" charset="0"/>
+            </a:endParaRPr>
+          </a:p>
+          <a:p>
+            <a:pPr marL="742950" indent="-285750"/>
+            <a:r>
+              <a:rPr lang="en-US" sz="4400" dirty="0" smtClean="0">
+                <a:solidFill>
+                  <a:srgbClr val="000000"/>
+                </a:solidFill>
+                <a:latin typeface="Comic Sans MS" pitchFamily="66" charset="0"/>
+              </a:rPr>
+              <a:t>just means that there is a</a:t>
+            </a:r>
+          </a:p>
+          <a:p>
+            <a:pPr marL="742950" indent="-285750"/>
+            <a:r>
+              <a:rPr lang="en-US" sz="4400" dirty="0" smtClean="0">
+                <a:solidFill>
+                  <a:srgbClr val="000000"/>
+                </a:solidFill>
+                <a:latin typeface="Comic Sans MS" pitchFamily="66" charset="0"/>
+              </a:rPr>
+              <a:t>positive length path from</a:t>
+            </a:r>
+          </a:p>
+          <a:p>
+            <a:pPr marL="742950" indent="-285750"/>
+            <a:r>
+              <a:rPr lang="en-US" sz="4400" dirty="0" err="1" smtClean="0">
+                <a:solidFill>
+                  <a:srgbClr val="0000FF"/>
+                </a:solidFill>
+                <a:latin typeface="Comic Sans MS" pitchFamily="66" charset="0"/>
+              </a:rPr>
+              <a:t>u</a:t>
+            </a:r>
+            <a:r>
+              <a:rPr lang="en-US" sz="4400" dirty="0" smtClean="0">
+                <a:solidFill>
+                  <a:srgbClr val="000000"/>
+                </a:solidFill>
+                <a:latin typeface="Comic Sans MS" pitchFamily="66" charset="0"/>
+              </a:rPr>
+              <a:t> to </a:t>
+            </a:r>
+            <a:r>
+              <a:rPr lang="en-US" sz="4400" dirty="0" err="1" smtClean="0">
+                <a:solidFill>
+                  <a:srgbClr val="0000FF"/>
+                </a:solidFill>
+                <a:latin typeface="Comic Sans MS" pitchFamily="66" charset="0"/>
+              </a:rPr>
+              <a:t>v</a:t>
+            </a:r>
+            <a:r>
+              <a:rPr lang="en-US" sz="4400" dirty="0" smtClean="0">
+                <a:solidFill>
+                  <a:srgbClr val="0000FF"/>
+                </a:solidFill>
+                <a:latin typeface="Comic Sans MS" pitchFamily="66" charset="0"/>
+              </a:rPr>
+              <a:t> </a:t>
+            </a:r>
+            <a:r>
+              <a:rPr lang="en-US" sz="4400" dirty="0" smtClean="0">
+                <a:latin typeface="Comic Sans MS" pitchFamily="66" charset="0"/>
+              </a:rPr>
+              <a:t>in the prerequisite </a:t>
+            </a:r>
+          </a:p>
+          <a:p>
+            <a:pPr marL="742950" indent="-285750"/>
+            <a:r>
+              <a:rPr lang="en-US" sz="4400" dirty="0" smtClean="0">
+                <a:latin typeface="Comic Sans MS" pitchFamily="66" charset="0"/>
+              </a:rPr>
+              <a:t>digraph </a:t>
+            </a:r>
+            <a:r>
+              <a:rPr lang="en-US" sz="4400" dirty="0" smtClean="0">
+                <a:solidFill>
+                  <a:srgbClr val="0000FF"/>
+                </a:solidFill>
+                <a:latin typeface="Comic Sans MS" pitchFamily="66" charset="0"/>
+              </a:rPr>
+              <a:t>R</a:t>
+            </a:r>
+            <a:r>
+              <a:rPr lang="en-US" sz="4400" dirty="0" smtClean="0">
+                <a:latin typeface="Comic Sans MS" pitchFamily="66" charset="0"/>
+              </a:rPr>
+              <a:t>:</a:t>
+            </a:r>
+          </a:p>
+          <a:p>
+            <a:pPr marL="742950" indent="-285750" algn="ctr"/>
+            <a:r>
+              <a:rPr lang="en-US" sz="8000" dirty="0" err="1" smtClean="0">
+                <a:solidFill>
+                  <a:srgbClr val="0000FF"/>
+                </a:solidFill>
+                <a:latin typeface="Comic Sans MS" pitchFamily="66" charset="0"/>
+              </a:rPr>
+              <a:t>u</a:t>
+            </a:r>
+            <a:r>
+              <a:rPr lang="en-US" sz="8000" dirty="0" smtClean="0">
+                <a:solidFill>
+                  <a:srgbClr val="0000FF"/>
+                </a:solidFill>
+                <a:latin typeface="Comic Sans MS" pitchFamily="66" charset="0"/>
+              </a:rPr>
+              <a:t> R</a:t>
+            </a:r>
+            <a:r>
+              <a:rPr lang="en-US" sz="8000" baseline="30000" dirty="0" smtClean="0">
+                <a:solidFill>
+                  <a:srgbClr val="0000FF"/>
+                </a:solidFill>
+                <a:latin typeface="Comic Sans MS" pitchFamily="66" charset="0"/>
+              </a:rPr>
+              <a:t>+</a:t>
+            </a:r>
+            <a:r>
+              <a:rPr lang="en-US" sz="8000" dirty="0" smtClean="0">
+                <a:solidFill>
+                  <a:srgbClr val="0000FF"/>
+                </a:solidFill>
+                <a:latin typeface="Comic Sans MS" pitchFamily="66" charset="0"/>
+              </a:rPr>
+              <a:t> </a:t>
+            </a:r>
+            <a:r>
+              <a:rPr lang="en-US" sz="8000" dirty="0" err="1" smtClean="0">
+                <a:solidFill>
+                  <a:srgbClr val="0000FF"/>
+                </a:solidFill>
+                <a:latin typeface="Comic Sans MS" pitchFamily="66" charset="0"/>
+              </a:rPr>
+              <a:t>v</a:t>
+            </a:r>
+            <a:endParaRPr lang="en-US" sz="8000" dirty="0" smtClean="0">
+              <a:solidFill>
+                <a:srgbClr val="0000FF"/>
+              </a:solidFill>
+              <a:latin typeface="Comic Sans MS" pitchFamily="66" charset="0"/>
+            </a:endParaRPr>
+          </a:p>
+        </p:txBody>
+      </p:sp>
+      <p:sp>
+        <p:nvSpPr>
+          <p:cNvPr id="628739" name="Rectangle 3"/>
+          <p:cNvSpPr>
+            <a:spLocks noGrp="1" noChangeArrowheads="1"/>
+          </p:cNvSpPr>
+          <p:nvPr>
+            <p:ph type="title"/>
+          </p:nvPr>
+        </p:nvSpPr>
+        <p:spPr>
+          <a:xfrm>
+            <a:off x="1767893" y="274638"/>
+            <a:ext cx="5639778" cy="1112373"/>
+          </a:xfrm>
+          <a:noFill/>
+          <a:ln/>
+        </p:spPr>
+        <p:txBody>
+          <a:bodyPr/>
+          <a:lstStyle/>
+          <a:p>
+            <a:r>
+              <a:rPr lang="en-US" dirty="0" smtClean="0"/>
+              <a:t>indirect prerequisites</a:t>
+            </a:r>
+            <a:endParaRPr lang="en-US" dirty="0"/>
+          </a:p>
+        </p:txBody>
+      </p:sp>
+      <p:sp>
+        <p:nvSpPr>
+          <p:cNvPr id="9" name="Slide Number Placeholder 5"/>
+          <p:cNvSpPr>
+            <a:spLocks noGrp="1"/>
+          </p:cNvSpPr>
+          <p:nvPr>
+            <p:ph type="sldNum" sz="quarter" idx="4"/>
+          </p:nvPr>
+        </p:nvSpPr>
+        <p:spPr>
+          <a:xfrm>
+            <a:off x="8237750" y="6596742"/>
+            <a:ext cx="906250" cy="261257"/>
+          </a:xfrm>
+          <a:prstGeom prst="rect">
+            <a:avLst/>
+          </a:prstGeom>
+        </p:spPr>
+        <p:txBody>
+          <a:bodyPr/>
+          <a:lstStyle>
+            <a:lvl1pPr>
+              <a:defRPr sz="1200">
+                <a:latin typeface="Comic Sans MS" pitchFamily="66" charset="0"/>
+              </a:defRPr>
+            </a:lvl1pPr>
+          </a:lstStyle>
+          <a:p>
+            <a:r>
+              <a:rPr lang="en-US" dirty="0" smtClean="0"/>
+              <a:t>6F.</a:t>
+            </a:r>
+            <a:fld id="{CA4C0C47-BA92-4669-BC5C-D64A96AF3D01}" type="slidenum">
+              <a:rPr lang="en-US" smtClean="0"/>
+              <a:pPr/>
+              <a:t>4</a:t>
+            </a:fld>
+            <a:endParaRPr lang="en-US" dirty="0"/>
+          </a:p>
+        </p:txBody>
+      </p:sp>
+    </p:spTree>
+  </p:cSld>
+  <p:clrMapOvr>
+    <a:masterClrMapping/>
+  </p:clrMapOvr>
+  <p:transition>
+    <p:fade/>
+  </p:transition>
+  <p:timing>
+    <p:tnLst>
+      <p:par>
+        <p:cTn id="1" dur="indefinite" restart="never" nodeType="tmRoot">
+          <p:childTnLst>
+            <p:seq concurrent="1" nextAc="seek">
+              <p:cTn id="2" dur="indefinite" nodeType="mainSeq">
+                <p:childTnLst>
+                  <p:par>
+                    <p:cTn id="3" fill="hold">
+                      <p:stCondLst>
+                        <p:cond delay="indefinite"/>
+                      </p:stCondLst>
+                      <p:childTnLst>
+                        <p:par>
+                          <p:cTn id="4" fill="hold">
+                            <p:stCondLst>
+                              <p:cond delay="0"/>
+                            </p:stCondLst>
+                            <p:childTnLst>
+                              <p:par>
+                                <p:cTn id="5" presetID="9" presetClass="entr" presetSubtype="0" fill="hold" grpId="0" nodeType="clickEffect">
+                                  <p:stCondLst>
+                                    <p:cond delay="0"/>
+                                  </p:stCondLst>
+                                  <p:childTnLst>
+                                    <p:set>
+                                      <p:cBhvr>
+                                        <p:cTn id="6" dur="1" fill="hold">
+                                          <p:stCondLst>
+                                            <p:cond delay="0"/>
+                                          </p:stCondLst>
+                                        </p:cTn>
+                                        <p:tgtEl>
+                                          <p:spTgt spid="628738">
+                                            <p:txEl>
+                                              <p:pRg st="0" end="0"/>
+                                            </p:txEl>
+                                          </p:spTgt>
+                                        </p:tgtEl>
+                                        <p:attrNameLst>
+                                          <p:attrName>style.visibility</p:attrName>
+                                        </p:attrNameLst>
+                                      </p:cBhvr>
+                                      <p:to>
+                                        <p:strVal val="visible"/>
+                                      </p:to>
+                                    </p:set>
+                                    <p:animEffect transition="in" filter="dissolve">
+                                      <p:cBhvr>
+                                        <p:cTn id="7" dur="500"/>
+                                        <p:tgtEl>
+                                          <p:spTgt spid="628738">
+                                            <p:txEl>
+                                              <p:pRg st="0" end="0"/>
+                                            </p:txEl>
+                                          </p:spTgt>
+                                        </p:tgtEl>
+                                      </p:cBhvr>
+                                    </p:animEffect>
+                                  </p:childTnLst>
+                                </p:cTn>
+                              </p:par>
+                              <p:par>
+                                <p:cTn id="8" presetID="9" presetClass="entr" presetSubtype="0" fill="hold" grpId="0" nodeType="withEffect">
+                                  <p:stCondLst>
+                                    <p:cond delay="0"/>
+                                  </p:stCondLst>
+                                  <p:childTnLst>
+                                    <p:set>
+                                      <p:cBhvr>
+                                        <p:cTn id="9" dur="1" fill="hold">
+                                          <p:stCondLst>
+                                            <p:cond delay="0"/>
+                                          </p:stCondLst>
+                                        </p:cTn>
+                                        <p:tgtEl>
+                                          <p:spTgt spid="628738">
+                                            <p:txEl>
+                                              <p:pRg st="1" end="1"/>
+                                            </p:txEl>
+                                          </p:spTgt>
+                                        </p:tgtEl>
+                                        <p:attrNameLst>
+                                          <p:attrName>style.visibility</p:attrName>
+                                        </p:attrNameLst>
+                                      </p:cBhvr>
+                                      <p:to>
+                                        <p:strVal val="visible"/>
+                                      </p:to>
+                                    </p:set>
+                                    <p:animEffect transition="in" filter="dissolve">
+                                      <p:cBhvr>
+                                        <p:cTn id="10" dur="500"/>
+                                        <p:tgtEl>
+                                          <p:spTgt spid="628738">
+                                            <p:txEl>
+                                              <p:pRg st="1" end="1"/>
+                                            </p:txEl>
+                                          </p:spTgt>
+                                        </p:tgtEl>
+                                      </p:cBhvr>
+                                    </p:animEffect>
+                                  </p:childTnLst>
+                                </p:cTn>
+                              </p:par>
+                            </p:childTnLst>
+                          </p:cTn>
+                        </p:par>
+                      </p:childTnLst>
+                    </p:cTn>
+                  </p:par>
+                  <p:par>
+                    <p:cTn id="11" fill="hold">
+                      <p:stCondLst>
+                        <p:cond delay="indefinite"/>
+                      </p:stCondLst>
+                      <p:childTnLst>
+                        <p:par>
+                          <p:cTn id="12" fill="hold">
+                            <p:stCondLst>
+                              <p:cond delay="0"/>
+                            </p:stCondLst>
+                            <p:childTnLst>
+                              <p:par>
+                                <p:cTn id="13" presetID="9" presetClass="entr" presetSubtype="0" fill="hold" grpId="0" nodeType="clickEffect">
+                                  <p:stCondLst>
+                                    <p:cond delay="0"/>
+                                  </p:stCondLst>
+                                  <p:childTnLst>
+                                    <p:set>
+                                      <p:cBhvr>
+                                        <p:cTn id="14" dur="1" fill="hold">
+                                          <p:stCondLst>
+                                            <p:cond delay="0"/>
+                                          </p:stCondLst>
+                                        </p:cTn>
+                                        <p:tgtEl>
+                                          <p:spTgt spid="628738">
+                                            <p:txEl>
+                                              <p:pRg st="2" end="2"/>
+                                            </p:txEl>
+                                          </p:spTgt>
+                                        </p:tgtEl>
+                                        <p:attrNameLst>
+                                          <p:attrName>style.visibility</p:attrName>
+                                        </p:attrNameLst>
+                                      </p:cBhvr>
+                                      <p:to>
+                                        <p:strVal val="visible"/>
+                                      </p:to>
+                                    </p:set>
+                                    <p:animEffect transition="in" filter="dissolve">
+                                      <p:cBhvr>
+                                        <p:cTn id="15" dur="500"/>
+                                        <p:tgtEl>
+                                          <p:spTgt spid="628738">
+                                            <p:txEl>
+                                              <p:pRg st="2" end="2"/>
+                                            </p:txEl>
+                                          </p:spTgt>
+                                        </p:tgtEl>
+                                      </p:cBhvr>
+                                    </p:animEffect>
+                                  </p:childTnLst>
+                                </p:cTn>
+                              </p:par>
+                              <p:par>
+                                <p:cTn id="16" presetID="9" presetClass="entr" presetSubtype="0" fill="hold" grpId="0" nodeType="withEffect">
+                                  <p:stCondLst>
+                                    <p:cond delay="0"/>
+                                  </p:stCondLst>
+                                  <p:childTnLst>
+                                    <p:set>
+                                      <p:cBhvr>
+                                        <p:cTn id="17" dur="1" fill="hold">
+                                          <p:stCondLst>
+                                            <p:cond delay="0"/>
+                                          </p:stCondLst>
+                                        </p:cTn>
+                                        <p:tgtEl>
+                                          <p:spTgt spid="628738">
+                                            <p:txEl>
+                                              <p:pRg st="3" end="3"/>
+                                            </p:txEl>
+                                          </p:spTgt>
+                                        </p:tgtEl>
+                                        <p:attrNameLst>
+                                          <p:attrName>style.visibility</p:attrName>
+                                        </p:attrNameLst>
+                                      </p:cBhvr>
+                                      <p:to>
+                                        <p:strVal val="visible"/>
+                                      </p:to>
+                                    </p:set>
+                                    <p:animEffect transition="in" filter="dissolve">
+                                      <p:cBhvr>
+                                        <p:cTn id="18" dur="500"/>
+                                        <p:tgtEl>
+                                          <p:spTgt spid="628738">
+                                            <p:txEl>
+                                              <p:pRg st="3" end="3"/>
+                                            </p:txEl>
+                                          </p:spTgt>
+                                        </p:tgtEl>
+                                      </p:cBhvr>
+                                    </p:animEffect>
+                                  </p:childTnLst>
+                                </p:cTn>
+                              </p:par>
+                              <p:par>
+                                <p:cTn id="19" presetID="9" presetClass="entr" presetSubtype="0" fill="hold" grpId="0" nodeType="withEffect">
+                                  <p:stCondLst>
+                                    <p:cond delay="0"/>
+                                  </p:stCondLst>
+                                  <p:childTnLst>
+                                    <p:set>
+                                      <p:cBhvr>
+                                        <p:cTn id="20" dur="1" fill="hold">
+                                          <p:stCondLst>
+                                            <p:cond delay="0"/>
+                                          </p:stCondLst>
+                                        </p:cTn>
+                                        <p:tgtEl>
+                                          <p:spTgt spid="628738">
+                                            <p:txEl>
+                                              <p:pRg st="4" end="4"/>
+                                            </p:txEl>
+                                          </p:spTgt>
+                                        </p:tgtEl>
+                                        <p:attrNameLst>
+                                          <p:attrName>style.visibility</p:attrName>
+                                        </p:attrNameLst>
+                                      </p:cBhvr>
+                                      <p:to>
+                                        <p:strVal val="visible"/>
+                                      </p:to>
+                                    </p:set>
+                                    <p:animEffect transition="in" filter="dissolve">
+                                      <p:cBhvr>
+                                        <p:cTn id="21" dur="500"/>
+                                        <p:tgtEl>
+                                          <p:spTgt spid="628738">
+                                            <p:txEl>
+                                              <p:pRg st="4" end="4"/>
+                                            </p:txEl>
+                                          </p:spTgt>
+                                        </p:tgtEl>
+                                      </p:cBhvr>
+                                    </p:animEffect>
+                                  </p:childTnLst>
+                                </p:cTn>
+                              </p:par>
+                            </p:childTnLst>
+                          </p:cTn>
+                        </p:par>
+                      </p:childTnLst>
+                    </p:cTn>
+                  </p:par>
+                  <p:par>
+                    <p:cTn id="22" fill="hold">
+                      <p:stCondLst>
+                        <p:cond delay="indefinite"/>
+                      </p:stCondLst>
+                      <p:childTnLst>
+                        <p:par>
+                          <p:cTn id="23" fill="hold">
+                            <p:stCondLst>
+                              <p:cond delay="0"/>
+                            </p:stCondLst>
+                            <p:childTnLst>
+                              <p:par>
+                                <p:cTn id="24" presetID="10" presetClass="entr" presetSubtype="0" fill="hold" grpId="0" nodeType="clickEffect">
+                                  <p:stCondLst>
+                                    <p:cond delay="0"/>
+                                  </p:stCondLst>
+                                  <p:childTnLst>
+                                    <p:set>
+                                      <p:cBhvr>
+                                        <p:cTn id="25" dur="1" fill="hold">
+                                          <p:stCondLst>
+                                            <p:cond delay="0"/>
+                                          </p:stCondLst>
+                                        </p:cTn>
+                                        <p:tgtEl>
+                                          <p:spTgt spid="628738">
+                                            <p:txEl>
+                                              <p:pRg st="5" end="5"/>
+                                            </p:txEl>
+                                          </p:spTgt>
+                                        </p:tgtEl>
+                                        <p:attrNameLst>
+                                          <p:attrName>style.visibility</p:attrName>
+                                        </p:attrNameLst>
+                                      </p:cBhvr>
+                                      <p:to>
+                                        <p:strVal val="visible"/>
+                                      </p:to>
+                                    </p:set>
+                                    <p:animEffect transition="in" filter="fade">
+                                      <p:cBhvr>
+                                        <p:cTn id="26" dur="500"/>
+                                        <p:tgtEl>
+                                          <p:spTgt spid="628738">
+                                            <p:txEl>
+                                              <p:pRg st="5" end="5"/>
+                                            </p:txEl>
+                                          </p:spTgt>
+                                        </p:tgtEl>
+                                      </p:cBhvr>
+                                    </p:animEffect>
+                                  </p:childTnLst>
+                                </p:cTn>
+                              </p:par>
+                            </p:childTnLst>
+                          </p:cTn>
+                        </p:par>
+                      </p:childTnLst>
+                    </p:cTn>
+                  </p:par>
+                </p:childTnLst>
+              </p:cTn>
+              <p:prevCondLst>
+                <p:cond evt="onPrev" delay="0">
+                  <p:tgtEl>
+                    <p:sldTgt/>
+                  </p:tgtEl>
+                </p:cond>
+              </p:prevCondLst>
+              <p:nextCondLst>
+                <p:cond evt="onNext" delay="0">
+                  <p:tgtEl>
+                    <p:sldTgt/>
+                  </p:tgtEl>
+                </p:cond>
+              </p:nextCondLst>
+            </p:seq>
+          </p:childTnLst>
+        </p:cTn>
+      </p:par>
+    </p:tnLst>
+    <p:bldLst>
+      <p:bldP spid="628738" grpId="0" build="p"/>
+    </p:bldLst>
+  </p:timing>
+</p:sld>
+</file>
+
+<file path=ppt/slides/slide40.xml><?xml version="1.0" encoding="utf-8"?>
 <p:sld xmlns:a="http://schemas.openxmlformats.org/drawingml/2006/main" xmlns:r="http://schemas.openxmlformats.org/officeDocument/2006/relationships" xmlns:mc="http://schemas.openxmlformats.org/markup-compatibility/2006" xmlns:mv="urn:schemas-microsoft-com:mac:vml" xmlns:p="http://schemas.openxmlformats.org/presentationml/2006/main" mc:Ignorable="mv" mc:PreserveAttributes="mv:*" show="0">
   <p:cSld>
     <p:spTree>
@@ -30333,12 +33849,12 @@
           <a:p>
             <a:r>
               <a:rPr lang="en-US" dirty="0" smtClean="0"/>
-              <a:t>4F.</a:t>
+              <a:t>6F.</a:t>
             </a:r>
             <a:fld id="{CA4C0C47-BA92-4669-BC5C-D64A96AF3D01}" type="slidenum">
               <a:rPr lang="en-US" smtClean="0"/>
               <a:pPr/>
-              <a:t>37</a:t>
+              <a:t>40</a:t>
             </a:fld>
             <a:endParaRPr lang="en-US" dirty="0"/>
           </a:p>
@@ -30691,352 +34207,6 @@
 </p:sld>
 </file>
 
-<file path=ppt/slides/slide4.xml><?xml version="1.0" encoding="utf-8"?>
-<p:sld xmlns:a="http://schemas.openxmlformats.org/drawingml/2006/main" xmlns:r="http://schemas.openxmlformats.org/officeDocument/2006/relationships" xmlns:mc="http://schemas.openxmlformats.org/markup-compatibility/2006" xmlns:mv="urn:schemas-microsoft-com:mac:vml" xmlns:p="http://schemas.openxmlformats.org/presentationml/2006/main" mc:Ignorable="mv" mc:PreserveAttributes="mv:*">
-  <p:cSld>
-    <p:spTree>
-      <p:nvGrpSpPr>
-        <p:cNvPr id="1" name=""/>
-        <p:cNvGrpSpPr/>
-        <p:nvPr/>
-      </p:nvGrpSpPr>
-      <p:grpSpPr>
-        <a:xfrm>
-          <a:off x="0" y="0"/>
-          <a:ext cx="0" cy="0"/>
-          <a:chOff x="0" y="0"/>
-          <a:chExt cx="0" cy="0"/>
-        </a:xfrm>
-      </p:grpSpPr>
-      <p:sp>
-        <p:nvSpPr>
-          <p:cNvPr id="628738" name="Text Box 2"/>
-          <p:cNvSpPr txBox="1">
-            <a:spLocks noChangeArrowheads="1"/>
-          </p:cNvSpPr>
-          <p:nvPr/>
-        </p:nvSpPr>
-        <p:spPr bwMode="auto">
-          <a:xfrm>
-            <a:off x="313246" y="1311188"/>
-            <a:ext cx="8517507" cy="4708981"/>
-          </a:xfrm>
-          <a:prstGeom prst="rect">
-            <a:avLst/>
-          </a:prstGeom>
-          <a:noFill/>
-          <a:ln w="31750" algn="ctr">
-            <a:noFill/>
-            <a:miter lim="800000"/>
-            <a:headEnd/>
-            <a:tailEnd type="none" w="lg" len="lg"/>
-          </a:ln>
-          <a:effectLst/>
-        </p:spPr>
-        <p:txBody>
-          <a:bodyPr wrap="square">
-            <a:spAutoFit/>
-          </a:bodyPr>
-          <a:lstStyle/>
-          <a:p>
-            <a:pPr marL="742950" indent="-285750" algn="ctr"/>
-            <a:r>
-              <a:rPr lang="en-US" sz="4400" dirty="0" smtClean="0">
-                <a:latin typeface="Comic Sans MS" pitchFamily="66" charset="0"/>
-              </a:rPr>
-              <a:t>so</a:t>
-            </a:r>
-            <a:r>
-              <a:rPr lang="en-US" sz="4400" dirty="0" smtClean="0">
-                <a:solidFill>
-                  <a:srgbClr val="0000FF"/>
-                </a:solidFill>
-                <a:latin typeface="Comic Sans MS" pitchFamily="66" charset="0"/>
-              </a:rPr>
-              <a:t> </a:t>
-            </a:r>
-            <a:r>
-              <a:rPr lang="en-US" sz="4400" dirty="0" err="1" smtClean="0">
-                <a:solidFill>
-                  <a:srgbClr val="0000FF"/>
-                </a:solidFill>
-                <a:latin typeface="Comic Sans MS" pitchFamily="66" charset="0"/>
-              </a:rPr>
-              <a:t>u</a:t>
-            </a:r>
-            <a:r>
-              <a:rPr lang="en-US" sz="4400" dirty="0" smtClean="0">
-                <a:latin typeface="Comic Sans MS" pitchFamily="66" charset="0"/>
-              </a:rPr>
-              <a:t> is an indirect </a:t>
-            </a:r>
-            <a:r>
-              <a:rPr lang="en-US" sz="4400" dirty="0" err="1" smtClean="0">
-                <a:latin typeface="Comic Sans MS" pitchFamily="66" charset="0"/>
-              </a:rPr>
-              <a:t>prereq</a:t>
-            </a:r>
-            <a:r>
-              <a:rPr lang="en-US" sz="4400" dirty="0" smtClean="0">
-                <a:latin typeface="Comic Sans MS" pitchFamily="66" charset="0"/>
-              </a:rPr>
-              <a:t> of </a:t>
-            </a:r>
-            <a:r>
-              <a:rPr lang="en-US" sz="4400" dirty="0" err="1" smtClean="0">
-                <a:solidFill>
-                  <a:srgbClr val="0000FF"/>
-                </a:solidFill>
-                <a:latin typeface="Comic Sans MS" pitchFamily="66" charset="0"/>
-              </a:rPr>
-              <a:t>v</a:t>
-            </a:r>
-            <a:endParaRPr lang="en-US" sz="4400" dirty="0" smtClean="0">
-              <a:solidFill>
-                <a:srgbClr val="0000FF"/>
-              </a:solidFill>
-              <a:latin typeface="Comic Sans MS" pitchFamily="66" charset="0"/>
-            </a:endParaRPr>
-          </a:p>
-          <a:p>
-            <a:pPr marL="742950" indent="-285750"/>
-            <a:r>
-              <a:rPr lang="en-US" sz="4400" dirty="0" smtClean="0">
-                <a:solidFill>
-                  <a:srgbClr val="000000"/>
-                </a:solidFill>
-                <a:latin typeface="Comic Sans MS" pitchFamily="66" charset="0"/>
-              </a:rPr>
-              <a:t>just means that there is a</a:t>
-            </a:r>
-          </a:p>
-          <a:p>
-            <a:pPr marL="742950" indent="-285750"/>
-            <a:r>
-              <a:rPr lang="en-US" sz="4400" dirty="0" smtClean="0">
-                <a:solidFill>
-                  <a:srgbClr val="000000"/>
-                </a:solidFill>
-                <a:latin typeface="Comic Sans MS" pitchFamily="66" charset="0"/>
-              </a:rPr>
-              <a:t>positive length path from</a:t>
-            </a:r>
-          </a:p>
-          <a:p>
-            <a:pPr marL="742950" indent="-285750"/>
-            <a:r>
-              <a:rPr lang="en-US" sz="4400" dirty="0" err="1" smtClean="0">
-                <a:solidFill>
-                  <a:srgbClr val="0000FF"/>
-                </a:solidFill>
-                <a:latin typeface="Comic Sans MS" pitchFamily="66" charset="0"/>
-              </a:rPr>
-              <a:t>u</a:t>
-            </a:r>
-            <a:r>
-              <a:rPr lang="en-US" sz="4400" dirty="0" smtClean="0">
-                <a:solidFill>
-                  <a:srgbClr val="000000"/>
-                </a:solidFill>
-                <a:latin typeface="Comic Sans MS" pitchFamily="66" charset="0"/>
-              </a:rPr>
-              <a:t> to </a:t>
-            </a:r>
-            <a:r>
-              <a:rPr lang="en-US" sz="4400" dirty="0" err="1" smtClean="0">
-                <a:solidFill>
-                  <a:srgbClr val="0000FF"/>
-                </a:solidFill>
-                <a:latin typeface="Comic Sans MS" pitchFamily="66" charset="0"/>
-              </a:rPr>
-              <a:t>v</a:t>
-            </a:r>
-            <a:r>
-              <a:rPr lang="en-US" sz="4400" dirty="0" smtClean="0">
-                <a:solidFill>
-                  <a:srgbClr val="0000FF"/>
-                </a:solidFill>
-                <a:latin typeface="Comic Sans MS" pitchFamily="66" charset="0"/>
-              </a:rPr>
-              <a:t> </a:t>
-            </a:r>
-            <a:r>
-              <a:rPr lang="en-US" sz="4400" dirty="0" smtClean="0">
-                <a:latin typeface="Comic Sans MS" pitchFamily="66" charset="0"/>
-              </a:rPr>
-              <a:t>in the prerequisite </a:t>
-            </a:r>
-          </a:p>
-          <a:p>
-            <a:pPr marL="742950" indent="-285750"/>
-            <a:r>
-              <a:rPr lang="en-US" sz="4400" dirty="0" smtClean="0">
-                <a:latin typeface="Comic Sans MS" pitchFamily="66" charset="0"/>
-              </a:rPr>
-              <a:t>digraph </a:t>
-            </a:r>
-            <a:r>
-              <a:rPr lang="en-US" sz="4400" dirty="0" smtClean="0">
-                <a:solidFill>
-                  <a:srgbClr val="0000FF"/>
-                </a:solidFill>
-                <a:latin typeface="Comic Sans MS" pitchFamily="66" charset="0"/>
-              </a:rPr>
-              <a:t>R</a:t>
-            </a:r>
-            <a:r>
-              <a:rPr lang="en-US" sz="4400" dirty="0" smtClean="0">
-                <a:latin typeface="Comic Sans MS" pitchFamily="66" charset="0"/>
-              </a:rPr>
-              <a:t>:</a:t>
-            </a:r>
-          </a:p>
-          <a:p>
-            <a:pPr marL="742950" indent="-285750" algn="ctr"/>
-            <a:r>
-              <a:rPr lang="en-US" sz="8000" dirty="0" err="1" smtClean="0">
-                <a:solidFill>
-                  <a:srgbClr val="0000FF"/>
-                </a:solidFill>
-                <a:latin typeface="Comic Sans MS" pitchFamily="66" charset="0"/>
-              </a:rPr>
-              <a:t>u</a:t>
-            </a:r>
-            <a:r>
-              <a:rPr lang="en-US" sz="8000" dirty="0" smtClean="0">
-                <a:solidFill>
-                  <a:srgbClr val="0000FF"/>
-                </a:solidFill>
-                <a:latin typeface="Comic Sans MS" pitchFamily="66" charset="0"/>
-              </a:rPr>
-              <a:t> R</a:t>
-            </a:r>
-            <a:r>
-              <a:rPr lang="en-US" sz="8000" baseline="30000" dirty="0" smtClean="0">
-                <a:solidFill>
-                  <a:srgbClr val="0000FF"/>
-                </a:solidFill>
-                <a:latin typeface="Comic Sans MS" pitchFamily="66" charset="0"/>
-              </a:rPr>
-              <a:t>+</a:t>
-            </a:r>
-            <a:r>
-              <a:rPr lang="en-US" sz="8000" dirty="0" smtClean="0">
-                <a:solidFill>
-                  <a:srgbClr val="0000FF"/>
-                </a:solidFill>
-                <a:latin typeface="Comic Sans MS" pitchFamily="66" charset="0"/>
-              </a:rPr>
-              <a:t> </a:t>
-            </a:r>
-            <a:r>
-              <a:rPr lang="en-US" sz="8000" dirty="0" err="1" smtClean="0">
-                <a:solidFill>
-                  <a:srgbClr val="0000FF"/>
-                </a:solidFill>
-                <a:latin typeface="Comic Sans MS" pitchFamily="66" charset="0"/>
-              </a:rPr>
-              <a:t>v</a:t>
-            </a:r>
-            <a:endParaRPr lang="en-US" sz="8000" dirty="0" smtClean="0">
-              <a:solidFill>
-                <a:srgbClr val="0000FF"/>
-              </a:solidFill>
-              <a:latin typeface="Comic Sans MS" pitchFamily="66" charset="0"/>
-            </a:endParaRPr>
-          </a:p>
-        </p:txBody>
-      </p:sp>
-      <p:sp>
-        <p:nvSpPr>
-          <p:cNvPr id="628739" name="Rectangle 3"/>
-          <p:cNvSpPr>
-            <a:spLocks noGrp="1" noChangeArrowheads="1"/>
-          </p:cNvSpPr>
-          <p:nvPr>
-            <p:ph type="title"/>
-          </p:nvPr>
-        </p:nvSpPr>
-        <p:spPr>
-          <a:xfrm>
-            <a:off x="1767893" y="274638"/>
-            <a:ext cx="5639778" cy="1112373"/>
-          </a:xfrm>
-          <a:noFill/>
-          <a:ln/>
-        </p:spPr>
-        <p:txBody>
-          <a:bodyPr/>
-          <a:lstStyle/>
-          <a:p>
-            <a:r>
-              <a:rPr lang="en-US" dirty="0" smtClean="0"/>
-              <a:t>indirect prerequisites</a:t>
-            </a:r>
-            <a:endParaRPr lang="en-US" dirty="0"/>
-          </a:p>
-        </p:txBody>
-      </p:sp>
-      <p:sp>
-        <p:nvSpPr>
-          <p:cNvPr id="9" name="Slide Number Placeholder 5"/>
-          <p:cNvSpPr>
-            <a:spLocks noGrp="1"/>
-          </p:cNvSpPr>
-          <p:nvPr>
-            <p:ph type="sldNum" sz="quarter" idx="4"/>
-          </p:nvPr>
-        </p:nvSpPr>
-        <p:spPr>
-          <a:xfrm>
-            <a:off x="8237750" y="6596742"/>
-            <a:ext cx="906250" cy="261257"/>
-          </a:xfrm>
-          <a:prstGeom prst="rect">
-            <a:avLst/>
-          </a:prstGeom>
-        </p:spPr>
-        <p:txBody>
-          <a:bodyPr/>
-          <a:lstStyle>
-            <a:lvl1pPr>
-              <a:defRPr sz="1200">
-                <a:latin typeface="Comic Sans MS" pitchFamily="66" charset="0"/>
-              </a:defRPr>
-            </a:lvl1pPr>
-          </a:lstStyle>
-          <a:p>
-            <a:r>
-              <a:rPr lang="en-US" dirty="0" smtClean="0"/>
-              <a:t>4F.</a:t>
-            </a:r>
-            <a:fld id="{CA4C0C47-BA92-4669-BC5C-D64A96AF3D01}" type="slidenum">
-              <a:rPr lang="en-US" smtClean="0"/>
-              <a:pPr/>
-              <a:t>4</a:t>
-            </a:fld>
-            <a:endParaRPr lang="en-US" dirty="0"/>
-          </a:p>
-        </p:txBody>
-      </p:sp>
-    </p:spTree>
-  </p:cSld>
-  <p:clrMapOvr>
-    <a:masterClrMapping/>
-  </p:clrMapOvr>
-  <p:transition>
-    <p:fade/>
-  </p:transition>
-  <p:timing>
-    <p:tnLst>
-      <p:par>
-        <p:cTn id="1" dur="indefinite" restart="never" nodeType="tmRoot"/>
-      </p:par>
-    </p:tnLst>
-  </p:timing>
-</p:sld>
-</file>
-
 <file path=ppt/slides/slide5.xml><?xml version="1.0" encoding="utf-8"?>
 <p:sld xmlns:a="http://schemas.openxmlformats.org/drawingml/2006/main" xmlns:r="http://schemas.openxmlformats.org/officeDocument/2006/relationships" xmlns:mc="http://schemas.openxmlformats.org/markup-compatibility/2006" xmlns:mv="urn:schemas-microsoft-com:mac:vml" xmlns:p="http://schemas.openxmlformats.org/presentationml/2006/main" mc:Ignorable="mv" mc:PreserveAttributes="mv:*">
   <p:cSld>
@@ -31177,11 +34347,7 @@
           <a:p>
             <a:r>
               <a:rPr lang="en-US" dirty="0" smtClean="0"/>
-              <a:t>a </a:t>
-            </a:r>
-            <a:r>
-              <a:rPr lang="en-US" dirty="0" smtClean="0"/>
-              <a:t>minim</a:t>
+              <a:t>a minim</a:t>
             </a:r>
             <a:r>
               <a:rPr lang="en-US" dirty="0" smtClean="0">
@@ -31234,7 +34400,7 @@
           <a:p>
             <a:r>
               <a:rPr lang="en-US" dirty="0" smtClean="0"/>
-              <a:t>4F.</a:t>
+              <a:t>6F.</a:t>
             </a:r>
             <a:fld id="{CA4C0C47-BA92-4669-BC5C-D64A96AF3D01}" type="slidenum">
               <a:rPr lang="en-US" smtClean="0"/>
@@ -31255,8 +34421,8 @@
         </p:nvSpPr>
         <p:spPr bwMode="auto">
           <a:xfrm>
-            <a:off x="905226" y="3602751"/>
-            <a:ext cx="7314498" cy="1107996"/>
+            <a:off x="1417919" y="3259485"/>
+            <a:ext cx="6190914" cy="1107996"/>
           </a:xfrm>
           <a:prstGeom prst="rect">
             <a:avLst/>
@@ -31330,6 +34496,171 @@
           </a:p>
         </p:txBody>
       </p:sp>
+      <p:grpSp>
+        <p:nvGrpSpPr>
+          <p:cNvPr id="7" name="Group 6"/>
+          <p:cNvGrpSpPr/>
+          <p:nvPr/>
+        </p:nvGrpSpPr>
+        <p:grpSpPr>
+          <a:xfrm>
+            <a:off x="1612023" y="4753559"/>
+            <a:ext cx="5900903" cy="781160"/>
+            <a:chOff x="1828800" y="1600200"/>
+            <a:chExt cx="5219700" cy="381000"/>
+          </a:xfrm>
+        </p:grpSpPr>
+        <p:sp>
+          <p:nvSpPr>
+            <p:cNvPr id="8" name="AutoShape 4"/>
+            <p:cNvSpPr>
+              <a:spLocks noChangeArrowheads="1"/>
+            </p:cNvSpPr>
+            <p:nvPr/>
+          </p:nvSpPr>
+          <p:spPr bwMode="auto">
+            <a:xfrm>
+              <a:off x="1828800" y="1600200"/>
+              <a:ext cx="762000" cy="381000"/>
+            </a:xfrm>
+            <a:prstGeom prst="roundRect">
+              <a:avLst>
+                <a:gd name="adj" fmla="val 16667"/>
+              </a:avLst>
+            </a:prstGeom>
+            <a:solidFill>
+              <a:srgbClr val="FFFF00"/>
+            </a:solidFill>
+            <a:ln w="28575">
+              <a:solidFill>
+                <a:schemeClr val="tx1"/>
+              </a:solidFill>
+              <a:round/>
+              <a:headEnd/>
+              <a:tailEnd type="none" w="lg" len="lg"/>
+            </a:ln>
+            <a:effectLst/>
+          </p:spPr>
+          <p:txBody>
+            <a:bodyPr wrap="none" anchor="ctr"/>
+            <a:lstStyle/>
+            <a:p>
+              <a:pPr>
+                <a:spcBef>
+                  <a:spcPct val="0"/>
+                </a:spcBef>
+              </a:pPr>
+              <a:r>
+                <a:rPr lang="en-US" sz="2000" dirty="0">
+                  <a:latin typeface="Comic Sans MS" pitchFamily="66" charset="0"/>
+                </a:rPr>
+                <a:t>18.01</a:t>
+              </a:r>
+            </a:p>
+          </p:txBody>
+        </p:sp>
+        <p:sp>
+          <p:nvSpPr>
+            <p:cNvPr id="10" name="AutoShape 5"/>
+            <p:cNvSpPr>
+              <a:spLocks noChangeArrowheads="1"/>
+            </p:cNvSpPr>
+            <p:nvPr/>
+          </p:nvSpPr>
+          <p:spPr bwMode="auto">
+            <a:xfrm>
+              <a:off x="6286500" y="1600200"/>
+              <a:ext cx="762000" cy="381000"/>
+            </a:xfrm>
+            <a:prstGeom prst="roundRect">
+              <a:avLst>
+                <a:gd name="adj" fmla="val 16667"/>
+              </a:avLst>
+            </a:prstGeom>
+            <a:solidFill>
+              <a:srgbClr val="FFFF00"/>
+            </a:solidFill>
+            <a:ln w="28575">
+              <a:solidFill>
+                <a:schemeClr val="tx1"/>
+              </a:solidFill>
+              <a:round/>
+              <a:headEnd/>
+              <a:tailEnd type="none" w="lg" len="lg"/>
+            </a:ln>
+            <a:effectLst/>
+          </p:spPr>
+          <p:txBody>
+            <a:bodyPr wrap="none" anchor="ctr"/>
+            <a:lstStyle/>
+            <a:p>
+              <a:pPr>
+                <a:spcBef>
+                  <a:spcPct val="0"/>
+                </a:spcBef>
+              </a:pPr>
+              <a:r>
+                <a:rPr lang="en-US" sz="2000" dirty="0">
+                  <a:latin typeface="Comic Sans MS" pitchFamily="66" charset="0"/>
+                </a:rPr>
+                <a:t>6.001</a:t>
+              </a:r>
+            </a:p>
+          </p:txBody>
+        </p:sp>
+        <p:sp>
+          <p:nvSpPr>
+            <p:cNvPr id="11" name="AutoShape 6"/>
+            <p:cNvSpPr>
+              <a:spLocks noChangeArrowheads="1"/>
+            </p:cNvSpPr>
+            <p:nvPr/>
+          </p:nvSpPr>
+          <p:spPr bwMode="auto">
+            <a:xfrm>
+              <a:off x="4343400" y="1600200"/>
+              <a:ext cx="762000" cy="381000"/>
+            </a:xfrm>
+            <a:prstGeom prst="roundRect">
+              <a:avLst>
+                <a:gd name="adj" fmla="val 16667"/>
+              </a:avLst>
+            </a:prstGeom>
+            <a:solidFill>
+              <a:srgbClr val="FFFF00"/>
+            </a:solidFill>
+            <a:ln w="28575">
+              <a:solidFill>
+                <a:schemeClr val="tx1"/>
+              </a:solidFill>
+              <a:round/>
+              <a:headEnd/>
+              <a:tailEnd type="none" w="lg" len="lg"/>
+            </a:ln>
+            <a:effectLst/>
+          </p:spPr>
+          <p:txBody>
+            <a:bodyPr wrap="none" anchor="ctr"/>
+            <a:lstStyle/>
+            <a:p>
+              <a:pPr>
+                <a:spcBef>
+                  <a:spcPct val="0"/>
+                </a:spcBef>
+              </a:pPr>
+              <a:r>
+                <a:rPr lang="en-US" sz="2400" dirty="0" smtClean="0">
+                  <a:latin typeface="Comic Sans MS" pitchFamily="66" charset="0"/>
+                </a:rPr>
+                <a:t>8.02</a:t>
+              </a:r>
+              <a:endParaRPr lang="en-US" sz="2400" dirty="0">
+                <a:latin typeface="Comic Sans MS" pitchFamily="66" charset="0"/>
+              </a:endParaRPr>
+            </a:p>
+          </p:txBody>
+        </p:sp>
+      </p:grpSp>
     </p:spTree>
   </p:cSld>
   <p:clrMapOvr>
@@ -31389,26 +34720,39 @@
                                   </p:childTnLst>
                                 </p:cTn>
                               </p:par>
-                            </p:childTnLst>
-                          </p:cTn>
-                        </p:par>
-                      </p:childTnLst>
-                    </p:cTn>
-                  </p:par>
-                  <p:par>
-                    <p:cTn id="7" fill="hold">
-                      <p:stCondLst>
-                        <p:cond delay="indefinite"/>
-                      </p:stCondLst>
-                      <p:childTnLst>
-                        <p:par>
-                          <p:cTn id="8" fill="hold">
-                            <p:stCondLst>
-                              <p:cond delay="0"/>
-                            </p:stCondLst>
-                            <p:childTnLst>
                               <p:par>
-                                <p:cTn id="9" presetID="1" presetClass="entr" presetSubtype="0" fill="hold" nodeType="clickEffect">
+                                <p:cTn id="7" presetID="1" presetClass="entr" presetSubtype="0" fill="hold" nodeType="withEffect">
+                                  <p:stCondLst>
+                                    <p:cond delay="0"/>
+                                  </p:stCondLst>
+                                  <p:childTnLst>
+                                    <p:set>
+                                      <p:cBhvr>
+                                        <p:cTn id="8" dur="1" fill="hold">
+                                          <p:stCondLst>
+                                            <p:cond delay="0"/>
+                                          </p:stCondLst>
+                                        </p:cTn>
+                                        <p:tgtEl>
+                                          <p:spTgt spid="628738">
+                                            <p:txEl>
+                                              <p:pRg st="1" end="1"/>
+                                            </p:txEl>
+                                          </p:spTgt>
+                                        </p:tgtEl>
+                                        <p:attrNameLst>
+                                          <p:attrName>style.visibility</p:attrName>
+                                        </p:attrNameLst>
+                                      </p:cBhvr>
+                                      <p:to>
+                                        <p:strVal val="visible"/>
+                                      </p:to>
+                                    </p:set>
+                                  </p:childTnLst>
+                                </p:cTn>
+                              </p:par>
+                              <p:par>
+                                <p:cTn id="9" presetID="1" presetClass="entr" presetSubtype="0" fill="hold" nodeType="withEffect">
                                   <p:stCondLst>
                                     <p:cond delay="0"/>
                                   </p:stCondLst>
@@ -31423,7 +34767,7 @@
                                         <p:tgtEl>
                                           <p:spTgt spid="628738">
                                             <p:txEl>
-                                              <p:pRg st="1" end="1"/>
+                                              <p:pRg st="2" end="2"/>
                                             </p:txEl>
                                           </p:spTgt>
                                         </p:tgtEl>
@@ -31457,7 +34801,7 @@
                             </p:stCondLst>
                             <p:childTnLst>
                               <p:par>
-                                <p:cTn id="13" presetID="1" presetClass="entr" presetSubtype="0" fill="hold" nodeType="clickEffect">
+                                <p:cTn id="13" presetID="2" presetClass="entr" presetSubtype="8" accel="50000" decel="50000" fill="hold" grpId="0" nodeType="clickEffect">
                                   <p:stCondLst>
                                     <p:cond delay="0"/>
                                   </p:stCondLst>
@@ -31470,11 +34814,7 @@
                                           </p:stCondLst>
                                         </p:cTn>
                                         <p:tgtEl>
-                                          <p:spTgt spid="628738">
-                                            <p:txEl>
-                                              <p:pRg st="2" end="2"/>
-                                            </p:txEl>
-                                          </p:spTgt>
+                                          <p:spTgt spid="5"/>
                                         </p:tgtEl>
                                         <p:attrNameLst>
                                           <p:attrName>style.visibility</p:attrName>
@@ -31484,6 +34824,105 @@
                                         <p:strVal val="visible"/>
                                       </p:to>
                                     </p:set>
+                                    <p:anim calcmode="lin" valueType="num">
+                                      <p:cBhvr additive="base">
+                                        <p:cTn id="15" dur="500" fill="hold"/>
+                                        <p:tgtEl>
+                                          <p:spTgt spid="5"/>
+                                        </p:tgtEl>
+                                        <p:attrNameLst>
+                                          <p:attrName>ppt_x</p:attrName>
+                                        </p:attrNameLst>
+                                      </p:cBhvr>
+                                      <p:tavLst>
+                                        <p:tav tm="0">
+                                          <p:val>
+                                            <p:strVal val="0-#ppt_w/2"/>
+                                          </p:val>
+                                        </p:tav>
+                                        <p:tav tm="100000">
+                                          <p:val>
+                                            <p:strVal val="#ppt_x"/>
+                                          </p:val>
+                                        </p:tav>
+                                      </p:tavLst>
+                                    </p:anim>
+                                    <p:anim calcmode="lin" valueType="num">
+                                      <p:cBhvr additive="base">
+                                        <p:cTn id="16" dur="500" fill="hold"/>
+                                        <p:tgtEl>
+                                          <p:spTgt spid="5"/>
+                                        </p:tgtEl>
+                                        <p:attrNameLst>
+                                          <p:attrName>ppt_y</p:attrName>
+                                        </p:attrNameLst>
+                                      </p:cBhvr>
+                                      <p:tavLst>
+                                        <p:tav tm="0">
+                                          <p:val>
+                                            <p:strVal val="#ppt_y"/>
+                                          </p:val>
+                                        </p:tav>
+                                        <p:tav tm="100000">
+                                          <p:val>
+                                            <p:strVal val="#ppt_y"/>
+                                          </p:val>
+                                        </p:tav>
+                                      </p:tavLst>
+                                    </p:anim>
+                                  </p:childTnLst>
+                                </p:cTn>
+                              </p:par>
+                            </p:childTnLst>
+                          </p:cTn>
+                        </p:par>
+                      </p:childTnLst>
+                    </p:cTn>
+                  </p:par>
+                  <p:par>
+                    <p:cTn id="17" fill="hold">
+                      <p:stCondLst>
+                        <p:cond delay="indefinite"/>
+                      </p:stCondLst>
+                      <p:childTnLst>
+                        <p:par>
+                          <p:cTn id="18" fill="hold">
+                            <p:stCondLst>
+                              <p:cond delay="0"/>
+                            </p:stCondLst>
+                            <p:childTnLst>
+                              <p:par>
+                                <p:cTn id="19" presetID="8" presetClass="entr" presetSubtype="16" fill="hold" nodeType="clickEffect">
+                                  <p:stCondLst>
+                                    <p:cond delay="0"/>
+                                  </p:stCondLst>
+                                  <p:childTnLst>
+                                    <p:set>
+                                      <p:cBhvr>
+                                        <p:cTn id="20" dur="1" fill="hold">
+                                          <p:stCondLst>
+                                            <p:cond delay="0"/>
+                                          </p:stCondLst>
+                                        </p:cTn>
+                                        <p:tgtEl>
+                                          <p:spTgt spid="7"/>
+                                        </p:tgtEl>
+                                        <p:attrNameLst>
+                                          <p:attrName>style.visibility</p:attrName>
+                                        </p:attrNameLst>
+                                      </p:cBhvr>
+                                      <p:to>
+                                        <p:strVal val="visible"/>
+                                      </p:to>
+                                    </p:set>
+                                    <p:animEffect transition="in" filter="diamond(in)">
+                                      <p:cBhvr>
+                                        <p:cTn id="21" dur="1000"/>
+                                        <p:tgtEl>
+                                          <p:spTgt spid="7"/>
+                                        </p:tgtEl>
+                                      </p:cBhvr>
+                                    </p:animEffect>
                                   </p:childTnLst>
                                 </p:cTn>
                               </p:par>
@@ -31514,6 +34953,9 @@
         </p:cTn>
       </p:par>
     </p:tnLst>
+    <p:bldLst>
+      <p:bldP spid="5" grpId="0"/>
+    </p:bldLst>
   </p:timing>
 </p:sld>
 </file>
@@ -31619,19 +35061,7 @@
               <a:rPr lang="en-US" sz="4000" dirty="0" smtClean="0">
                 <a:latin typeface="Comic Sans MS" pitchFamily="66" charset="0"/>
               </a:rPr>
-              <a:t> </a:t>
-            </a:r>
-            <a:r>
-              <a:rPr lang="en-US" sz="4000" dirty="0" smtClean="0">
-                <a:latin typeface="Comic Sans MS" pitchFamily="66" charset="0"/>
-              </a:rPr>
-              <a:t>of</a:t>
-            </a:r>
-            <a:r>
-              <a:rPr lang="en-US" sz="4000" dirty="0" smtClean="0">
-                <a:latin typeface="Comic Sans MS" pitchFamily="66" charset="0"/>
-              </a:rPr>
-              <a:t> everything</a:t>
+              <a:t> of everything</a:t>
             </a:r>
           </a:p>
           <a:p>
@@ -31643,16 +35073,7 @@
                 </a:solidFill>
                 <a:latin typeface="Comic Sans MS" pitchFamily="66" charset="0"/>
               </a:rPr>
-              <a:t>none in this </a:t>
-            </a:r>
-            <a:r>
-              <a:rPr lang="en-US" sz="4400" dirty="0" smtClean="0">
-                <a:solidFill>
-                  <a:srgbClr val="B21EAB"/>
-                </a:solidFill>
-                <a:latin typeface="Comic Sans MS" pitchFamily="66" charset="0"/>
-              </a:rPr>
-              <a:t>example</a:t>
+              <a:t>none in this example</a:t>
             </a:r>
             <a:endParaRPr lang="en-US" sz="4400" dirty="0" smtClean="0">
               <a:latin typeface="Comic Sans MS" pitchFamily="66" charset="0"/>
@@ -31673,29 +35094,17 @@
               <a:rPr lang="en-US" sz="4400" dirty="0" smtClean="0">
                 <a:latin typeface="Comic Sans MS" pitchFamily="66" charset="0"/>
               </a:rPr>
-              <a:t>orientation </a:t>
-            </a:r>
+              <a:t>orientation week seminar on</a:t>
+            </a:r>
+          </a:p>
+          <a:p>
+            <a:pPr marL="742950" indent="-285750"/>
             <a:r>
               <a:rPr lang="en-US" sz="4400" dirty="0" smtClean="0">
                 <a:latin typeface="Comic Sans MS" pitchFamily="66" charset="0"/>
               </a:rPr>
-              <a:t>week seminar on</a:t>
-            </a:r>
-            <a:endParaRPr lang="en-US" sz="4400" dirty="0" smtClean="0">
-              <a:latin typeface="Comic Sans MS" pitchFamily="66" charset="0"/>
-            </a:endParaRPr>
-          </a:p>
-          <a:p>
-            <a:pPr marL="742950" indent="-285750"/>
-            <a:r>
-              <a:rPr lang="en-US" sz="4400" dirty="0" smtClean="0">
-                <a:latin typeface="Comic Sans MS" pitchFamily="66" charset="0"/>
-              </a:rPr>
               <a:t>on summer book assignment  </a:t>
             </a:r>
-            <a:endParaRPr lang="en-US" sz="4400" dirty="0" smtClean="0">
-              <a:latin typeface="Comic Sans MS" pitchFamily="66" charset="0"/>
-            </a:endParaRPr>
           </a:p>
         </p:txBody>
       </p:sp>
@@ -31723,11 +35132,7 @@
           <a:p>
             <a:r>
               <a:rPr lang="en-US" dirty="0" smtClean="0"/>
-              <a:t>a </a:t>
-            </a:r>
-            <a:r>
-              <a:rPr lang="en-US" dirty="0" smtClean="0"/>
-              <a:t>minim</a:t>
+              <a:t>a minim</a:t>
             </a:r>
             <a:r>
               <a:rPr lang="en-US" dirty="0" smtClean="0">
@@ -31739,11 +35144,7 @@
             </a:r>
             <a:r>
               <a:rPr lang="en-US" dirty="0" smtClean="0"/>
-              <a:t> </a:t>
-            </a:r>
-            <a:r>
-              <a:rPr lang="en-US" dirty="0" smtClean="0"/>
-              <a:t>subject?</a:t>
+              <a:t> subject?</a:t>
             </a:r>
             <a:endParaRPr lang="en-US" dirty="0"/>
           </a:p>
@@ -31780,7 +35181,7 @@
           <a:p>
             <a:r>
               <a:rPr lang="en-US" dirty="0" smtClean="0"/>
-              <a:t>4F.</a:t>
+              <a:t>6F.</a:t>
             </a:r>
             <a:fld id="{CA4C0C47-BA92-4669-BC5C-D64A96AF3D01}" type="slidenum">
               <a:rPr lang="en-US" smtClean="0"/>
@@ -32042,7 +35443,7 @@
 </file>
 
 <file path=ppt/slides/slide7.xml><?xml version="1.0" encoding="utf-8"?>
-<p:sld xmlns:a="http://schemas.openxmlformats.org/drawingml/2006/main" xmlns:r="http://schemas.openxmlformats.org/officeDocument/2006/relationships" xmlns:mc="http://schemas.openxmlformats.org/markup-compatibility/2006" xmlns:mv="urn:schemas-microsoft-com:mac:vml" xmlns:p="http://schemas.openxmlformats.org/presentationml/2006/main" mc:Ignorable="mv" mc:PreserveAttributes="mv:*">
+<p:sld xmlns:a="http://schemas.openxmlformats.org/drawingml/2006/main" xmlns:r="http://schemas.openxmlformats.org/officeDocument/2006/relationships" xmlns:mc="http://schemas.openxmlformats.org/markup-compatibility/2006" xmlns:mv="urn:schemas-microsoft-com:mac:vml" xmlns:p="http://schemas.openxmlformats.org/presentationml/2006/main" mc:Ignorable="mv" mc:PreserveAttributes="mv:*" show="0">
   <p:cSld>
     <p:spTree>
       <p:nvGrpSpPr>
@@ -32127,7 +35528,7 @@
           <a:p>
             <a:r>
               <a:rPr lang="en-US" dirty="0" smtClean="0"/>
-              <a:t>4F.</a:t>
+              <a:t>6F.</a:t>
             </a:r>
             <a:fld id="{CA4C0C47-BA92-4669-BC5C-D64A96AF3D01}" type="slidenum">
               <a:rPr lang="en-US" smtClean="0"/>
@@ -32308,6 +35709,7 @@
   <p:clrMapOvr>
     <a:masterClrMapping/>
   </p:clrMapOvr>
+  <p:transition/>
   <p:timing>
     <p:tnLst>
       <p:par>
@@ -32481,13 +35883,7 @@
               <a:rPr lang="en-US" sz="4400" dirty="0" smtClean="0">
                 <a:latin typeface="Comic Sans MS" pitchFamily="66" charset="0"/>
               </a:rPr>
-              <a:t>nothing else is</a:t>
-            </a:r>
-            <a:r>
-              <a:rPr lang="en-US" sz="4400" dirty="0" smtClean="0">
-                <a:latin typeface="Comic Sans MS" pitchFamily="66" charset="0"/>
-              </a:rPr>
-              <a:t> earlier</a:t>
+              <a:t>nothing else is earlier</a:t>
             </a:r>
             <a:endParaRPr lang="en-US" sz="4400" dirty="0">
               <a:latin typeface="Comic Sans MS" pitchFamily="66" charset="0"/>
@@ -32593,13 +35989,7 @@
               <a:rPr lang="en-US" sz="4400" dirty="0" smtClean="0">
                 <a:latin typeface="Comic Sans MS" pitchFamily="66" charset="0"/>
               </a:rPr>
-              <a:t>earli</a:t>
-            </a:r>
-            <a:r>
-              <a:rPr lang="en-US" sz="4400" dirty="0" smtClean="0">
-                <a:latin typeface="Comic Sans MS" pitchFamily="66" charset="0"/>
-              </a:rPr>
-              <a:t>er </a:t>
+              <a:t>earlier </a:t>
             </a:r>
             <a:r>
               <a:rPr lang="en-US" sz="4400" dirty="0">
@@ -32709,7 +36099,7 @@
           <a:p>
             <a:r>
               <a:rPr lang="en-US" dirty="0" smtClean="0"/>
-              <a:t>4F.</a:t>
+              <a:t>6F.</a:t>
             </a:r>
             <a:fld id="{CA4C0C47-BA92-4669-BC5C-D64A96AF3D01}" type="slidenum">
               <a:rPr lang="en-US" smtClean="0"/>
@@ -33554,7 +36944,7 @@
           <a:p>
             <a:r>
               <a:rPr lang="en-US" dirty="0" smtClean="0"/>
-              <a:t>4F.</a:t>
+              <a:t>6F.</a:t>
             </a:r>
             <a:fld id="{CA4C0C47-BA92-4669-BC5C-D64A96AF3D01}" type="slidenum">
               <a:rPr lang="en-US" smtClean="0"/>

--- a/spring11/slides11/slides6f.pptx
+++ b/spring11/slides11/slides6f.pptx
@@ -35,10 +35,10 @@
     <p:sldId id="381" r:id="rId23"/>
     <p:sldId id="285" r:id="rId24"/>
     <p:sldId id="337" r:id="rId25"/>
-    <p:sldId id="287" r:id="rId26"/>
-    <p:sldId id="338" r:id="rId27"/>
-    <p:sldId id="339" r:id="rId28"/>
-    <p:sldId id="292" r:id="rId29"/>
+    <p:sldId id="338" r:id="rId26"/>
+    <p:sldId id="339" r:id="rId27"/>
+    <p:sldId id="292" r:id="rId28"/>
+    <p:sldId id="287" r:id="rId29"/>
     <p:sldId id="293" r:id="rId30"/>
     <p:sldId id="374" r:id="rId31"/>
     <p:sldId id="294" r:id="rId32"/>
@@ -273,7 +273,7 @@
             <a:fld id="{7E67CB53-8D3C-47BE-A7FA-F662C961B657}" type="datetimeFigureOut">
               <a:rPr lang="en-US" smtClean="0"/>
               <a:pPr/>
-              <a:t>3/10/11</a:t>
+              <a:t>3/11/11</a:t>
             </a:fld>
             <a:endParaRPr lang="en-US"/>
           </a:p>
@@ -435,7 +435,7 @@
             <a:fld id="{EFF6E4C5-D825-46D1-9B47-4B12017997CB}" type="datetimeFigureOut">
               <a:rPr lang="en-US" smtClean="0"/>
               <a:pPr/>
-              <a:t>3/10/11</a:t>
+              <a:t>3/11/11</a:t>
             </a:fld>
             <a:endParaRPr lang="en-US"/>
           </a:p>
@@ -2163,7 +2163,7 @@
           <a:bodyPr/>
           <a:lstStyle/>
           <a:p>
-            <a:fld id="{C351C094-B5DB-4438-ADA9-FFFA6681FCCF}" type="slidenum">
+            <a:fld id="{6C280F22-40E1-47F9-BBD1-63255FC34830}" type="slidenum">
               <a:rPr lang="en-US"/>
               <a:pPr/>
               <a:t>25</a:t>
@@ -2174,7 +2174,7 @@
       </p:sp>
       <p:sp>
         <p:nvSpPr>
-          <p:cNvPr id="760834" name="Rectangle 2"/>
+          <p:cNvPr id="756738" name="Rectangle 2"/>
           <p:cNvSpPr>
             <a:spLocks noGrp="1" noRot="1" noChangeAspect="1" noChangeArrowheads="1" noTextEdit="1"/>
           </p:cNvSpPr>
@@ -2188,7 +2188,7 @@
       </p:sp>
       <p:sp>
         <p:nvSpPr>
-          <p:cNvPr id="760835" name="Rectangle 3"/>
+          <p:cNvPr id="756739" name="Rectangle 3"/>
           <p:cNvSpPr>
             <a:spLocks noGrp="1" noChangeArrowheads="1"/>
           </p:cNvSpPr>
@@ -2331,7 +2331,7 @@
           <a:bodyPr/>
           <a:lstStyle/>
           <a:p>
-            <a:fld id="{6C280F22-40E1-47F9-BBD1-63255FC34830}" type="slidenum">
+            <a:fld id="{90923367-420B-438F-99D4-B4C3CAF0043F}" type="slidenum">
               <a:rPr lang="en-US"/>
               <a:pPr/>
               <a:t>27</a:t>
@@ -2342,7 +2342,7 @@
       </p:sp>
       <p:sp>
         <p:nvSpPr>
-          <p:cNvPr id="756738" name="Rectangle 2"/>
+          <p:cNvPr id="720898" name="Rectangle 2"/>
           <p:cNvSpPr>
             <a:spLocks noGrp="1" noRot="1" noChangeAspect="1" noChangeArrowheads="1" noTextEdit="1"/>
           </p:cNvSpPr>
@@ -2356,7 +2356,7 @@
       </p:sp>
       <p:sp>
         <p:nvSpPr>
-          <p:cNvPr id="756739" name="Rectangle 3"/>
+          <p:cNvPr id="720899" name="Rectangle 3"/>
           <p:cNvSpPr>
             <a:spLocks noGrp="1" noChangeArrowheads="1"/>
           </p:cNvSpPr>
@@ -2415,7 +2415,7 @@
           <a:bodyPr/>
           <a:lstStyle/>
           <a:p>
-            <a:fld id="{90923367-420B-438F-99D4-B4C3CAF0043F}" type="slidenum">
+            <a:fld id="{C351C094-B5DB-4438-ADA9-FFFA6681FCCF}" type="slidenum">
               <a:rPr lang="en-US"/>
               <a:pPr/>
               <a:t>28</a:t>
@@ -2426,7 +2426,7 @@
       </p:sp>
       <p:sp>
         <p:nvSpPr>
-          <p:cNvPr id="720898" name="Rectangle 2"/>
+          <p:cNvPr id="760834" name="Rectangle 2"/>
           <p:cNvSpPr>
             <a:spLocks noGrp="1" noRot="1" noChangeAspect="1" noChangeArrowheads="1" noTextEdit="1"/>
           </p:cNvSpPr>
@@ -2440,7 +2440,7 @@
       </p:sp>
       <p:sp>
         <p:nvSpPr>
-          <p:cNvPr id="720899" name="Rectangle 3"/>
+          <p:cNvPr id="760835" name="Rectangle 3"/>
           <p:cNvSpPr>
             <a:spLocks noGrp="1" noChangeArrowheads="1"/>
           </p:cNvSpPr>
@@ -5260,11 +5260,7 @@
           <a:p>
             <a:r>
               <a:rPr lang="en-US" dirty="0" smtClean="0"/>
-              <a:t>6F</a:t>
-            </a:r>
-            <a:r>
-              <a:rPr lang="en-US" dirty="0" smtClean="0"/>
-              <a:t>.</a:t>
+              <a:t>6F.</a:t>
             </a:r>
             <a:fld id="{CA4C0C47-BA92-4669-BC5C-D64A96AF3D01}" type="slidenum">
               <a:rPr lang="en-US" smtClean="0"/>
@@ -5446,22 +5442,7 @@
                 <a:uFillTx/>
                 <a:latin typeface="Comic Sans MS" pitchFamily="66" charset="0"/>
               </a:rPr>
-              <a:t>Albert R </a:t>
-            </a:r>
-            <a:r>
-              <a:rPr kumimoji="0" lang="en-US" sz="1200" b="0" i="0" u="none" strike="noStrike" kern="1200" cap="none" spc="0" normalizeH="0" baseline="0" noProof="0" dirty="0" smtClean="0">
-                <a:ln>
-                  <a:noFill/>
-                </a:ln>
-                <a:solidFill>
-                  <a:schemeClr val="tx1"/>
-                </a:solidFill>
-                <a:effectLst/>
-                <a:uLnTx/>
-                <a:uFillTx/>
-                <a:latin typeface="Comic Sans MS" pitchFamily="66" charset="0"/>
-              </a:rPr>
-              <a:t>Meyer       March 11. 2011</a:t>
+              <a:t>Albert R Meyer       March 11. 2011</a:t>
             </a:r>
             <a:endParaRPr kumimoji="0" lang="en-US" sz="1200" b="0" i="0" u="none" strike="noStrike" kern="1200" cap="none" spc="0" normalizeH="0" baseline="0" noProof="0" dirty="0">
               <a:ln>
@@ -12039,7 +12020,6 @@
               <a:rPr lang="en-US" sz="4000" dirty="0" smtClean="0"/>
               <a:t>--called “incomparable”</a:t>
             </a:r>
-            <a:endParaRPr lang="en-US" sz="4000" dirty="0" smtClean="0"/>
           </a:p>
           <a:p>
             <a:pPr>
@@ -12212,15 +12192,7 @@
                   <a:srgbClr val="000000"/>
                 </a:solidFill>
               </a:rPr>
-              <a:t> </a:t>
-            </a:r>
-            <a:r>
-              <a:rPr lang="en-US" sz="4000" dirty="0" smtClean="0">
-                <a:solidFill>
-                  <a:srgbClr val="000000"/>
-                </a:solidFill>
-              </a:rPr>
-              <a:t>from</a:t>
+              <a:t> from</a:t>
             </a:r>
             <a:r>
               <a:rPr lang="en-US" sz="4000" dirty="0" smtClean="0">
@@ -17277,9 +17249,6 @@
                 </a:rPr>
                 <a:t>chain</a:t>
               </a:r>
-              <a:endParaRPr lang="en-US" sz="4800" dirty="0" smtClean="0">
-                <a:latin typeface="Comic Sans MS" pitchFamily="66" charset="0"/>
-              </a:endParaRPr>
             </a:p>
           </p:txBody>
         </p:sp>
@@ -20586,930 +20555,6 @@
       </p:grpSpPr>
       <p:sp>
         <p:nvSpPr>
-          <p:cNvPr id="759810" name="Rectangle 2"/>
-          <p:cNvSpPr>
-            <a:spLocks noGrp="1" noChangeArrowheads="1"/>
-          </p:cNvSpPr>
-          <p:nvPr>
-            <p:ph type="title"/>
-          </p:nvPr>
-        </p:nvSpPr>
-        <p:spPr>
-          <a:xfrm>
-            <a:off x="980754" y="325347"/>
-            <a:ext cx="7182492" cy="1184953"/>
-          </a:xfrm>
-        </p:spPr>
-        <p:txBody>
-          <a:bodyPr>
-            <a:normAutofit/>
-          </a:bodyPr>
-          <a:lstStyle/>
-          <a:p>
-            <a:r>
-              <a:rPr lang="en-US" sz="4400" dirty="0"/>
-              <a:t> </a:t>
-            </a:r>
-            <a:r>
-              <a:rPr lang="en-US" sz="4400" dirty="0" smtClean="0"/>
-              <a:t>parallel </a:t>
-            </a:r>
-            <a:r>
-              <a:rPr lang="en-US" sz="4400" dirty="0"/>
-              <a:t>p</a:t>
-            </a:r>
-            <a:r>
-              <a:rPr lang="en-US" sz="4400" dirty="0" smtClean="0"/>
-              <a:t>rocessing </a:t>
-            </a:r>
-            <a:r>
-              <a:rPr lang="en-US" sz="4400" dirty="0"/>
-              <a:t>t</a:t>
-            </a:r>
-            <a:r>
-              <a:rPr lang="en-US" sz="4400" dirty="0" smtClean="0"/>
-              <a:t>ime</a:t>
-            </a:r>
-            <a:endParaRPr lang="en-US" sz="4400" dirty="0"/>
-          </a:p>
-        </p:txBody>
-      </p:sp>
-      <p:sp>
-        <p:nvSpPr>
-          <p:cNvPr id="759811" name="Rectangle 3"/>
-          <p:cNvSpPr>
-            <a:spLocks noGrp="1" noChangeArrowheads="1"/>
-          </p:cNvSpPr>
-          <p:nvPr>
-            <p:ph type="body" sz="half" idx="1"/>
-          </p:nvPr>
-        </p:nvSpPr>
-        <p:spPr>
-          <a:xfrm>
-            <a:off x="152400" y="2187528"/>
-            <a:ext cx="8839200" cy="4610100"/>
-          </a:xfrm>
-        </p:spPr>
-        <p:txBody>
-          <a:bodyPr>
-            <a:normAutofit/>
-          </a:bodyPr>
-          <a:lstStyle/>
-          <a:p>
-            <a:pPr>
-              <a:buFontTx/>
-              <a:buNone/>
-            </a:pPr>
-            <a:r>
-              <a:rPr lang="en-US" sz="4000" dirty="0" smtClean="0">
-                <a:solidFill>
-                  <a:srgbClr val="0033CC"/>
-                </a:solidFill>
-              </a:rPr>
-              <a:t>  </a:t>
-            </a:r>
-            <a:r>
-              <a:rPr lang="en-US" sz="4000" dirty="0" smtClean="0">
-                <a:solidFill>
-                  <a:srgbClr val="1E03BD"/>
-                </a:solidFill>
-              </a:rPr>
-              <a:t>min</a:t>
-            </a:r>
-            <a:r>
-              <a:rPr lang="en-US" sz="4000" dirty="0" smtClean="0">
-                <a:solidFill>
-                  <a:srgbClr val="0033CC"/>
-                </a:solidFill>
-              </a:rPr>
-              <a:t> </a:t>
-            </a:r>
-            <a:r>
-              <a:rPr lang="en-US" sz="4000" dirty="0">
-                <a:solidFill>
-                  <a:srgbClr val="05811A"/>
-                </a:solidFill>
-              </a:rPr>
-              <a:t>parallel </a:t>
-            </a:r>
-            <a:r>
-              <a:rPr lang="en-US" sz="4000" dirty="0" smtClean="0">
-                <a:solidFill>
-                  <a:srgbClr val="05811A"/>
-                </a:solidFill>
-              </a:rPr>
-              <a:t>time</a:t>
-            </a:r>
-            <a:endParaRPr lang="en-US" sz="4000" dirty="0">
-              <a:solidFill>
-                <a:srgbClr val="05811A"/>
-              </a:solidFill>
-            </a:endParaRPr>
-          </a:p>
-          <a:p>
-            <a:pPr>
-              <a:lnSpc>
-                <a:spcPct val="150000"/>
-              </a:lnSpc>
-              <a:buFontTx/>
-              <a:buNone/>
-            </a:pPr>
-            <a:r>
-              <a:rPr lang="en-US" sz="4400" dirty="0">
-                <a:solidFill>
-                  <a:srgbClr val="0033CC"/>
-                </a:solidFill>
-              </a:rPr>
-              <a:t>  </a:t>
-            </a:r>
-            <a:r>
-              <a:rPr lang="en-US" sz="4400" dirty="0" smtClean="0"/>
-              <a:t>max term load:</a:t>
-            </a:r>
-          </a:p>
-          <a:p>
-            <a:pPr>
-              <a:buFontTx/>
-              <a:buNone/>
-            </a:pPr>
-            <a:r>
-              <a:rPr lang="en-US" sz="4400" dirty="0" smtClean="0">
-                <a:solidFill>
-                  <a:srgbClr val="008000"/>
-                </a:solidFill>
-              </a:rPr>
-              <a:t># processors </a:t>
-            </a:r>
-            <a:r>
-              <a:rPr lang="en-US" sz="4400" dirty="0" smtClean="0"/>
-              <a:t>for min time</a:t>
-            </a:r>
-            <a:endParaRPr lang="en-US" sz="4400" dirty="0"/>
-          </a:p>
-          <a:p>
-            <a:pPr>
-              <a:buFontTx/>
-              <a:buNone/>
-            </a:pPr>
-            <a:r>
-              <a:rPr lang="en-US" sz="4400" dirty="0"/>
-              <a:t>    </a:t>
-            </a:r>
-            <a:r>
-              <a:rPr lang="en-US" sz="4400" dirty="0" smtClean="0">
-                <a:solidFill>
-                  <a:srgbClr val="008000"/>
-                </a:solidFill>
-                <a:latin typeface="Symbol" pitchFamily="18" charset="2"/>
-                <a:sym typeface="Symbol" pitchFamily="18" charset="2"/>
-              </a:rPr>
-              <a:t>             </a:t>
-            </a:r>
-            <a:r>
-              <a:rPr lang="en-US" sz="4400" b="1" dirty="0" smtClean="0">
-                <a:latin typeface="Symbol" pitchFamily="18" charset="2"/>
-                <a:sym typeface="Math1"/>
-              </a:rPr>
-              <a:t>≤</a:t>
-            </a:r>
-            <a:r>
-              <a:rPr lang="en-US" sz="4400" dirty="0" smtClean="0">
-                <a:solidFill>
-                  <a:srgbClr val="008000"/>
-                </a:solidFill>
-              </a:rPr>
-              <a:t> max </a:t>
-            </a:r>
-            <a:r>
-              <a:rPr lang="en-US" sz="4400" dirty="0" err="1" smtClean="0">
-                <a:solidFill>
-                  <a:srgbClr val="008000"/>
-                </a:solidFill>
-              </a:rPr>
-              <a:t>antichain</a:t>
-            </a:r>
-            <a:r>
-              <a:rPr lang="en-US" sz="4400" dirty="0" smtClean="0">
-                <a:solidFill>
-                  <a:srgbClr val="008000"/>
-                </a:solidFill>
-              </a:rPr>
-              <a:t> size</a:t>
-            </a:r>
-            <a:endParaRPr lang="en-US" sz="4400" dirty="0">
-              <a:solidFill>
-                <a:srgbClr val="008000"/>
-              </a:solidFill>
-            </a:endParaRPr>
-          </a:p>
-        </p:txBody>
-      </p:sp>
-      <p:grpSp>
-        <p:nvGrpSpPr>
-          <p:cNvPr id="12" name="Group 11"/>
-          <p:cNvGrpSpPr/>
-          <p:nvPr/>
-        </p:nvGrpSpPr>
-        <p:grpSpPr>
-          <a:xfrm>
-            <a:off x="3225421" y="5314824"/>
-            <a:ext cx="4748981" cy="1100570"/>
-            <a:chOff x="2424049" y="4534000"/>
-            <a:chExt cx="4748981" cy="1100570"/>
-          </a:xfrm>
-        </p:grpSpPr>
-        <p:sp>
-          <p:nvSpPr>
-            <p:cNvPr id="6" name="Right Brace 5"/>
-            <p:cNvSpPr/>
-            <p:nvPr/>
-          </p:nvSpPr>
-          <p:spPr>
-            <a:xfrm rot="5400000">
-              <a:off x="4537985" y="2420064"/>
-              <a:ext cx="521110" cy="4748981"/>
-            </a:xfrm>
-            <a:prstGeom prst="rightBrace">
-              <a:avLst/>
-            </a:prstGeom>
-            <a:ln w="25400">
-              <a:solidFill>
-                <a:schemeClr val="tx1"/>
-              </a:solidFill>
-              <a:prstDash val="sysDash"/>
-            </a:ln>
-          </p:spPr>
-          <p:style>
-            <a:lnRef idx="1">
-              <a:schemeClr val="accent1"/>
-            </a:lnRef>
-            <a:fillRef idx="0">
-              <a:schemeClr val="accent1"/>
-            </a:fillRef>
-            <a:effectRef idx="0">
-              <a:schemeClr val="accent1"/>
-            </a:effectRef>
-            <a:fontRef idx="minor">
-              <a:schemeClr val="tx1"/>
-            </a:fontRef>
-          </p:style>
-          <p:txBody>
-            <a:bodyPr rtlCol="0" anchor="ctr"/>
-            <a:lstStyle/>
-            <a:p>
-              <a:pPr algn="ctr"/>
-              <a:endParaRPr lang="en-US"/>
-            </a:p>
-          </p:txBody>
-        </p:sp>
-        <p:sp>
-          <p:nvSpPr>
-            <p:cNvPr id="11" name="TextBox 10"/>
-            <p:cNvSpPr txBox="1"/>
-            <p:nvPr/>
-          </p:nvSpPr>
-          <p:spPr>
-            <a:xfrm>
-              <a:off x="3401297" y="5049795"/>
-              <a:ext cx="3087329" cy="584775"/>
-            </a:xfrm>
-            <a:prstGeom prst="rect">
-              <a:avLst/>
-            </a:prstGeom>
-            <a:noFill/>
-          </p:spPr>
-          <p:txBody>
-            <a:bodyPr wrap="square" rtlCol="0">
-              <a:spAutoFit/>
-            </a:bodyPr>
-            <a:lstStyle/>
-            <a:p>
-              <a:r>
-                <a:rPr lang="en-US" sz="3200" dirty="0" smtClean="0">
-                  <a:latin typeface="Comic Sans MS" pitchFamily="66" charset="0"/>
-                </a:rPr>
-                <a:t>5 in this case</a:t>
-              </a:r>
-              <a:endParaRPr lang="en-US" sz="3200" dirty="0">
-                <a:latin typeface="Comic Sans MS" pitchFamily="66" charset="0"/>
-              </a:endParaRPr>
-            </a:p>
-          </p:txBody>
-        </p:sp>
-      </p:grpSp>
-      <p:sp>
-        <p:nvSpPr>
-          <p:cNvPr id="16" name="Rectangle 15"/>
-          <p:cNvSpPr/>
-          <p:nvPr/>
-        </p:nvSpPr>
-        <p:spPr>
-          <a:xfrm>
-            <a:off x="328773" y="2167836"/>
-            <a:ext cx="8507002" cy="873303"/>
-          </a:xfrm>
-          <a:prstGeom prst="rect">
-            <a:avLst/>
-          </a:prstGeom>
-          <a:noFill/>
-          <a:ln w="31750">
-            <a:solidFill>
-              <a:srgbClr val="FF00FF"/>
-            </a:solidFill>
-            <a:prstDash val="sysDash"/>
-          </a:ln>
-        </p:spPr>
-        <p:style>
-          <a:lnRef idx="2">
-            <a:schemeClr val="accent1">
-              <a:shade val="50000"/>
-            </a:schemeClr>
-          </a:lnRef>
-          <a:fillRef idx="1">
-            <a:schemeClr val="accent1"/>
-          </a:fillRef>
-          <a:effectRef idx="0">
-            <a:schemeClr val="accent1"/>
-          </a:effectRef>
-          <a:fontRef idx="minor">
-            <a:schemeClr val="lt1"/>
-          </a:fontRef>
-        </p:style>
-        <p:txBody>
-          <a:bodyPr rtlCol="0" anchor="ctr"/>
-          <a:lstStyle/>
-          <a:p>
-            <a:pPr algn="ctr"/>
-            <a:endParaRPr lang="en-US"/>
-          </a:p>
-        </p:txBody>
-      </p:sp>
-      <p:sp>
-        <p:nvSpPr>
-          <p:cNvPr id="17" name="Rectangle 16"/>
-          <p:cNvSpPr/>
-          <p:nvPr/>
-        </p:nvSpPr>
-        <p:spPr>
-          <a:xfrm>
-            <a:off x="164387" y="4068550"/>
-            <a:ext cx="8435083" cy="1623317"/>
-          </a:xfrm>
-          <a:prstGeom prst="rect">
-            <a:avLst/>
-          </a:prstGeom>
-          <a:noFill/>
-          <a:ln w="31750">
-            <a:solidFill>
-              <a:srgbClr val="FF00FF"/>
-            </a:solidFill>
-            <a:prstDash val="sysDash"/>
-          </a:ln>
-        </p:spPr>
-        <p:style>
-          <a:lnRef idx="2">
-            <a:schemeClr val="accent1">
-              <a:shade val="50000"/>
-            </a:schemeClr>
-          </a:lnRef>
-          <a:fillRef idx="1">
-            <a:schemeClr val="accent1"/>
-          </a:fillRef>
-          <a:effectRef idx="0">
-            <a:schemeClr val="accent1"/>
-          </a:effectRef>
-          <a:fontRef idx="minor">
-            <a:schemeClr val="lt1"/>
-          </a:fontRef>
-        </p:style>
-        <p:txBody>
-          <a:bodyPr rtlCol="0" anchor="ctr"/>
-          <a:lstStyle/>
-          <a:p>
-            <a:pPr algn="ctr"/>
-            <a:endParaRPr lang="en-US"/>
-          </a:p>
-        </p:txBody>
-      </p:sp>
-      <p:sp>
-        <p:nvSpPr>
-          <p:cNvPr id="18" name="TextBox 17"/>
-          <p:cNvSpPr txBox="1"/>
-          <p:nvPr/>
-        </p:nvSpPr>
-        <p:spPr>
-          <a:xfrm>
-            <a:off x="318502" y="1407565"/>
-            <a:ext cx="6264857" cy="707886"/>
-          </a:xfrm>
-          <a:prstGeom prst="rect">
-            <a:avLst/>
-          </a:prstGeom>
-          <a:noFill/>
-        </p:spPr>
-        <p:txBody>
-          <a:bodyPr wrap="none" rtlCol="0">
-            <a:spAutoFit/>
-          </a:bodyPr>
-          <a:lstStyle/>
-          <a:p>
-            <a:r>
-              <a:rPr lang="en-US" sz="4000" dirty="0" smtClean="0">
-                <a:latin typeface="Comic Sans MS" pitchFamily="66" charset="0"/>
-              </a:rPr>
-              <a:t>min # terms to graduate:</a:t>
-            </a:r>
-            <a:endParaRPr lang="en-US" sz="4000" dirty="0">
-              <a:latin typeface="Comic Sans MS" pitchFamily="66" charset="0"/>
-            </a:endParaRPr>
-          </a:p>
-        </p:txBody>
-      </p:sp>
-      <p:sp>
-        <p:nvSpPr>
-          <p:cNvPr id="19" name="TextBox 18"/>
-          <p:cNvSpPr txBox="1"/>
-          <p:nvPr/>
-        </p:nvSpPr>
-        <p:spPr>
-          <a:xfrm>
-            <a:off x="4572000" y="2219218"/>
-            <a:ext cx="4059125" cy="707886"/>
-          </a:xfrm>
-          <a:prstGeom prst="rect">
-            <a:avLst/>
-          </a:prstGeom>
-          <a:noFill/>
-        </p:spPr>
-        <p:txBody>
-          <a:bodyPr wrap="none" rtlCol="0">
-            <a:spAutoFit/>
-          </a:bodyPr>
-          <a:lstStyle/>
-          <a:p>
-            <a:r>
-              <a:rPr lang="en-US" sz="4000" dirty="0" smtClean="0">
-                <a:latin typeface="Comic Sans MS" pitchFamily="66" charset="0"/>
-              </a:rPr>
-              <a:t>= </a:t>
-            </a:r>
-            <a:r>
-              <a:rPr lang="en-US" sz="4000" dirty="0" smtClean="0">
-                <a:solidFill>
-                  <a:srgbClr val="0033CC"/>
-                </a:solidFill>
-                <a:latin typeface="Comic Sans MS" pitchFamily="66" charset="0"/>
-              </a:rPr>
-              <a:t>max </a:t>
-            </a:r>
-            <a:r>
-              <a:rPr lang="en-US" sz="4000" dirty="0" smtClean="0">
-                <a:solidFill>
-                  <a:srgbClr val="05811A"/>
-                </a:solidFill>
-                <a:latin typeface="Comic Sans MS" pitchFamily="66" charset="0"/>
-              </a:rPr>
-              <a:t>chain size</a:t>
-            </a:r>
-            <a:endParaRPr lang="en-US" dirty="0">
-              <a:solidFill>
-                <a:srgbClr val="05811A"/>
-              </a:solidFill>
-            </a:endParaRPr>
-          </a:p>
-        </p:txBody>
-      </p:sp>
-      <p:sp>
-        <p:nvSpPr>
-          <p:cNvPr id="21" name="Slide Number Placeholder 5"/>
-          <p:cNvSpPr>
-            <a:spLocks noGrp="1"/>
-          </p:cNvSpPr>
-          <p:nvPr>
-            <p:ph type="sldNum" sz="quarter" idx="4"/>
-          </p:nvPr>
-        </p:nvSpPr>
-        <p:spPr>
-          <a:xfrm>
-            <a:off x="8237750" y="6596742"/>
-            <a:ext cx="906250" cy="261257"/>
-          </a:xfrm>
-          <a:prstGeom prst="rect">
-            <a:avLst/>
-          </a:prstGeom>
-        </p:spPr>
-        <p:txBody>
-          <a:bodyPr/>
-          <a:lstStyle>
-            <a:lvl1pPr>
-              <a:defRPr sz="1200">
-                <a:latin typeface="Comic Sans MS" pitchFamily="66" charset="0"/>
-              </a:defRPr>
-            </a:lvl1pPr>
-          </a:lstStyle>
-          <a:p>
-            <a:r>
-              <a:rPr lang="en-US" dirty="0" smtClean="0"/>
-              <a:t>6F.</a:t>
-            </a:r>
-            <a:fld id="{CA4C0C47-BA92-4669-BC5C-D64A96AF3D01}" type="slidenum">
-              <a:rPr lang="en-US" smtClean="0"/>
-              <a:pPr/>
-              <a:t>25</a:t>
-            </a:fld>
-            <a:endParaRPr lang="en-US" dirty="0"/>
-          </a:p>
-        </p:txBody>
-      </p:sp>
-    </p:spTree>
-  </p:cSld>
-  <p:clrMapOvr>
-    <a:masterClrMapping/>
-  </p:clrMapOvr>
-  <p:transition/>
-  <p:timing>
-    <p:tnLst>
-      <p:par>
-        <p:cTn id="1" dur="indefinite" restart="never" nodeType="tmRoot">
-          <p:childTnLst>
-            <p:seq concurrent="1" nextAc="seek">
-              <p:cTn id="2" dur="indefinite" nodeType="mainSeq">
-                <p:childTnLst>
-                  <p:par>
-                    <p:cTn id="3" fill="hold">
-                      <p:stCondLst>
-                        <p:cond delay="indefinite"/>
-                      </p:stCondLst>
-                      <p:childTnLst>
-                        <p:par>
-                          <p:cTn id="4" fill="hold">
-                            <p:stCondLst>
-                              <p:cond delay="0"/>
-                            </p:stCondLst>
-                            <p:childTnLst>
-                              <p:par>
-                                <p:cTn id="5" presetID="1" presetClass="entr" presetSubtype="0" fill="hold" grpId="0" nodeType="clickEffect">
-                                  <p:stCondLst>
-                                    <p:cond delay="0"/>
-                                  </p:stCondLst>
-                                  <p:childTnLst>
-                                    <p:set>
-                                      <p:cBhvr>
-                                        <p:cTn id="6" dur="1" fill="hold">
-                                          <p:stCondLst>
-                                            <p:cond delay="0"/>
-                                          </p:stCondLst>
-                                        </p:cTn>
-                                        <p:tgtEl>
-                                          <p:spTgt spid="19"/>
-                                        </p:tgtEl>
-                                        <p:attrNameLst>
-                                          <p:attrName>style.visibility</p:attrName>
-                                        </p:attrNameLst>
-                                      </p:cBhvr>
-                                      <p:to>
-                                        <p:strVal val="visible"/>
-                                      </p:to>
-                                    </p:set>
-                                  </p:childTnLst>
-                                </p:cTn>
-                              </p:par>
-                            </p:childTnLst>
-                          </p:cTn>
-                        </p:par>
-                        <p:par>
-                          <p:cTn id="7" fill="hold">
-                            <p:stCondLst>
-                              <p:cond delay="0"/>
-                            </p:stCondLst>
-                            <p:childTnLst>
-                              <p:par>
-                                <p:cTn id="8" presetID="9" presetClass="entr" presetSubtype="0" fill="hold" grpId="0" nodeType="afterEffect">
-                                  <p:stCondLst>
-                                    <p:cond delay="0"/>
-                                  </p:stCondLst>
-                                  <p:childTnLst>
-                                    <p:set>
-                                      <p:cBhvr>
-                                        <p:cTn id="9" dur="1" fill="hold">
-                                          <p:stCondLst>
-                                            <p:cond delay="0"/>
-                                          </p:stCondLst>
-                                        </p:cTn>
-                                        <p:tgtEl>
-                                          <p:spTgt spid="16"/>
-                                        </p:tgtEl>
-                                        <p:attrNameLst>
-                                          <p:attrName>style.visibility</p:attrName>
-                                        </p:attrNameLst>
-                                      </p:cBhvr>
-                                      <p:to>
-                                        <p:strVal val="visible"/>
-                                      </p:to>
-                                    </p:set>
-                                    <p:animEffect transition="in" filter="dissolve">
-                                      <p:cBhvr>
-                                        <p:cTn id="10" dur="500"/>
-                                        <p:tgtEl>
-                                          <p:spTgt spid="16"/>
-                                        </p:tgtEl>
-                                      </p:cBhvr>
-                                    </p:animEffect>
-                                  </p:childTnLst>
-                                </p:cTn>
-                              </p:par>
-                            </p:childTnLst>
-                          </p:cTn>
-                        </p:par>
-                      </p:childTnLst>
-                    </p:cTn>
-                  </p:par>
-                  <p:par>
-                    <p:cTn id="11" fill="hold">
-                      <p:stCondLst>
-                        <p:cond delay="indefinite"/>
-                      </p:stCondLst>
-                      <p:childTnLst>
-                        <p:par>
-                          <p:cTn id="12" fill="hold">
-                            <p:stCondLst>
-                              <p:cond delay="0"/>
-                            </p:stCondLst>
-                            <p:childTnLst>
-                              <p:par>
-                                <p:cTn id="13" presetID="1" presetClass="entr" presetSubtype="0" fill="hold" grpId="0" nodeType="clickEffect">
-                                  <p:stCondLst>
-                                    <p:cond delay="0"/>
-                                  </p:stCondLst>
-                                  <p:childTnLst>
-                                    <p:set>
-                                      <p:cBhvr>
-                                        <p:cTn id="14" dur="1" fill="hold">
-                                          <p:stCondLst>
-                                            <p:cond delay="0"/>
-                                          </p:stCondLst>
-                                        </p:cTn>
-                                        <p:tgtEl>
-                                          <p:spTgt spid="759811">
-                                            <p:txEl>
-                                              <p:pRg st="1" end="1"/>
-                                            </p:txEl>
-                                          </p:spTgt>
-                                        </p:tgtEl>
-                                        <p:attrNameLst>
-                                          <p:attrName>style.visibility</p:attrName>
-                                        </p:attrNameLst>
-                                      </p:cBhvr>
-                                      <p:to>
-                                        <p:strVal val="visible"/>
-                                      </p:to>
-                                    </p:set>
-                                  </p:childTnLst>
-                                </p:cTn>
-                              </p:par>
-                            </p:childTnLst>
-                          </p:cTn>
-                        </p:par>
-                      </p:childTnLst>
-                    </p:cTn>
-                  </p:par>
-                  <p:par>
-                    <p:cTn id="15" fill="hold">
-                      <p:stCondLst>
-                        <p:cond delay="indefinite"/>
-                      </p:stCondLst>
-                      <p:childTnLst>
-                        <p:par>
-                          <p:cTn id="16" fill="hold">
-                            <p:stCondLst>
-                              <p:cond delay="0"/>
-                            </p:stCondLst>
-                            <p:childTnLst>
-                              <p:par>
-                                <p:cTn id="17" presetID="1" presetClass="entr" presetSubtype="0" fill="hold" grpId="0" nodeType="clickEffect">
-                                  <p:stCondLst>
-                                    <p:cond delay="0"/>
-                                  </p:stCondLst>
-                                  <p:childTnLst>
-                                    <p:set>
-                                      <p:cBhvr>
-                                        <p:cTn id="18" dur="1" fill="hold">
-                                          <p:stCondLst>
-                                            <p:cond delay="0"/>
-                                          </p:stCondLst>
-                                        </p:cTn>
-                                        <p:tgtEl>
-                                          <p:spTgt spid="759811">
-                                            <p:txEl>
-                                              <p:pRg st="2" end="2"/>
-                                            </p:txEl>
-                                          </p:spTgt>
-                                        </p:tgtEl>
-                                        <p:attrNameLst>
-                                          <p:attrName>style.visibility</p:attrName>
-                                        </p:attrNameLst>
-                                      </p:cBhvr>
-                                      <p:to>
-                                        <p:strVal val="visible"/>
-                                      </p:to>
-                                    </p:set>
-                                  </p:childTnLst>
-                                </p:cTn>
-                              </p:par>
-                            </p:childTnLst>
-                          </p:cTn>
-                        </p:par>
-                      </p:childTnLst>
-                    </p:cTn>
-                  </p:par>
-                  <p:par>
-                    <p:cTn id="19" fill="hold">
-                      <p:stCondLst>
-                        <p:cond delay="indefinite"/>
-                      </p:stCondLst>
-                      <p:childTnLst>
-                        <p:par>
-                          <p:cTn id="20" fill="hold">
-                            <p:stCondLst>
-                              <p:cond delay="0"/>
-                            </p:stCondLst>
-                            <p:childTnLst>
-                              <p:par>
-                                <p:cTn id="21" presetID="1" presetClass="entr" presetSubtype="0" fill="hold" grpId="0" nodeType="clickEffect">
-                                  <p:stCondLst>
-                                    <p:cond delay="0"/>
-                                  </p:stCondLst>
-                                  <p:childTnLst>
-                                    <p:set>
-                                      <p:cBhvr>
-                                        <p:cTn id="22" dur="1" fill="hold">
-                                          <p:stCondLst>
-                                            <p:cond delay="0"/>
-                                          </p:stCondLst>
-                                        </p:cTn>
-                                        <p:tgtEl>
-                                          <p:spTgt spid="759811">
-                                            <p:txEl>
-                                              <p:pRg st="3" end="3"/>
-                                            </p:txEl>
-                                          </p:spTgt>
-                                        </p:tgtEl>
-                                        <p:attrNameLst>
-                                          <p:attrName>style.visibility</p:attrName>
-                                        </p:attrNameLst>
-                                      </p:cBhvr>
-                                      <p:to>
-                                        <p:strVal val="visible"/>
-                                      </p:to>
-                                    </p:set>
-                                  </p:childTnLst>
-                                </p:cTn>
-                              </p:par>
-                            </p:childTnLst>
-                          </p:cTn>
-                        </p:par>
-                        <p:par>
-                          <p:cTn id="23" fill="hold">
-                            <p:stCondLst>
-                              <p:cond delay="0"/>
-                            </p:stCondLst>
-                            <p:childTnLst>
-                              <p:par>
-                                <p:cTn id="24" presetID="9" presetClass="entr" presetSubtype="0" fill="hold" grpId="0" nodeType="afterEffect">
-                                  <p:stCondLst>
-                                    <p:cond delay="0"/>
-                                  </p:stCondLst>
-                                  <p:childTnLst>
-                                    <p:set>
-                                      <p:cBhvr>
-                                        <p:cTn id="25" dur="1" fill="hold">
-                                          <p:stCondLst>
-                                            <p:cond delay="0"/>
-                                          </p:stCondLst>
-                                        </p:cTn>
-                                        <p:tgtEl>
-                                          <p:spTgt spid="17"/>
-                                        </p:tgtEl>
-                                        <p:attrNameLst>
-                                          <p:attrName>style.visibility</p:attrName>
-                                        </p:attrNameLst>
-                                      </p:cBhvr>
-                                      <p:to>
-                                        <p:strVal val="visible"/>
-                                      </p:to>
-                                    </p:set>
-                                    <p:animEffect transition="in" filter="dissolve">
-                                      <p:cBhvr>
-                                        <p:cTn id="26" dur="1000"/>
-                                        <p:tgtEl>
-                                          <p:spTgt spid="17"/>
-                                        </p:tgtEl>
-                                      </p:cBhvr>
-                                    </p:animEffect>
-                                  </p:childTnLst>
-                                </p:cTn>
-                              </p:par>
-                            </p:childTnLst>
-                          </p:cTn>
-                        </p:par>
-                      </p:childTnLst>
-                    </p:cTn>
-                  </p:par>
-                  <p:par>
-                    <p:cTn id="27" fill="hold">
-                      <p:stCondLst>
-                        <p:cond delay="indefinite"/>
-                      </p:stCondLst>
-                      <p:childTnLst>
-                        <p:par>
-                          <p:cTn id="28" fill="hold">
-                            <p:stCondLst>
-                              <p:cond delay="0"/>
-                            </p:stCondLst>
-                            <p:childTnLst>
-                              <p:par>
-                                <p:cTn id="29" presetID="1" presetClass="entr" presetSubtype="0" fill="hold" nodeType="clickEffect">
-                                  <p:stCondLst>
-                                    <p:cond delay="0"/>
-                                  </p:stCondLst>
-                                  <p:childTnLst>
-                                    <p:set>
-                                      <p:cBhvr>
-                                        <p:cTn id="30" dur="1" fill="hold">
-                                          <p:stCondLst>
-                                            <p:cond delay="0"/>
-                                          </p:stCondLst>
-                                        </p:cTn>
-                                        <p:tgtEl>
-                                          <p:spTgt spid="12"/>
-                                        </p:tgtEl>
-                                        <p:attrNameLst>
-                                          <p:attrName>style.visibility</p:attrName>
-                                        </p:attrNameLst>
-                                      </p:cBhvr>
-                                      <p:to>
-                                        <p:strVal val="visible"/>
-                                      </p:to>
-                                    </p:set>
-                                  </p:childTnLst>
-                                </p:cTn>
-                              </p:par>
-                            </p:childTnLst>
-                          </p:cTn>
-                        </p:par>
-                      </p:childTnLst>
-                    </p:cTn>
-                  </p:par>
-                </p:childTnLst>
-              </p:cTn>
-              <p:prevCondLst>
-                <p:cond evt="onPrev" delay="0">
-                  <p:tgtEl>
-                    <p:sldTgt/>
-                  </p:tgtEl>
-                </p:cond>
-              </p:prevCondLst>
-              <p:nextCondLst>
-                <p:cond evt="onNext" delay="0">
-                  <p:tgtEl>
-                    <p:sldTgt/>
-                  </p:tgtEl>
-                </p:cond>
-              </p:nextCondLst>
-            </p:seq>
-          </p:childTnLst>
-        </p:cTn>
-      </p:par>
-    </p:tnLst>
-    <p:bldLst>
-      <p:bldP spid="759811" grpId="0" build="p"/>
-      <p:bldP spid="16" grpId="0" uiExpand="1" animBg="1"/>
-      <p:bldP spid="17" grpId="0" animBg="1"/>
-      <p:bldP spid="19" grpId="0"/>
-    </p:bldLst>
-  </p:timing>
-</p:sld>
-</file>
-
-<file path=ppt/slides/slide26.xml><?xml version="1.0" encoding="utf-8"?>
-<p:sld xmlns:a="http://schemas.openxmlformats.org/drawingml/2006/main" xmlns:r="http://schemas.openxmlformats.org/officeDocument/2006/relationships" xmlns:mc="http://schemas.openxmlformats.org/markup-compatibility/2006" xmlns:mv="urn:schemas-microsoft-com:mac:vml" xmlns:p="http://schemas.openxmlformats.org/presentationml/2006/main" mc:Ignorable="mv" mc:PreserveAttributes="mv:*">
-  <p:cSld>
-    <p:spTree>
-      <p:nvGrpSpPr>
-        <p:cNvPr id="1" name=""/>
-        <p:cNvGrpSpPr/>
-        <p:nvPr/>
-      </p:nvGrpSpPr>
-      <p:grpSpPr>
-        <a:xfrm>
-          <a:off x="0" y="0"/>
-          <a:ext cx="0" cy="0"/>
-          <a:chOff x="0" y="0"/>
-          <a:chExt cx="0" cy="0"/>
-        </a:xfrm>
-      </p:grpSpPr>
-      <p:sp>
-        <p:nvSpPr>
           <p:cNvPr id="755722" name="AutoShape 10"/>
           <p:cNvSpPr>
             <a:spLocks noChangeArrowheads="1"/>
@@ -21732,7 +20777,7 @@
             <a:fld id="{CA4C0C47-BA92-4669-BC5C-D64A96AF3D01}" type="slidenum">
               <a:rPr lang="en-US" smtClean="0"/>
               <a:pPr/>
-              <a:t>26</a:t>
+              <a:t>25</a:t>
             </a:fld>
             <a:endParaRPr lang="en-US" dirty="0"/>
           </a:p>
@@ -23145,7 +22190,7 @@
 </p:sld>
 </file>
 
-<file path=ppt/slides/slide27.xml><?xml version="1.0" encoding="utf-8"?>
+<file path=ppt/slides/slide26.xml><?xml version="1.0" encoding="utf-8"?>
 <p:sld xmlns:a="http://schemas.openxmlformats.org/drawingml/2006/main" xmlns:r="http://schemas.openxmlformats.org/officeDocument/2006/relationships" xmlns:mc="http://schemas.openxmlformats.org/markup-compatibility/2006" xmlns:mv="urn:schemas-microsoft-com:mac:vml" xmlns:p="http://schemas.openxmlformats.org/presentationml/2006/main" mc:Ignorable="mv" mc:PreserveAttributes="mv:*">
   <p:cSld>
     <p:spTree>
@@ -23350,7 +22395,7 @@
             <a:fld id="{CA4C0C47-BA92-4669-BC5C-D64A96AF3D01}" type="slidenum">
               <a:rPr lang="en-US" smtClean="0"/>
               <a:pPr/>
-              <a:t>27</a:t>
+              <a:t>26</a:t>
             </a:fld>
             <a:endParaRPr lang="en-US" dirty="0"/>
           </a:p>
@@ -24731,7 +23776,7 @@
 </p:sld>
 </file>
 
-<file path=ppt/slides/slide28.xml><?xml version="1.0" encoding="utf-8"?>
+<file path=ppt/slides/slide27.xml><?xml version="1.0" encoding="utf-8"?>
 <p:sld xmlns:a="http://schemas.openxmlformats.org/drawingml/2006/main" xmlns:r="http://schemas.openxmlformats.org/officeDocument/2006/relationships" xmlns:mc="http://schemas.openxmlformats.org/markup-compatibility/2006" xmlns:mv="urn:schemas-microsoft-com:mac:vml" xmlns:p="http://schemas.openxmlformats.org/presentationml/2006/main" mc:Ignorable="mv" mc:PreserveAttributes="mv:*">
   <p:cSld>
     <p:spTree>
@@ -25754,7 +24799,7 @@
             <a:fld id="{CA4C0C47-BA92-4669-BC5C-D64A96AF3D01}" type="slidenum">
               <a:rPr lang="en-US" smtClean="0"/>
               <a:pPr/>
-              <a:t>28</a:t>
+              <a:t>27</a:t>
             </a:fld>
             <a:endParaRPr lang="en-US" dirty="0"/>
           </a:p>
@@ -25879,8 +24924,932 @@
 </p:sld>
 </file>
 
+<file path=ppt/slides/slide28.xml><?xml version="1.0" encoding="utf-8"?>
+<p:sld xmlns:a="http://schemas.openxmlformats.org/drawingml/2006/main" xmlns:r="http://schemas.openxmlformats.org/officeDocument/2006/relationships" xmlns:mc="http://schemas.openxmlformats.org/markup-compatibility/2006" xmlns:mv="urn:schemas-microsoft-com:mac:vml" xmlns:p="http://schemas.openxmlformats.org/presentationml/2006/main" mc:Ignorable="mv" mc:PreserveAttributes="mv:*">
+  <p:cSld>
+    <p:spTree>
+      <p:nvGrpSpPr>
+        <p:cNvPr id="1" name=""/>
+        <p:cNvGrpSpPr/>
+        <p:nvPr/>
+      </p:nvGrpSpPr>
+      <p:grpSpPr>
+        <a:xfrm>
+          <a:off x="0" y="0"/>
+          <a:ext cx="0" cy="0"/>
+          <a:chOff x="0" y="0"/>
+          <a:chExt cx="0" cy="0"/>
+        </a:xfrm>
+      </p:grpSpPr>
+      <p:sp>
+        <p:nvSpPr>
+          <p:cNvPr id="759810" name="Rectangle 2"/>
+          <p:cNvSpPr>
+            <a:spLocks noGrp="1" noChangeArrowheads="1"/>
+          </p:cNvSpPr>
+          <p:nvPr>
+            <p:ph type="title"/>
+          </p:nvPr>
+        </p:nvSpPr>
+        <p:spPr>
+          <a:xfrm>
+            <a:off x="980754" y="325347"/>
+            <a:ext cx="7182492" cy="1184953"/>
+          </a:xfrm>
+        </p:spPr>
+        <p:txBody>
+          <a:bodyPr>
+            <a:normAutofit/>
+          </a:bodyPr>
+          <a:lstStyle/>
+          <a:p>
+            <a:r>
+              <a:rPr lang="en-US" sz="4400" dirty="0"/>
+              <a:t> </a:t>
+            </a:r>
+            <a:r>
+              <a:rPr lang="en-US" sz="4400" dirty="0" smtClean="0"/>
+              <a:t>parallel </a:t>
+            </a:r>
+            <a:r>
+              <a:rPr lang="en-US" sz="4400" dirty="0"/>
+              <a:t>p</a:t>
+            </a:r>
+            <a:r>
+              <a:rPr lang="en-US" sz="4400" dirty="0" smtClean="0"/>
+              <a:t>rocessing </a:t>
+            </a:r>
+            <a:r>
+              <a:rPr lang="en-US" sz="4400" dirty="0"/>
+              <a:t>t</a:t>
+            </a:r>
+            <a:r>
+              <a:rPr lang="en-US" sz="4400" dirty="0" smtClean="0"/>
+              <a:t>ime</a:t>
+            </a:r>
+            <a:endParaRPr lang="en-US" sz="4400" dirty="0"/>
+          </a:p>
+        </p:txBody>
+      </p:sp>
+      <p:sp>
+        <p:nvSpPr>
+          <p:cNvPr id="759811" name="Rectangle 3"/>
+          <p:cNvSpPr>
+            <a:spLocks noGrp="1" noChangeArrowheads="1"/>
+          </p:cNvSpPr>
+          <p:nvPr>
+            <p:ph type="body" sz="half" idx="1"/>
+          </p:nvPr>
+        </p:nvSpPr>
+        <p:spPr>
+          <a:xfrm>
+            <a:off x="152400" y="2187528"/>
+            <a:ext cx="8839200" cy="4610100"/>
+          </a:xfrm>
+        </p:spPr>
+        <p:txBody>
+          <a:bodyPr>
+            <a:normAutofit/>
+          </a:bodyPr>
+          <a:lstStyle/>
+          <a:p>
+            <a:pPr>
+              <a:buFontTx/>
+              <a:buNone/>
+            </a:pPr>
+            <a:r>
+              <a:rPr lang="en-US" sz="4000" dirty="0" smtClean="0">
+                <a:solidFill>
+                  <a:srgbClr val="0033CC"/>
+                </a:solidFill>
+              </a:rPr>
+              <a:t>  </a:t>
+            </a:r>
+            <a:r>
+              <a:rPr lang="en-US" sz="4000" dirty="0" smtClean="0">
+                <a:solidFill>
+                  <a:srgbClr val="1E03BD"/>
+                </a:solidFill>
+              </a:rPr>
+              <a:t>min</a:t>
+            </a:r>
+            <a:r>
+              <a:rPr lang="en-US" sz="4000" dirty="0" smtClean="0">
+                <a:solidFill>
+                  <a:srgbClr val="0033CC"/>
+                </a:solidFill>
+              </a:rPr>
+              <a:t> </a:t>
+            </a:r>
+            <a:r>
+              <a:rPr lang="en-US" sz="4000" dirty="0">
+                <a:solidFill>
+                  <a:srgbClr val="05811A"/>
+                </a:solidFill>
+              </a:rPr>
+              <a:t>parallel </a:t>
+            </a:r>
+            <a:r>
+              <a:rPr lang="en-US" sz="4000" dirty="0" smtClean="0">
+                <a:solidFill>
+                  <a:srgbClr val="05811A"/>
+                </a:solidFill>
+              </a:rPr>
+              <a:t>time</a:t>
+            </a:r>
+            <a:endParaRPr lang="en-US" sz="4000" dirty="0">
+              <a:solidFill>
+                <a:srgbClr val="05811A"/>
+              </a:solidFill>
+            </a:endParaRPr>
+          </a:p>
+          <a:p>
+            <a:pPr>
+              <a:lnSpc>
+                <a:spcPct val="150000"/>
+              </a:lnSpc>
+              <a:buFontTx/>
+              <a:buNone/>
+            </a:pPr>
+            <a:r>
+              <a:rPr lang="en-US" sz="4400" dirty="0">
+                <a:solidFill>
+                  <a:srgbClr val="0033CC"/>
+                </a:solidFill>
+              </a:rPr>
+              <a:t>  </a:t>
+            </a:r>
+            <a:r>
+              <a:rPr lang="en-US" sz="4400" dirty="0" smtClean="0"/>
+              <a:t>max term load:</a:t>
+            </a:r>
+          </a:p>
+          <a:p>
+            <a:pPr>
+              <a:buFontTx/>
+              <a:buNone/>
+            </a:pPr>
+            <a:r>
+              <a:rPr lang="en-US" sz="4400" dirty="0" smtClean="0">
+                <a:solidFill>
+                  <a:srgbClr val="008000"/>
+                </a:solidFill>
+              </a:rPr>
+              <a:t># processors </a:t>
+            </a:r>
+            <a:r>
+              <a:rPr lang="en-US" sz="4400" dirty="0" smtClean="0"/>
+              <a:t>for min time</a:t>
+            </a:r>
+            <a:endParaRPr lang="en-US" sz="4400" dirty="0"/>
+          </a:p>
+          <a:p>
+            <a:pPr>
+              <a:buFontTx/>
+              <a:buNone/>
+            </a:pPr>
+            <a:r>
+              <a:rPr lang="en-US" sz="4400" dirty="0"/>
+              <a:t>    </a:t>
+            </a:r>
+            <a:r>
+              <a:rPr lang="en-US" sz="4400" dirty="0" smtClean="0">
+                <a:solidFill>
+                  <a:srgbClr val="008000"/>
+                </a:solidFill>
+                <a:latin typeface="Symbol" pitchFamily="18" charset="2"/>
+                <a:sym typeface="Symbol" pitchFamily="18" charset="2"/>
+              </a:rPr>
+              <a:t>             </a:t>
+            </a:r>
+            <a:r>
+              <a:rPr lang="en-US" sz="4400" b="1" dirty="0" smtClean="0">
+                <a:latin typeface="Symbol" pitchFamily="18" charset="2"/>
+                <a:sym typeface="Math1"/>
+              </a:rPr>
+              <a:t>≤</a:t>
+            </a:r>
+            <a:r>
+              <a:rPr lang="en-US" sz="4400" dirty="0" smtClean="0">
+                <a:solidFill>
+                  <a:srgbClr val="008000"/>
+                </a:solidFill>
+              </a:rPr>
+              <a:t> max </a:t>
+            </a:r>
+            <a:r>
+              <a:rPr lang="en-US" sz="4400" dirty="0" err="1" smtClean="0">
+                <a:solidFill>
+                  <a:srgbClr val="008000"/>
+                </a:solidFill>
+              </a:rPr>
+              <a:t>antichain</a:t>
+            </a:r>
+            <a:r>
+              <a:rPr lang="en-US" sz="4400" dirty="0" smtClean="0">
+                <a:solidFill>
+                  <a:srgbClr val="008000"/>
+                </a:solidFill>
+              </a:rPr>
+              <a:t> size</a:t>
+            </a:r>
+            <a:endParaRPr lang="en-US" sz="4400" dirty="0">
+              <a:solidFill>
+                <a:srgbClr val="008000"/>
+              </a:solidFill>
+            </a:endParaRPr>
+          </a:p>
+        </p:txBody>
+      </p:sp>
+      <p:grpSp>
+        <p:nvGrpSpPr>
+          <p:cNvPr id="12" name="Group 11"/>
+          <p:cNvGrpSpPr/>
+          <p:nvPr/>
+        </p:nvGrpSpPr>
+        <p:grpSpPr>
+          <a:xfrm>
+            <a:off x="3225421" y="5314824"/>
+            <a:ext cx="4748981" cy="1100570"/>
+            <a:chOff x="2424049" y="4534000"/>
+            <a:chExt cx="4748981" cy="1100570"/>
+          </a:xfrm>
+        </p:grpSpPr>
+        <p:sp>
+          <p:nvSpPr>
+            <p:cNvPr id="6" name="Right Brace 5"/>
+            <p:cNvSpPr/>
+            <p:nvPr/>
+          </p:nvSpPr>
+          <p:spPr>
+            <a:xfrm rot="5400000">
+              <a:off x="4537985" y="2420064"/>
+              <a:ext cx="521110" cy="4748981"/>
+            </a:xfrm>
+            <a:prstGeom prst="rightBrace">
+              <a:avLst/>
+            </a:prstGeom>
+            <a:ln w="25400">
+              <a:solidFill>
+                <a:schemeClr val="tx1"/>
+              </a:solidFill>
+              <a:prstDash val="sysDash"/>
+            </a:ln>
+          </p:spPr>
+          <p:style>
+            <a:lnRef idx="1">
+              <a:schemeClr val="accent1"/>
+            </a:lnRef>
+            <a:fillRef idx="0">
+              <a:schemeClr val="accent1"/>
+            </a:fillRef>
+            <a:effectRef idx="0">
+              <a:schemeClr val="accent1"/>
+            </a:effectRef>
+            <a:fontRef idx="minor">
+              <a:schemeClr val="tx1"/>
+            </a:fontRef>
+          </p:style>
+          <p:txBody>
+            <a:bodyPr rtlCol="0" anchor="ctr"/>
+            <a:lstStyle/>
+            <a:p>
+              <a:pPr algn="ctr"/>
+              <a:endParaRPr lang="en-US"/>
+            </a:p>
+          </p:txBody>
+        </p:sp>
+        <p:sp>
+          <p:nvSpPr>
+            <p:cNvPr id="11" name="TextBox 10"/>
+            <p:cNvSpPr txBox="1"/>
+            <p:nvPr/>
+          </p:nvSpPr>
+          <p:spPr>
+            <a:xfrm>
+              <a:off x="3401297" y="5049795"/>
+              <a:ext cx="3087329" cy="584775"/>
+            </a:xfrm>
+            <a:prstGeom prst="rect">
+              <a:avLst/>
+            </a:prstGeom>
+            <a:noFill/>
+          </p:spPr>
+          <p:txBody>
+            <a:bodyPr wrap="square" rtlCol="0">
+              <a:spAutoFit/>
+            </a:bodyPr>
+            <a:lstStyle/>
+            <a:p>
+              <a:r>
+                <a:rPr lang="en-US" sz="3200" dirty="0" smtClean="0">
+                  <a:latin typeface="Comic Sans MS" pitchFamily="66" charset="0"/>
+                </a:rPr>
+                <a:t>5 in this case</a:t>
+              </a:r>
+              <a:endParaRPr lang="en-US" sz="3200" dirty="0">
+                <a:latin typeface="Comic Sans MS" pitchFamily="66" charset="0"/>
+              </a:endParaRPr>
+            </a:p>
+          </p:txBody>
+        </p:sp>
+      </p:grpSp>
+      <p:sp>
+        <p:nvSpPr>
+          <p:cNvPr id="16" name="Rectangle 15"/>
+          <p:cNvSpPr/>
+          <p:nvPr/>
+        </p:nvSpPr>
+        <p:spPr>
+          <a:xfrm>
+            <a:off x="328773" y="2167836"/>
+            <a:ext cx="8507002" cy="873303"/>
+          </a:xfrm>
+          <a:prstGeom prst="rect">
+            <a:avLst/>
+          </a:prstGeom>
+          <a:noFill/>
+          <a:ln w="31750">
+            <a:solidFill>
+              <a:srgbClr val="FF00FF"/>
+            </a:solidFill>
+            <a:prstDash val="sysDash"/>
+          </a:ln>
+        </p:spPr>
+        <p:style>
+          <a:lnRef idx="2">
+            <a:schemeClr val="accent1">
+              <a:shade val="50000"/>
+            </a:schemeClr>
+          </a:lnRef>
+          <a:fillRef idx="1">
+            <a:schemeClr val="accent1"/>
+          </a:fillRef>
+          <a:effectRef idx="0">
+            <a:schemeClr val="accent1"/>
+          </a:effectRef>
+          <a:fontRef idx="minor">
+            <a:schemeClr val="lt1"/>
+          </a:fontRef>
+        </p:style>
+        <p:txBody>
+          <a:bodyPr rtlCol="0" anchor="ctr"/>
+          <a:lstStyle/>
+          <a:p>
+            <a:pPr algn="ctr"/>
+            <a:endParaRPr lang="en-US"/>
+          </a:p>
+        </p:txBody>
+      </p:sp>
+      <p:sp>
+        <p:nvSpPr>
+          <p:cNvPr id="17" name="Rectangle 16"/>
+          <p:cNvSpPr/>
+          <p:nvPr/>
+        </p:nvSpPr>
+        <p:spPr>
+          <a:xfrm>
+            <a:off x="164387" y="4068550"/>
+            <a:ext cx="8435083" cy="1623317"/>
+          </a:xfrm>
+          <a:prstGeom prst="rect">
+            <a:avLst/>
+          </a:prstGeom>
+          <a:noFill/>
+          <a:ln w="31750">
+            <a:solidFill>
+              <a:srgbClr val="FF00FF"/>
+            </a:solidFill>
+            <a:prstDash val="sysDash"/>
+          </a:ln>
+        </p:spPr>
+        <p:style>
+          <a:lnRef idx="2">
+            <a:schemeClr val="accent1">
+              <a:shade val="50000"/>
+            </a:schemeClr>
+          </a:lnRef>
+          <a:fillRef idx="1">
+            <a:schemeClr val="accent1"/>
+          </a:fillRef>
+          <a:effectRef idx="0">
+            <a:schemeClr val="accent1"/>
+          </a:effectRef>
+          <a:fontRef idx="minor">
+            <a:schemeClr val="lt1"/>
+          </a:fontRef>
+        </p:style>
+        <p:txBody>
+          <a:bodyPr rtlCol="0" anchor="ctr"/>
+          <a:lstStyle/>
+          <a:p>
+            <a:pPr algn="ctr"/>
+            <a:endParaRPr lang="en-US"/>
+          </a:p>
+        </p:txBody>
+      </p:sp>
+      <p:sp>
+        <p:nvSpPr>
+          <p:cNvPr id="18" name="TextBox 17"/>
+          <p:cNvSpPr txBox="1"/>
+          <p:nvPr/>
+        </p:nvSpPr>
+        <p:spPr>
+          <a:xfrm>
+            <a:off x="318502" y="1407565"/>
+            <a:ext cx="6264857" cy="707886"/>
+          </a:xfrm>
+          <a:prstGeom prst="rect">
+            <a:avLst/>
+          </a:prstGeom>
+          <a:noFill/>
+        </p:spPr>
+        <p:txBody>
+          <a:bodyPr wrap="none" rtlCol="0">
+            <a:spAutoFit/>
+          </a:bodyPr>
+          <a:lstStyle/>
+          <a:p>
+            <a:r>
+              <a:rPr lang="en-US" sz="4000" dirty="0" smtClean="0">
+                <a:latin typeface="Comic Sans MS" pitchFamily="66" charset="0"/>
+              </a:rPr>
+              <a:t>min # terms to graduate:</a:t>
+            </a:r>
+            <a:endParaRPr lang="en-US" sz="4000" dirty="0">
+              <a:latin typeface="Comic Sans MS" pitchFamily="66" charset="0"/>
+            </a:endParaRPr>
+          </a:p>
+        </p:txBody>
+      </p:sp>
+      <p:sp>
+        <p:nvSpPr>
+          <p:cNvPr id="19" name="TextBox 18"/>
+          <p:cNvSpPr txBox="1"/>
+          <p:nvPr/>
+        </p:nvSpPr>
+        <p:spPr>
+          <a:xfrm>
+            <a:off x="4572000" y="2219218"/>
+            <a:ext cx="4059125" cy="707886"/>
+          </a:xfrm>
+          <a:prstGeom prst="rect">
+            <a:avLst/>
+          </a:prstGeom>
+          <a:noFill/>
+        </p:spPr>
+        <p:txBody>
+          <a:bodyPr wrap="none" rtlCol="0">
+            <a:spAutoFit/>
+          </a:bodyPr>
+          <a:lstStyle/>
+          <a:p>
+            <a:r>
+              <a:rPr lang="en-US" sz="4000" dirty="0" smtClean="0">
+                <a:latin typeface="Comic Sans MS" pitchFamily="66" charset="0"/>
+              </a:rPr>
+              <a:t>= </a:t>
+            </a:r>
+            <a:r>
+              <a:rPr lang="en-US" sz="4000" dirty="0" smtClean="0">
+                <a:solidFill>
+                  <a:srgbClr val="0033CC"/>
+                </a:solidFill>
+                <a:latin typeface="Comic Sans MS" pitchFamily="66" charset="0"/>
+              </a:rPr>
+              <a:t>max </a:t>
+            </a:r>
+            <a:r>
+              <a:rPr lang="en-US" sz="4000" dirty="0" smtClean="0">
+                <a:solidFill>
+                  <a:srgbClr val="05811A"/>
+                </a:solidFill>
+                <a:latin typeface="Comic Sans MS" pitchFamily="66" charset="0"/>
+              </a:rPr>
+              <a:t>chain size</a:t>
+            </a:r>
+            <a:endParaRPr lang="en-US" dirty="0">
+              <a:solidFill>
+                <a:srgbClr val="05811A"/>
+              </a:solidFill>
+            </a:endParaRPr>
+          </a:p>
+        </p:txBody>
+      </p:sp>
+      <p:sp>
+        <p:nvSpPr>
+          <p:cNvPr id="21" name="Slide Number Placeholder 5"/>
+          <p:cNvSpPr>
+            <a:spLocks noGrp="1"/>
+          </p:cNvSpPr>
+          <p:nvPr>
+            <p:ph type="sldNum" sz="quarter" idx="4"/>
+          </p:nvPr>
+        </p:nvSpPr>
+        <p:spPr>
+          <a:xfrm>
+            <a:off x="8237750" y="6596742"/>
+            <a:ext cx="906250" cy="261257"/>
+          </a:xfrm>
+          <a:prstGeom prst="rect">
+            <a:avLst/>
+          </a:prstGeom>
+        </p:spPr>
+        <p:txBody>
+          <a:bodyPr/>
+          <a:lstStyle>
+            <a:lvl1pPr>
+              <a:defRPr sz="1200">
+                <a:latin typeface="Comic Sans MS" pitchFamily="66" charset="0"/>
+              </a:defRPr>
+            </a:lvl1pPr>
+          </a:lstStyle>
+          <a:p>
+            <a:r>
+              <a:rPr lang="en-US" dirty="0" smtClean="0"/>
+              <a:t>6F.</a:t>
+            </a:r>
+            <a:fld id="{CA4C0C47-BA92-4669-BC5C-D64A96AF3D01}" type="slidenum">
+              <a:rPr lang="en-US" smtClean="0"/>
+              <a:pPr/>
+              <a:t>28</a:t>
+            </a:fld>
+            <a:endParaRPr lang="en-US" dirty="0"/>
+          </a:p>
+        </p:txBody>
+      </p:sp>
+    </p:spTree>
+  </p:cSld>
+  <p:clrMapOvr>
+    <a:masterClrMapping/>
+  </p:clrMapOvr>
+  <p:transition/>
+  <p:timing>
+    <p:tnLst>
+      <p:par>
+        <p:cTn id="1" dur="indefinite" restart="never" nodeType="tmRoot">
+          <p:childTnLst>
+            <p:seq concurrent="1" nextAc="seek">
+              <p:cTn id="2" dur="indefinite" nodeType="mainSeq">
+                <p:childTnLst>
+                  <p:par>
+                    <p:cTn id="3" fill="hold">
+                      <p:stCondLst>
+                        <p:cond delay="indefinite"/>
+                      </p:stCondLst>
+                      <p:childTnLst>
+                        <p:par>
+                          <p:cTn id="4" fill="hold">
+                            <p:stCondLst>
+                              <p:cond delay="0"/>
+                            </p:stCondLst>
+                            <p:childTnLst>
+                              <p:par>
+                                <p:cTn id="5" presetID="1" presetClass="entr" presetSubtype="0" fill="hold" grpId="0" nodeType="clickEffect">
+                                  <p:stCondLst>
+                                    <p:cond delay="0"/>
+                                  </p:stCondLst>
+                                  <p:childTnLst>
+                                    <p:set>
+                                      <p:cBhvr>
+                                        <p:cTn id="6" dur="1" fill="hold">
+                                          <p:stCondLst>
+                                            <p:cond delay="0"/>
+                                          </p:stCondLst>
+                                        </p:cTn>
+                                        <p:tgtEl>
+                                          <p:spTgt spid="19"/>
+                                        </p:tgtEl>
+                                        <p:attrNameLst>
+                                          <p:attrName>style.visibility</p:attrName>
+                                        </p:attrNameLst>
+                                      </p:cBhvr>
+                                      <p:to>
+                                        <p:strVal val="visible"/>
+                                      </p:to>
+                                    </p:set>
+                                  </p:childTnLst>
+                                </p:cTn>
+                              </p:par>
+                            </p:childTnLst>
+                          </p:cTn>
+                        </p:par>
+                        <p:par>
+                          <p:cTn id="7" fill="hold">
+                            <p:stCondLst>
+                              <p:cond delay="0"/>
+                            </p:stCondLst>
+                            <p:childTnLst>
+                              <p:par>
+                                <p:cTn id="8" presetID="9" presetClass="entr" presetSubtype="0" fill="hold" grpId="0" nodeType="afterEffect">
+                                  <p:stCondLst>
+                                    <p:cond delay="0"/>
+                                  </p:stCondLst>
+                                  <p:childTnLst>
+                                    <p:set>
+                                      <p:cBhvr>
+                                        <p:cTn id="9" dur="1" fill="hold">
+                                          <p:stCondLst>
+                                            <p:cond delay="0"/>
+                                          </p:stCondLst>
+                                        </p:cTn>
+                                        <p:tgtEl>
+                                          <p:spTgt spid="16"/>
+                                        </p:tgtEl>
+                                        <p:attrNameLst>
+                                          <p:attrName>style.visibility</p:attrName>
+                                        </p:attrNameLst>
+                                      </p:cBhvr>
+                                      <p:to>
+                                        <p:strVal val="visible"/>
+                                      </p:to>
+                                    </p:set>
+                                    <p:animEffect transition="in" filter="dissolve">
+                                      <p:cBhvr>
+                                        <p:cTn id="10" dur="500"/>
+                                        <p:tgtEl>
+                                          <p:spTgt spid="16"/>
+                                        </p:tgtEl>
+                                      </p:cBhvr>
+                                    </p:animEffect>
+                                  </p:childTnLst>
+                                </p:cTn>
+                              </p:par>
+                            </p:childTnLst>
+                          </p:cTn>
+                        </p:par>
+                      </p:childTnLst>
+                    </p:cTn>
+                  </p:par>
+                  <p:par>
+                    <p:cTn id="11" fill="hold">
+                      <p:stCondLst>
+                        <p:cond delay="indefinite"/>
+                      </p:stCondLst>
+                      <p:childTnLst>
+                        <p:par>
+                          <p:cTn id="12" fill="hold">
+                            <p:stCondLst>
+                              <p:cond delay="0"/>
+                            </p:stCondLst>
+                            <p:childTnLst>
+                              <p:par>
+                                <p:cTn id="13" presetID="1" presetClass="entr" presetSubtype="0" fill="hold" grpId="0" nodeType="clickEffect">
+                                  <p:stCondLst>
+                                    <p:cond delay="0"/>
+                                  </p:stCondLst>
+                                  <p:childTnLst>
+                                    <p:set>
+                                      <p:cBhvr>
+                                        <p:cTn id="14" dur="1" fill="hold">
+                                          <p:stCondLst>
+                                            <p:cond delay="0"/>
+                                          </p:stCondLst>
+                                        </p:cTn>
+                                        <p:tgtEl>
+                                          <p:spTgt spid="759811">
+                                            <p:txEl>
+                                              <p:pRg st="1" end="1"/>
+                                            </p:txEl>
+                                          </p:spTgt>
+                                        </p:tgtEl>
+                                        <p:attrNameLst>
+                                          <p:attrName>style.visibility</p:attrName>
+                                        </p:attrNameLst>
+                                      </p:cBhvr>
+                                      <p:to>
+                                        <p:strVal val="visible"/>
+                                      </p:to>
+                                    </p:set>
+                                  </p:childTnLst>
+                                </p:cTn>
+                              </p:par>
+                            </p:childTnLst>
+                          </p:cTn>
+                        </p:par>
+                      </p:childTnLst>
+                    </p:cTn>
+                  </p:par>
+                  <p:par>
+                    <p:cTn id="15" fill="hold">
+                      <p:stCondLst>
+                        <p:cond delay="indefinite"/>
+                      </p:stCondLst>
+                      <p:childTnLst>
+                        <p:par>
+                          <p:cTn id="16" fill="hold">
+                            <p:stCondLst>
+                              <p:cond delay="0"/>
+                            </p:stCondLst>
+                            <p:childTnLst>
+                              <p:par>
+                                <p:cTn id="17" presetID="1" presetClass="entr" presetSubtype="0" fill="hold" grpId="0" nodeType="clickEffect">
+                                  <p:stCondLst>
+                                    <p:cond delay="0"/>
+                                  </p:stCondLst>
+                                  <p:childTnLst>
+                                    <p:set>
+                                      <p:cBhvr>
+                                        <p:cTn id="18" dur="1" fill="hold">
+                                          <p:stCondLst>
+                                            <p:cond delay="0"/>
+                                          </p:stCondLst>
+                                        </p:cTn>
+                                        <p:tgtEl>
+                                          <p:spTgt spid="759811">
+                                            <p:txEl>
+                                              <p:pRg st="2" end="2"/>
+                                            </p:txEl>
+                                          </p:spTgt>
+                                        </p:tgtEl>
+                                        <p:attrNameLst>
+                                          <p:attrName>style.visibility</p:attrName>
+                                        </p:attrNameLst>
+                                      </p:cBhvr>
+                                      <p:to>
+                                        <p:strVal val="visible"/>
+                                      </p:to>
+                                    </p:set>
+                                  </p:childTnLst>
+                                </p:cTn>
+                              </p:par>
+                            </p:childTnLst>
+                          </p:cTn>
+                        </p:par>
+                      </p:childTnLst>
+                    </p:cTn>
+                  </p:par>
+                  <p:par>
+                    <p:cTn id="19" fill="hold">
+                      <p:stCondLst>
+                        <p:cond delay="indefinite"/>
+                      </p:stCondLst>
+                      <p:childTnLst>
+                        <p:par>
+                          <p:cTn id="20" fill="hold">
+                            <p:stCondLst>
+                              <p:cond delay="0"/>
+                            </p:stCondLst>
+                            <p:childTnLst>
+                              <p:par>
+                                <p:cTn id="21" presetID="1" presetClass="entr" presetSubtype="0" fill="hold" grpId="0" nodeType="clickEffect">
+                                  <p:stCondLst>
+                                    <p:cond delay="0"/>
+                                  </p:stCondLst>
+                                  <p:childTnLst>
+                                    <p:set>
+                                      <p:cBhvr>
+                                        <p:cTn id="22" dur="1" fill="hold">
+                                          <p:stCondLst>
+                                            <p:cond delay="0"/>
+                                          </p:stCondLst>
+                                        </p:cTn>
+                                        <p:tgtEl>
+                                          <p:spTgt spid="759811">
+                                            <p:txEl>
+                                              <p:pRg st="3" end="3"/>
+                                            </p:txEl>
+                                          </p:spTgt>
+                                        </p:tgtEl>
+                                        <p:attrNameLst>
+                                          <p:attrName>style.visibility</p:attrName>
+                                        </p:attrNameLst>
+                                      </p:cBhvr>
+                                      <p:to>
+                                        <p:strVal val="visible"/>
+                                      </p:to>
+                                    </p:set>
+                                  </p:childTnLst>
+                                </p:cTn>
+                              </p:par>
+                            </p:childTnLst>
+                          </p:cTn>
+                        </p:par>
+                        <p:par>
+                          <p:cTn id="23" fill="hold">
+                            <p:stCondLst>
+                              <p:cond delay="0"/>
+                            </p:stCondLst>
+                            <p:childTnLst>
+                              <p:par>
+                                <p:cTn id="24" presetID="9" presetClass="entr" presetSubtype="0" fill="hold" grpId="0" nodeType="afterEffect">
+                                  <p:stCondLst>
+                                    <p:cond delay="0"/>
+                                  </p:stCondLst>
+                                  <p:childTnLst>
+                                    <p:set>
+                                      <p:cBhvr>
+                                        <p:cTn id="25" dur="1" fill="hold">
+                                          <p:stCondLst>
+                                            <p:cond delay="0"/>
+                                          </p:stCondLst>
+                                        </p:cTn>
+                                        <p:tgtEl>
+                                          <p:spTgt spid="17"/>
+                                        </p:tgtEl>
+                                        <p:attrNameLst>
+                                          <p:attrName>style.visibility</p:attrName>
+                                        </p:attrNameLst>
+                                      </p:cBhvr>
+                                      <p:to>
+                                        <p:strVal val="visible"/>
+                                      </p:to>
+                                    </p:set>
+                                    <p:animEffect transition="in" filter="dissolve">
+                                      <p:cBhvr>
+                                        <p:cTn id="26" dur="1000"/>
+                                        <p:tgtEl>
+                                          <p:spTgt spid="17"/>
+                                        </p:tgtEl>
+                                      </p:cBhvr>
+                                    </p:animEffect>
+                                  </p:childTnLst>
+                                </p:cTn>
+                              </p:par>
+                            </p:childTnLst>
+                          </p:cTn>
+                        </p:par>
+                      </p:childTnLst>
+                    </p:cTn>
+                  </p:par>
+                  <p:par>
+                    <p:cTn id="27" fill="hold">
+                      <p:stCondLst>
+                        <p:cond delay="indefinite"/>
+                      </p:stCondLst>
+                      <p:childTnLst>
+                        <p:par>
+                          <p:cTn id="28" fill="hold">
+                            <p:stCondLst>
+                              <p:cond delay="0"/>
+                            </p:stCondLst>
+                            <p:childTnLst>
+                              <p:par>
+                                <p:cTn id="29" presetID="1" presetClass="entr" presetSubtype="0" fill="hold" nodeType="clickEffect">
+                                  <p:stCondLst>
+                                    <p:cond delay="0"/>
+                                  </p:stCondLst>
+                                  <p:childTnLst>
+                                    <p:set>
+                                      <p:cBhvr>
+                                        <p:cTn id="30" dur="1" fill="hold">
+                                          <p:stCondLst>
+                                            <p:cond delay="0"/>
+                                          </p:stCondLst>
+                                        </p:cTn>
+                                        <p:tgtEl>
+                                          <p:spTgt spid="12"/>
+                                        </p:tgtEl>
+                                        <p:attrNameLst>
+                                          <p:attrName>style.visibility</p:attrName>
+                                        </p:attrNameLst>
+                                      </p:cBhvr>
+                                      <p:to>
+                                        <p:strVal val="visible"/>
+                                      </p:to>
+                                    </p:set>
+                                  </p:childTnLst>
+                                </p:cTn>
+                              </p:par>
+                            </p:childTnLst>
+                          </p:cTn>
+                        </p:par>
+                      </p:childTnLst>
+                    </p:cTn>
+                  </p:par>
+                </p:childTnLst>
+              </p:cTn>
+              <p:prevCondLst>
+                <p:cond evt="onPrev" delay="0">
+                  <p:tgtEl>
+                    <p:sldTgt/>
+                  </p:tgtEl>
+                </p:cond>
+              </p:prevCondLst>
+              <p:nextCondLst>
+                <p:cond evt="onNext" delay="0">
+                  <p:tgtEl>
+                    <p:sldTgt/>
+                  </p:tgtEl>
+                </p:cond>
+              </p:nextCondLst>
+            </p:seq>
+          </p:childTnLst>
+        </p:cTn>
+      </p:par>
+    </p:tnLst>
+    <p:bldLst>
+      <p:bldP spid="759811" grpId="0" build="p"/>
+      <p:bldP spid="16" grpId="0" uiExpand="1" animBg="1"/>
+      <p:bldP spid="17" grpId="0" animBg="1"/>
+      <p:bldP spid="19" grpId="0"/>
+    </p:bldLst>
+  </p:timing>
+</p:sld>
+</file>
+
 <file path=ppt/slides/slide29.xml><?xml version="1.0" encoding="utf-8"?>
-<p:sld xmlns:a="http://schemas.openxmlformats.org/drawingml/2006/main" xmlns:r="http://schemas.openxmlformats.org/officeDocument/2006/relationships" xmlns:mc="http://schemas.openxmlformats.org/markup-compatibility/2006" xmlns:mv="urn:schemas-microsoft-com:mac:vml" xmlns:p="http://schemas.openxmlformats.org/presentationml/2006/main" mc:Ignorable="mv" mc:PreserveAttributes="mv:*" show="0">
+<p:sld xmlns:a="http://schemas.openxmlformats.org/drawingml/2006/main" xmlns:r="http://schemas.openxmlformats.org/officeDocument/2006/relationships" xmlns:mc="http://schemas.openxmlformats.org/markup-compatibility/2006" xmlns:mv="urn:schemas-microsoft-com:mac:vml" xmlns:p="http://schemas.openxmlformats.org/presentationml/2006/main" mc:Ignorable="mv" mc:PreserveAttributes="mv:*">
   <p:cSld>
     <p:spTree>
       <p:nvGrpSpPr>
@@ -28370,7 +28339,7 @@
 </file>
 
 <file path=ppt/slides/slide32.xml><?xml version="1.0" encoding="utf-8"?>
-<p:sld xmlns:a="http://schemas.openxmlformats.org/drawingml/2006/main" xmlns:r="http://schemas.openxmlformats.org/officeDocument/2006/relationships" xmlns:mc="http://schemas.openxmlformats.org/markup-compatibility/2006" xmlns:mv="urn:schemas-microsoft-com:mac:vml" xmlns:p="http://schemas.openxmlformats.org/presentationml/2006/main" mc:Ignorable="mv" mc:PreserveAttributes="mv:*" showMasterPhAnim="0" show="0">
+<p:sld xmlns:a="http://schemas.openxmlformats.org/drawingml/2006/main" xmlns:r="http://schemas.openxmlformats.org/officeDocument/2006/relationships" xmlns:mc="http://schemas.openxmlformats.org/markup-compatibility/2006" xmlns:mv="urn:schemas-microsoft-com:mac:vml" xmlns:p="http://schemas.openxmlformats.org/presentationml/2006/main" mc:Ignorable="mv" mc:PreserveAttributes="mv:*" showMasterPhAnim="0">
   <p:cSld>
     <p:spTree>
       <p:nvGrpSpPr>
@@ -28650,9 +28619,6 @@
                 </a:rPr>
                 <a:t> size</a:t>
               </a:r>
-              <a:endParaRPr lang="en-US" sz="4400" dirty="0" smtClean="0">
-                <a:latin typeface="Comic Sans MS" pitchFamily="66" charset="0"/>
-              </a:endParaRPr>
             </a:p>
           </p:txBody>
         </p:sp>
@@ -28753,13 +28719,6 @@
                   </a:rPr>
                   <a:t>a</a:t>
                 </a:r>
-                <a:endParaRPr lang="en-US" sz="7200" dirty="0" smtClean="0">
-                  <a:solidFill>
-                    <a:srgbClr val="05811A"/>
-                  </a:solidFill>
-                  <a:latin typeface="Comic Sans MS"/>
-                  <a:cs typeface="Comic Sans MS"/>
-                </a:endParaRPr>
               </a:p>
             </p:txBody>
           </p:sp>
@@ -28812,9 +28771,6 @@
               </a:rPr>
               <a:t>vertices</a:t>
             </a:r>
-            <a:endParaRPr lang="en-US" sz="4800" dirty="0" smtClean="0">
-              <a:latin typeface="Comic Sans MS" pitchFamily="66" charset="0"/>
-            </a:endParaRPr>
           </a:p>
         </p:txBody>
       </p:sp>
@@ -29553,7 +29509,7 @@
 </file>
 
 <file path=ppt/slides/slide33.xml><?xml version="1.0" encoding="utf-8"?>
-<p:sld xmlns:a="http://schemas.openxmlformats.org/drawingml/2006/main" xmlns:r="http://schemas.openxmlformats.org/officeDocument/2006/relationships" xmlns:mc="http://schemas.openxmlformats.org/markup-compatibility/2006" xmlns:mv="urn:schemas-microsoft-com:mac:vml" xmlns:p="http://schemas.openxmlformats.org/presentationml/2006/main" mc:Ignorable="mv" mc:PreserveAttributes="mv:*" showMasterPhAnim="0" show="0">
+<p:sld xmlns:a="http://schemas.openxmlformats.org/drawingml/2006/main" xmlns:r="http://schemas.openxmlformats.org/officeDocument/2006/relationships" xmlns:mc="http://schemas.openxmlformats.org/markup-compatibility/2006" xmlns:mv="urn:schemas-microsoft-com:mac:vml" xmlns:p="http://schemas.openxmlformats.org/presentationml/2006/main" mc:Ignorable="mv" mc:PreserveAttributes="mv:*" showMasterPhAnim="0">
   <p:cSld>
     <p:spTree>
       <p:nvGrpSpPr>
